--- a/시스템/도감Ver.1.pptx
+++ b/시스템/도감Ver.1.pptx
@@ -14,6 +14,12 @@
     <p:sldId id="338" r:id="rId8"/>
     <p:sldId id="340" r:id="rId9"/>
     <p:sldId id="341" r:id="rId10"/>
+    <p:sldId id="343" r:id="rId11"/>
+    <p:sldId id="342" r:id="rId12"/>
+    <p:sldId id="344" r:id="rId13"/>
+    <p:sldId id="345" r:id="rId14"/>
+    <p:sldId id="347" r:id="rId15"/>
+    <p:sldId id="346" r:id="rId16"/>
   </p:sldIdLst>
   <p:sldSz cx="12192000" cy="6858000"/>
   <p:notesSz cx="6858000" cy="9144000"/>
@@ -112,6 +118,11 @@
       </a:defRPr>
     </a:lvl9pPr>
   </p:defaultTextStyle>
+  <p:extLst>
+    <p:ext uri="{EFAFB233-063F-42B5-8137-9DF3F51BA10A}">
+      <p15:sldGuideLst xmlns:p15="http://schemas.microsoft.com/office/powerpoint/2012/main"/>
+    </p:ext>
+  </p:extLst>
 </p:presentation>
 </file>
 
@@ -262,7 +273,7 @@
           <a:p>
             <a:fld id="{EC327B38-3716-4331-9277-68FBE277FB1D}" type="datetimeFigureOut">
               <a:rPr lang="ko-KR" altLang="en-US" smtClean="0"/>
-              <a:t>2023-01-29</a:t>
+              <a:t>2023-02-05</a:t>
             </a:fld>
             <a:endParaRPr lang="ko-KR" altLang="en-US"/>
           </a:p>
@@ -460,7 +471,7 @@
           <a:p>
             <a:fld id="{EC327B38-3716-4331-9277-68FBE277FB1D}" type="datetimeFigureOut">
               <a:rPr lang="ko-KR" altLang="en-US" smtClean="0"/>
-              <a:t>2023-01-29</a:t>
+              <a:t>2023-02-05</a:t>
             </a:fld>
             <a:endParaRPr lang="ko-KR" altLang="en-US"/>
           </a:p>
@@ -668,7 +679,7 @@
           <a:p>
             <a:fld id="{EC327B38-3716-4331-9277-68FBE277FB1D}" type="datetimeFigureOut">
               <a:rPr lang="ko-KR" altLang="en-US" smtClean="0"/>
-              <a:t>2023-01-29</a:t>
+              <a:t>2023-02-05</a:t>
             </a:fld>
             <a:endParaRPr lang="ko-KR" altLang="en-US"/>
           </a:p>
@@ -866,7 +877,7 @@
           <a:p>
             <a:fld id="{EC327B38-3716-4331-9277-68FBE277FB1D}" type="datetimeFigureOut">
               <a:rPr lang="ko-KR" altLang="en-US" smtClean="0"/>
-              <a:t>2023-01-29</a:t>
+              <a:t>2023-02-05</a:t>
             </a:fld>
             <a:endParaRPr lang="ko-KR" altLang="en-US"/>
           </a:p>
@@ -1141,7 +1152,7 @@
           <a:p>
             <a:fld id="{EC327B38-3716-4331-9277-68FBE277FB1D}" type="datetimeFigureOut">
               <a:rPr lang="ko-KR" altLang="en-US" smtClean="0"/>
-              <a:t>2023-01-29</a:t>
+              <a:t>2023-02-05</a:t>
             </a:fld>
             <a:endParaRPr lang="ko-KR" altLang="en-US"/>
           </a:p>
@@ -1406,7 +1417,7 @@
           <a:p>
             <a:fld id="{EC327B38-3716-4331-9277-68FBE277FB1D}" type="datetimeFigureOut">
               <a:rPr lang="ko-KR" altLang="en-US" smtClean="0"/>
-              <a:t>2023-01-29</a:t>
+              <a:t>2023-02-05</a:t>
             </a:fld>
             <a:endParaRPr lang="ko-KR" altLang="en-US"/>
           </a:p>
@@ -1818,7 +1829,7 @@
           <a:p>
             <a:fld id="{EC327B38-3716-4331-9277-68FBE277FB1D}" type="datetimeFigureOut">
               <a:rPr lang="ko-KR" altLang="en-US" smtClean="0"/>
-              <a:t>2023-01-29</a:t>
+              <a:t>2023-02-05</a:t>
             </a:fld>
             <a:endParaRPr lang="ko-KR" altLang="en-US"/>
           </a:p>
@@ -1959,7 +1970,7 @@
           <a:p>
             <a:fld id="{EC327B38-3716-4331-9277-68FBE277FB1D}" type="datetimeFigureOut">
               <a:rPr lang="ko-KR" altLang="en-US" smtClean="0"/>
-              <a:t>2023-01-29</a:t>
+              <a:t>2023-02-05</a:t>
             </a:fld>
             <a:endParaRPr lang="ko-KR" altLang="en-US"/>
           </a:p>
@@ -2072,7 +2083,7 @@
           <a:p>
             <a:fld id="{EC327B38-3716-4331-9277-68FBE277FB1D}" type="datetimeFigureOut">
               <a:rPr lang="ko-KR" altLang="en-US" smtClean="0"/>
-              <a:t>2023-01-29</a:t>
+              <a:t>2023-02-05</a:t>
             </a:fld>
             <a:endParaRPr lang="ko-KR" altLang="en-US"/>
           </a:p>
@@ -2383,7 +2394,7 @@
           <a:p>
             <a:fld id="{EC327B38-3716-4331-9277-68FBE277FB1D}" type="datetimeFigureOut">
               <a:rPr lang="ko-KR" altLang="en-US" smtClean="0"/>
-              <a:t>2023-01-29</a:t>
+              <a:t>2023-02-05</a:t>
             </a:fld>
             <a:endParaRPr lang="ko-KR" altLang="en-US"/>
           </a:p>
@@ -2671,7 +2682,7 @@
           <a:p>
             <a:fld id="{EC327B38-3716-4331-9277-68FBE277FB1D}" type="datetimeFigureOut">
               <a:rPr lang="ko-KR" altLang="en-US" smtClean="0"/>
-              <a:t>2023-01-29</a:t>
+              <a:t>2023-02-05</a:t>
             </a:fld>
             <a:endParaRPr lang="ko-KR" altLang="en-US"/>
           </a:p>
@@ -2912,7 +2923,7 @@
           <a:p>
             <a:fld id="{EC327B38-3716-4331-9277-68FBE277FB1D}" type="datetimeFigureOut">
               <a:rPr lang="ko-KR" altLang="en-US" smtClean="0"/>
-              <a:t>2023-01-29</a:t>
+              <a:t>2023-02-05</a:t>
             </a:fld>
             <a:endParaRPr lang="ko-KR" altLang="en-US"/>
           </a:p>
@@ -3380,6 +3391,7270 @@
 </p:sld>
 </file>
 
+<file path=ppt/slides/slide10.xml><?xml version="1.0" encoding="utf-8"?>
+<p:sld xmlns:a="http://schemas.openxmlformats.org/drawingml/2006/main" xmlns:r="http://schemas.openxmlformats.org/officeDocument/2006/relationships" xmlns:p="http://schemas.openxmlformats.org/presentationml/2006/main">
+  <p:cSld>
+    <p:spTree>
+      <p:nvGrpSpPr>
+        <p:cNvPr id="1" name=""/>
+        <p:cNvGrpSpPr/>
+        <p:nvPr/>
+      </p:nvGrpSpPr>
+      <p:grpSpPr>
+        <a:xfrm>
+          <a:off x="0" y="0"/>
+          <a:ext cx="0" cy="0"/>
+          <a:chOff x="0" y="0"/>
+          <a:chExt cx="0" cy="0"/>
+        </a:xfrm>
+      </p:grpSpPr>
+      <p:sp>
+        <p:nvSpPr>
+          <p:cNvPr id="17" name="TextBox 16">
+            <a:extLst>
+              <a:ext uri="{FF2B5EF4-FFF2-40B4-BE49-F238E27FC236}">
+                <a16:creationId xmlns:a16="http://schemas.microsoft.com/office/drawing/2014/main" id="{30849DC2-D79D-4F07-89AD-05D90373D414}"/>
+              </a:ext>
+            </a:extLst>
+          </p:cNvPr>
+          <p:cNvSpPr txBox="1"/>
+          <p:nvPr/>
+        </p:nvSpPr>
+        <p:spPr>
+          <a:xfrm>
+            <a:off x="5148503" y="2905780"/>
+            <a:ext cx="1842231" cy="523220"/>
+          </a:xfrm>
+          <a:prstGeom prst="rect">
+            <a:avLst/>
+          </a:prstGeom>
+          <a:noFill/>
+        </p:spPr>
+        <p:txBody>
+          <a:bodyPr wrap="square" rtlCol="0">
+            <a:spAutoFit/>
+          </a:bodyPr>
+          <a:lstStyle/>
+          <a:p>
+            <a:r>
+              <a:rPr lang="ko-KR" altLang="en-US" sz="2800" b="1">
+                <a:latin typeface="Aharoni" panose="020B0604020202020204" pitchFamily="2" charset="-79"/>
+                <a:cs typeface="Aharoni" panose="020B0604020202020204" pitchFamily="2" charset="-79"/>
+              </a:rPr>
+              <a:t>상세 설명</a:t>
+            </a:r>
+            <a:endParaRPr lang="ko-KR" altLang="en-US" sz="2800" b="1" dirty="0">
+              <a:latin typeface="Aharoni" panose="020B0604020202020204" pitchFamily="2" charset="-79"/>
+              <a:cs typeface="Aharoni" panose="020B0604020202020204" pitchFamily="2" charset="-79"/>
+            </a:endParaRPr>
+          </a:p>
+        </p:txBody>
+      </p:sp>
+    </p:spTree>
+    <p:extLst>
+      <p:ext uri="{BB962C8B-B14F-4D97-AF65-F5344CB8AC3E}">
+        <p14:creationId xmlns:p14="http://schemas.microsoft.com/office/powerpoint/2010/main" val="3855285318"/>
+      </p:ext>
+    </p:extLst>
+  </p:cSld>
+  <p:clrMapOvr>
+    <a:masterClrMapping/>
+  </p:clrMapOvr>
+</p:sld>
+</file>
+
+<file path=ppt/slides/slide11.xml><?xml version="1.0" encoding="utf-8"?>
+<p:sld xmlns:a="http://schemas.openxmlformats.org/drawingml/2006/main" xmlns:r="http://schemas.openxmlformats.org/officeDocument/2006/relationships" xmlns:p="http://schemas.openxmlformats.org/presentationml/2006/main">
+  <p:cSld>
+    <p:spTree>
+      <p:nvGrpSpPr>
+        <p:cNvPr id="1" name=""/>
+        <p:cNvGrpSpPr/>
+        <p:nvPr/>
+      </p:nvGrpSpPr>
+      <p:grpSpPr>
+        <a:xfrm>
+          <a:off x="0" y="0"/>
+          <a:ext cx="0" cy="0"/>
+          <a:chOff x="0" y="0"/>
+          <a:chExt cx="0" cy="0"/>
+        </a:xfrm>
+      </p:grpSpPr>
+      <p:sp>
+        <p:nvSpPr>
+          <p:cNvPr id="41" name="TextBox 40">
+            <a:extLst>
+              <a:ext uri="{FF2B5EF4-FFF2-40B4-BE49-F238E27FC236}">
+                <a16:creationId xmlns:a16="http://schemas.microsoft.com/office/drawing/2014/main" id="{F7DF53E9-75B2-B34B-EA61-37DA27EB4E9F}"/>
+              </a:ext>
+            </a:extLst>
+          </p:cNvPr>
+          <p:cNvSpPr txBox="1"/>
+          <p:nvPr/>
+        </p:nvSpPr>
+        <p:spPr>
+          <a:xfrm>
+            <a:off x="672825" y="399870"/>
+            <a:ext cx="2495129" cy="523220"/>
+          </a:xfrm>
+          <a:prstGeom prst="rect">
+            <a:avLst/>
+          </a:prstGeom>
+          <a:noFill/>
+        </p:spPr>
+        <p:txBody>
+          <a:bodyPr wrap="square" rtlCol="0">
+            <a:spAutoFit/>
+          </a:bodyPr>
+          <a:lstStyle/>
+          <a:p>
+            <a:r>
+              <a:rPr lang="ko-KR" altLang="en-US" sz="2800" b="1" dirty="0">
+                <a:latin typeface="Aharoni" panose="020B0604020202020204" pitchFamily="2" charset="-79"/>
+                <a:cs typeface="Aharoni" panose="020B0604020202020204" pitchFamily="2" charset="-79"/>
+              </a:rPr>
+              <a:t>입장 방법</a:t>
+            </a:r>
+          </a:p>
+        </p:txBody>
+      </p:sp>
+      <p:pic>
+        <p:nvPicPr>
+          <p:cNvPr id="44" name="그림 43">
+            <a:extLst>
+              <a:ext uri="{FF2B5EF4-FFF2-40B4-BE49-F238E27FC236}">
+                <a16:creationId xmlns:a16="http://schemas.microsoft.com/office/drawing/2014/main" id="{E60A61D3-440A-79E6-8F57-A202A5DF2B89}"/>
+              </a:ext>
+            </a:extLst>
+          </p:cNvPr>
+          <p:cNvPicPr>
+            <a:picLocks noChangeAspect="1"/>
+          </p:cNvPicPr>
+          <p:nvPr/>
+        </p:nvPicPr>
+        <p:blipFill>
+          <a:blip r:embed="rId2"/>
+          <a:stretch>
+            <a:fillRect/>
+          </a:stretch>
+        </p:blipFill>
+        <p:spPr>
+          <a:xfrm>
+            <a:off x="4202177" y="1340023"/>
+            <a:ext cx="6485768" cy="3656043"/>
+          </a:xfrm>
+          <a:prstGeom prst="rect">
+            <a:avLst/>
+          </a:prstGeom>
+        </p:spPr>
+      </p:pic>
+      <p:sp>
+        <p:nvSpPr>
+          <p:cNvPr id="45" name="TextBox 44">
+            <a:extLst>
+              <a:ext uri="{FF2B5EF4-FFF2-40B4-BE49-F238E27FC236}">
+                <a16:creationId xmlns:a16="http://schemas.microsoft.com/office/drawing/2014/main" id="{5FD8D487-C32B-D29B-39A0-D31902A6E9EC}"/>
+              </a:ext>
+            </a:extLst>
+          </p:cNvPr>
+          <p:cNvSpPr txBox="1"/>
+          <p:nvPr/>
+        </p:nvSpPr>
+        <p:spPr>
+          <a:xfrm>
+            <a:off x="672825" y="1696470"/>
+            <a:ext cx="3144356" cy="830997"/>
+          </a:xfrm>
+          <a:prstGeom prst="rect">
+            <a:avLst/>
+          </a:prstGeom>
+          <a:noFill/>
+        </p:spPr>
+        <p:txBody>
+          <a:bodyPr wrap="square" rtlCol="0">
+            <a:spAutoFit/>
+          </a:bodyPr>
+          <a:lstStyle/>
+          <a:p>
+            <a:r>
+              <a:rPr lang="ko-KR" altLang="en-US" sz="1000" dirty="0"/>
+              <a:t>●</a:t>
+            </a:r>
+            <a:r>
+              <a:rPr lang="ko-KR" altLang="en-US" dirty="0"/>
+              <a:t> 입장 방법</a:t>
+            </a:r>
+            <a:endParaRPr lang="en-US" altLang="ko-KR" dirty="0"/>
+          </a:p>
+          <a:p>
+            <a:endParaRPr lang="en-US" altLang="ko-KR" dirty="0"/>
+          </a:p>
+          <a:p>
+            <a:r>
+              <a:rPr lang="en-US" altLang="ko-KR" sz="1200" dirty="0"/>
+              <a:t>- </a:t>
+            </a:r>
+            <a:r>
+              <a:rPr lang="ko-KR" altLang="en-US" sz="1200" dirty="0"/>
+              <a:t>학생회실의 도감 버튼을 클릭하여 입장</a:t>
+            </a:r>
+          </a:p>
+        </p:txBody>
+      </p:sp>
+      <p:sp>
+        <p:nvSpPr>
+          <p:cNvPr id="46" name="타원 45">
+            <a:extLst>
+              <a:ext uri="{FF2B5EF4-FFF2-40B4-BE49-F238E27FC236}">
+                <a16:creationId xmlns:a16="http://schemas.microsoft.com/office/drawing/2014/main" id="{705856CC-1F77-099F-65F9-2E0585909806}"/>
+              </a:ext>
+            </a:extLst>
+          </p:cNvPr>
+          <p:cNvSpPr/>
+          <p:nvPr/>
+        </p:nvSpPr>
+        <p:spPr>
+          <a:xfrm>
+            <a:off x="5057854" y="2111969"/>
+            <a:ext cx="1380449" cy="1173972"/>
+          </a:xfrm>
+          <a:prstGeom prst="ellipse">
+            <a:avLst/>
+          </a:prstGeom>
+          <a:noFill/>
+          <a:ln w="19050">
+            <a:solidFill>
+              <a:srgbClr val="FF0000"/>
+            </a:solidFill>
+          </a:ln>
+        </p:spPr>
+        <p:style>
+          <a:lnRef idx="2">
+            <a:schemeClr val="accent1">
+              <a:shade val="50000"/>
+            </a:schemeClr>
+          </a:lnRef>
+          <a:fillRef idx="1">
+            <a:schemeClr val="accent1"/>
+          </a:fillRef>
+          <a:effectRef idx="0">
+            <a:schemeClr val="accent1"/>
+          </a:effectRef>
+          <a:fontRef idx="minor">
+            <a:schemeClr val="lt1"/>
+          </a:fontRef>
+        </p:style>
+        <p:txBody>
+          <a:bodyPr rtlCol="0" anchor="ctr"/>
+          <a:lstStyle/>
+          <a:p>
+            <a:pPr algn="ctr"/>
+            <a:endParaRPr lang="ko-KR" altLang="en-US"/>
+          </a:p>
+        </p:txBody>
+      </p:sp>
+    </p:spTree>
+    <p:extLst>
+      <p:ext uri="{BB962C8B-B14F-4D97-AF65-F5344CB8AC3E}">
+        <p14:creationId xmlns:p14="http://schemas.microsoft.com/office/powerpoint/2010/main" val="2198789055"/>
+      </p:ext>
+    </p:extLst>
+  </p:cSld>
+  <p:clrMapOvr>
+    <a:masterClrMapping/>
+  </p:clrMapOvr>
+</p:sld>
+</file>
+
+<file path=ppt/slides/slide12.xml><?xml version="1.0" encoding="utf-8"?>
+<p:sld xmlns:a="http://schemas.openxmlformats.org/drawingml/2006/main" xmlns:r="http://schemas.openxmlformats.org/officeDocument/2006/relationships" xmlns:p="http://schemas.openxmlformats.org/presentationml/2006/main">
+  <p:cSld>
+    <p:spTree>
+      <p:nvGrpSpPr>
+        <p:cNvPr id="1" name=""/>
+        <p:cNvGrpSpPr/>
+        <p:nvPr/>
+      </p:nvGrpSpPr>
+      <p:grpSpPr>
+        <a:xfrm>
+          <a:off x="0" y="0"/>
+          <a:ext cx="0" cy="0"/>
+          <a:chOff x="0" y="0"/>
+          <a:chExt cx="0" cy="0"/>
+        </a:xfrm>
+      </p:grpSpPr>
+      <p:sp>
+        <p:nvSpPr>
+          <p:cNvPr id="41" name="TextBox 40">
+            <a:extLst>
+              <a:ext uri="{FF2B5EF4-FFF2-40B4-BE49-F238E27FC236}">
+                <a16:creationId xmlns:a16="http://schemas.microsoft.com/office/drawing/2014/main" id="{F7DF53E9-75B2-B34B-EA61-37DA27EB4E9F}"/>
+              </a:ext>
+            </a:extLst>
+          </p:cNvPr>
+          <p:cNvSpPr txBox="1"/>
+          <p:nvPr/>
+        </p:nvSpPr>
+        <p:spPr>
+          <a:xfrm>
+            <a:off x="672825" y="399870"/>
+            <a:ext cx="2495129" cy="523220"/>
+          </a:xfrm>
+          <a:prstGeom prst="rect">
+            <a:avLst/>
+          </a:prstGeom>
+          <a:noFill/>
+        </p:spPr>
+        <p:txBody>
+          <a:bodyPr wrap="square" rtlCol="0">
+            <a:spAutoFit/>
+          </a:bodyPr>
+          <a:lstStyle/>
+          <a:p>
+            <a:r>
+              <a:rPr lang="en-US" altLang="ko-KR" sz="2800" b="1" dirty="0">
+                <a:latin typeface="Aharoni" panose="020B0604020202020204" pitchFamily="2" charset="-79"/>
+                <a:cs typeface="Aharoni" panose="020B0604020202020204" pitchFamily="2" charset="-79"/>
+              </a:rPr>
+              <a:t>Flow</a:t>
+            </a:r>
+            <a:endParaRPr lang="ko-KR" altLang="en-US" sz="2800" b="1" dirty="0">
+              <a:latin typeface="Aharoni" panose="020B0604020202020204" pitchFamily="2" charset="-79"/>
+              <a:cs typeface="Aharoni" panose="020B0604020202020204" pitchFamily="2" charset="-79"/>
+            </a:endParaRPr>
+          </a:p>
+        </p:txBody>
+      </p:sp>
+      <p:sp>
+        <p:nvSpPr>
+          <p:cNvPr id="2" name="직사각형 1">
+            <a:extLst>
+              <a:ext uri="{FF2B5EF4-FFF2-40B4-BE49-F238E27FC236}">
+                <a16:creationId xmlns:a16="http://schemas.microsoft.com/office/drawing/2014/main" id="{642A13BB-7418-BF4F-E35F-2B07BFA4DD48}"/>
+              </a:ext>
+            </a:extLst>
+          </p:cNvPr>
+          <p:cNvSpPr/>
+          <p:nvPr/>
+        </p:nvSpPr>
+        <p:spPr>
+          <a:xfrm>
+            <a:off x="672825" y="1623823"/>
+            <a:ext cx="1082180" cy="377505"/>
+          </a:xfrm>
+          <a:prstGeom prst="rect">
+            <a:avLst/>
+          </a:prstGeom>
+        </p:spPr>
+        <p:style>
+          <a:lnRef idx="2">
+            <a:schemeClr val="accent1">
+              <a:shade val="50000"/>
+            </a:schemeClr>
+          </a:lnRef>
+          <a:fillRef idx="1">
+            <a:schemeClr val="accent1"/>
+          </a:fillRef>
+          <a:effectRef idx="0">
+            <a:schemeClr val="accent1"/>
+          </a:effectRef>
+          <a:fontRef idx="minor">
+            <a:schemeClr val="lt1"/>
+          </a:fontRef>
+        </p:style>
+        <p:txBody>
+          <a:bodyPr rtlCol="0" anchor="ctr"/>
+          <a:lstStyle/>
+          <a:p>
+            <a:pPr algn="ctr"/>
+            <a:r>
+              <a:rPr lang="ko-KR" altLang="en-US" sz="1600" dirty="0"/>
+              <a:t>도감</a:t>
+            </a:r>
+          </a:p>
+        </p:txBody>
+      </p:sp>
+      <p:cxnSp>
+        <p:nvCxnSpPr>
+          <p:cNvPr id="4" name="직선 화살표 연결선 3">
+            <a:extLst>
+              <a:ext uri="{FF2B5EF4-FFF2-40B4-BE49-F238E27FC236}">
+                <a16:creationId xmlns:a16="http://schemas.microsoft.com/office/drawing/2014/main" id="{9946CB77-0C43-5198-A174-2FA1D3E3225C}"/>
+              </a:ext>
+            </a:extLst>
+          </p:cNvPr>
+          <p:cNvCxnSpPr>
+            <a:stCxn id="2" idx="3"/>
+          </p:cNvCxnSpPr>
+          <p:nvPr/>
+        </p:nvCxnSpPr>
+        <p:spPr>
+          <a:xfrm flipV="1">
+            <a:off x="1755005" y="1812575"/>
+            <a:ext cx="917403" cy="1"/>
+          </a:xfrm>
+          <a:prstGeom prst="straightConnector1">
+            <a:avLst/>
+          </a:prstGeom>
+          <a:ln>
+            <a:solidFill>
+              <a:schemeClr val="tx1"/>
+            </a:solidFill>
+            <a:tailEnd type="triangle"/>
+          </a:ln>
+        </p:spPr>
+        <p:style>
+          <a:lnRef idx="1">
+            <a:schemeClr val="accent1"/>
+          </a:lnRef>
+          <a:fillRef idx="0">
+            <a:schemeClr val="accent1"/>
+          </a:fillRef>
+          <a:effectRef idx="0">
+            <a:schemeClr val="accent1"/>
+          </a:effectRef>
+          <a:fontRef idx="minor">
+            <a:schemeClr val="tx1"/>
+          </a:fontRef>
+        </p:style>
+      </p:cxnSp>
+      <p:sp>
+        <p:nvSpPr>
+          <p:cNvPr id="5" name="직사각형 4">
+            <a:extLst>
+              <a:ext uri="{FF2B5EF4-FFF2-40B4-BE49-F238E27FC236}">
+                <a16:creationId xmlns:a16="http://schemas.microsoft.com/office/drawing/2014/main" id="{81F32AF9-A79B-1C74-6DA9-0EECD74F069A}"/>
+              </a:ext>
+            </a:extLst>
+          </p:cNvPr>
+          <p:cNvSpPr/>
+          <p:nvPr/>
+        </p:nvSpPr>
+        <p:spPr>
+          <a:xfrm>
+            <a:off x="2672408" y="1623822"/>
+            <a:ext cx="1082180" cy="377505"/>
+          </a:xfrm>
+          <a:prstGeom prst="rect">
+            <a:avLst/>
+          </a:prstGeom>
+        </p:spPr>
+        <p:style>
+          <a:lnRef idx="2">
+            <a:schemeClr val="accent1">
+              <a:shade val="50000"/>
+            </a:schemeClr>
+          </a:lnRef>
+          <a:fillRef idx="1">
+            <a:schemeClr val="accent1"/>
+          </a:fillRef>
+          <a:effectRef idx="0">
+            <a:schemeClr val="accent1"/>
+          </a:effectRef>
+          <a:fontRef idx="minor">
+            <a:schemeClr val="lt1"/>
+          </a:fontRef>
+        </p:style>
+        <p:txBody>
+          <a:bodyPr rtlCol="0" anchor="ctr"/>
+          <a:lstStyle/>
+          <a:p>
+            <a:pPr algn="ctr"/>
+            <a:r>
+              <a:rPr lang="ko-KR" altLang="en-US" sz="1100"/>
+              <a:t>아이템 도감</a:t>
+            </a:r>
+            <a:endParaRPr lang="ko-KR" altLang="en-US" sz="1100" dirty="0"/>
+          </a:p>
+        </p:txBody>
+      </p:sp>
+      <p:sp>
+        <p:nvSpPr>
+          <p:cNvPr id="6" name="직사각형 5">
+            <a:extLst>
+              <a:ext uri="{FF2B5EF4-FFF2-40B4-BE49-F238E27FC236}">
+                <a16:creationId xmlns:a16="http://schemas.microsoft.com/office/drawing/2014/main" id="{F7485E61-DDB7-B56A-F047-F5C2D011C05F}"/>
+              </a:ext>
+            </a:extLst>
+          </p:cNvPr>
+          <p:cNvSpPr/>
+          <p:nvPr/>
+        </p:nvSpPr>
+        <p:spPr>
+          <a:xfrm>
+            <a:off x="2672408" y="2124284"/>
+            <a:ext cx="1082180" cy="377505"/>
+          </a:xfrm>
+          <a:prstGeom prst="rect">
+            <a:avLst/>
+          </a:prstGeom>
+        </p:spPr>
+        <p:style>
+          <a:lnRef idx="2">
+            <a:schemeClr val="accent1">
+              <a:shade val="50000"/>
+            </a:schemeClr>
+          </a:lnRef>
+          <a:fillRef idx="1">
+            <a:schemeClr val="accent1"/>
+          </a:fillRef>
+          <a:effectRef idx="0">
+            <a:schemeClr val="accent1"/>
+          </a:effectRef>
+          <a:fontRef idx="minor">
+            <a:schemeClr val="lt1"/>
+          </a:fontRef>
+        </p:style>
+        <p:txBody>
+          <a:bodyPr rtlCol="0" anchor="ctr"/>
+          <a:lstStyle/>
+          <a:p>
+            <a:pPr algn="ctr"/>
+            <a:r>
+              <a:rPr lang="ko-KR" altLang="en-US" sz="1100" dirty="0"/>
+              <a:t>수집품 도감</a:t>
+            </a:r>
+          </a:p>
+        </p:txBody>
+      </p:sp>
+      <p:cxnSp>
+        <p:nvCxnSpPr>
+          <p:cNvPr id="8" name="연결선: 꺾임 7">
+            <a:extLst>
+              <a:ext uri="{FF2B5EF4-FFF2-40B4-BE49-F238E27FC236}">
+                <a16:creationId xmlns:a16="http://schemas.microsoft.com/office/drawing/2014/main" id="{AD1CAFF6-C354-A0D6-98B3-744276B32607}"/>
+              </a:ext>
+            </a:extLst>
+          </p:cNvPr>
+          <p:cNvCxnSpPr>
+            <a:stCxn id="2" idx="3"/>
+            <a:endCxn id="6" idx="1"/>
+          </p:cNvCxnSpPr>
+          <p:nvPr/>
+        </p:nvCxnSpPr>
+        <p:spPr>
+          <a:xfrm>
+            <a:off x="1755005" y="1812576"/>
+            <a:ext cx="917403" cy="500461"/>
+          </a:xfrm>
+          <a:prstGeom prst="bentConnector3">
+            <a:avLst/>
+          </a:prstGeom>
+          <a:ln>
+            <a:solidFill>
+              <a:schemeClr val="tx1"/>
+            </a:solidFill>
+            <a:tailEnd type="triangle"/>
+          </a:ln>
+        </p:spPr>
+        <p:style>
+          <a:lnRef idx="1">
+            <a:schemeClr val="accent1"/>
+          </a:lnRef>
+          <a:fillRef idx="0">
+            <a:schemeClr val="accent1"/>
+          </a:fillRef>
+          <a:effectRef idx="0">
+            <a:schemeClr val="accent1"/>
+          </a:effectRef>
+          <a:fontRef idx="minor">
+            <a:schemeClr val="tx1"/>
+          </a:fontRef>
+        </p:style>
+      </p:cxnSp>
+      <p:cxnSp>
+        <p:nvCxnSpPr>
+          <p:cNvPr id="10" name="직선 화살표 연결선 9">
+            <a:extLst>
+              <a:ext uri="{FF2B5EF4-FFF2-40B4-BE49-F238E27FC236}">
+                <a16:creationId xmlns:a16="http://schemas.microsoft.com/office/drawing/2014/main" id="{90955729-FAEB-71BF-2DDB-38F2015FCBE1}"/>
+              </a:ext>
+            </a:extLst>
+          </p:cNvPr>
+          <p:cNvCxnSpPr>
+            <a:cxnSpLocks/>
+            <a:stCxn id="5" idx="3"/>
+          </p:cNvCxnSpPr>
+          <p:nvPr/>
+        </p:nvCxnSpPr>
+        <p:spPr>
+          <a:xfrm flipV="1">
+            <a:off x="3754588" y="1812574"/>
+            <a:ext cx="622733" cy="1"/>
+          </a:xfrm>
+          <a:prstGeom prst="straightConnector1">
+            <a:avLst/>
+          </a:prstGeom>
+          <a:ln>
+            <a:solidFill>
+              <a:schemeClr val="tx1"/>
+            </a:solidFill>
+            <a:tailEnd type="triangle"/>
+          </a:ln>
+        </p:spPr>
+        <p:style>
+          <a:lnRef idx="1">
+            <a:schemeClr val="accent1"/>
+          </a:lnRef>
+          <a:fillRef idx="0">
+            <a:schemeClr val="accent1"/>
+          </a:fillRef>
+          <a:effectRef idx="0">
+            <a:schemeClr val="accent1"/>
+          </a:effectRef>
+          <a:fontRef idx="minor">
+            <a:schemeClr val="tx1"/>
+          </a:fontRef>
+        </p:style>
+      </p:cxnSp>
+      <p:sp>
+        <p:nvSpPr>
+          <p:cNvPr id="13" name="직사각형 12">
+            <a:extLst>
+              <a:ext uri="{FF2B5EF4-FFF2-40B4-BE49-F238E27FC236}">
+                <a16:creationId xmlns:a16="http://schemas.microsoft.com/office/drawing/2014/main" id="{B2A5BDD8-FDF6-6E2E-0976-8AA6DE6109D1}"/>
+              </a:ext>
+            </a:extLst>
+          </p:cNvPr>
+          <p:cNvSpPr/>
+          <p:nvPr/>
+        </p:nvSpPr>
+        <p:spPr>
+          <a:xfrm>
+            <a:off x="4377321" y="1623821"/>
+            <a:ext cx="1082180" cy="377505"/>
+          </a:xfrm>
+          <a:prstGeom prst="rect">
+            <a:avLst/>
+          </a:prstGeom>
+        </p:spPr>
+        <p:style>
+          <a:lnRef idx="2">
+            <a:schemeClr val="accent1">
+              <a:shade val="50000"/>
+            </a:schemeClr>
+          </a:lnRef>
+          <a:fillRef idx="1">
+            <a:schemeClr val="accent1"/>
+          </a:fillRef>
+          <a:effectRef idx="0">
+            <a:schemeClr val="accent1"/>
+          </a:effectRef>
+          <a:fontRef idx="minor">
+            <a:schemeClr val="lt1"/>
+          </a:fontRef>
+        </p:style>
+        <p:txBody>
+          <a:bodyPr rtlCol="0" anchor="ctr"/>
+          <a:lstStyle/>
+          <a:p>
+            <a:pPr algn="ctr"/>
+            <a:r>
+              <a:rPr lang="ko-KR" altLang="en-US" sz="1100"/>
+              <a:t>장비</a:t>
+            </a:r>
+            <a:endParaRPr lang="ko-KR" altLang="en-US" sz="1100" dirty="0"/>
+          </a:p>
+        </p:txBody>
+      </p:sp>
+      <p:sp>
+        <p:nvSpPr>
+          <p:cNvPr id="14" name="직사각형 13">
+            <a:extLst>
+              <a:ext uri="{FF2B5EF4-FFF2-40B4-BE49-F238E27FC236}">
+                <a16:creationId xmlns:a16="http://schemas.microsoft.com/office/drawing/2014/main" id="{AEB50713-50C7-8959-7E9F-896F45BBB73E}"/>
+              </a:ext>
+            </a:extLst>
+          </p:cNvPr>
+          <p:cNvSpPr/>
+          <p:nvPr/>
+        </p:nvSpPr>
+        <p:spPr>
+          <a:xfrm>
+            <a:off x="4377321" y="2096232"/>
+            <a:ext cx="1082180" cy="377505"/>
+          </a:xfrm>
+          <a:prstGeom prst="rect">
+            <a:avLst/>
+          </a:prstGeom>
+        </p:spPr>
+        <p:style>
+          <a:lnRef idx="2">
+            <a:schemeClr val="accent1">
+              <a:shade val="50000"/>
+            </a:schemeClr>
+          </a:lnRef>
+          <a:fillRef idx="1">
+            <a:schemeClr val="accent1"/>
+          </a:fillRef>
+          <a:effectRef idx="0">
+            <a:schemeClr val="accent1"/>
+          </a:effectRef>
+          <a:fontRef idx="minor">
+            <a:schemeClr val="lt1"/>
+          </a:fontRef>
+        </p:style>
+        <p:txBody>
+          <a:bodyPr rtlCol="0" anchor="ctr"/>
+          <a:lstStyle/>
+          <a:p>
+            <a:pPr algn="ctr"/>
+            <a:r>
+              <a:rPr lang="ko-KR" altLang="en-US" sz="1100" dirty="0"/>
+              <a:t>선물</a:t>
+            </a:r>
+          </a:p>
+        </p:txBody>
+      </p:sp>
+      <p:sp>
+        <p:nvSpPr>
+          <p:cNvPr id="15" name="직사각형 14">
+            <a:extLst>
+              <a:ext uri="{FF2B5EF4-FFF2-40B4-BE49-F238E27FC236}">
+                <a16:creationId xmlns:a16="http://schemas.microsoft.com/office/drawing/2014/main" id="{AAFAF2F0-399F-117D-CC75-FAE02AA1F029}"/>
+              </a:ext>
+            </a:extLst>
+          </p:cNvPr>
+          <p:cNvSpPr/>
+          <p:nvPr/>
+        </p:nvSpPr>
+        <p:spPr>
+          <a:xfrm>
+            <a:off x="4377321" y="2568643"/>
+            <a:ext cx="1082180" cy="377505"/>
+          </a:xfrm>
+          <a:prstGeom prst="rect">
+            <a:avLst/>
+          </a:prstGeom>
+        </p:spPr>
+        <p:style>
+          <a:lnRef idx="2">
+            <a:schemeClr val="accent1">
+              <a:shade val="50000"/>
+            </a:schemeClr>
+          </a:lnRef>
+          <a:fillRef idx="1">
+            <a:schemeClr val="accent1"/>
+          </a:fillRef>
+          <a:effectRef idx="0">
+            <a:schemeClr val="accent1"/>
+          </a:effectRef>
+          <a:fontRef idx="minor">
+            <a:schemeClr val="lt1"/>
+          </a:fontRef>
+        </p:style>
+        <p:txBody>
+          <a:bodyPr rtlCol="0" anchor="ctr"/>
+          <a:lstStyle/>
+          <a:p>
+            <a:pPr algn="ctr"/>
+            <a:r>
+              <a:rPr lang="ko-KR" altLang="en-US" sz="1100" dirty="0"/>
+              <a:t>물약</a:t>
+            </a:r>
+          </a:p>
+        </p:txBody>
+      </p:sp>
+      <p:sp>
+        <p:nvSpPr>
+          <p:cNvPr id="16" name="직사각형 15">
+            <a:extLst>
+              <a:ext uri="{FF2B5EF4-FFF2-40B4-BE49-F238E27FC236}">
+                <a16:creationId xmlns:a16="http://schemas.microsoft.com/office/drawing/2014/main" id="{AB8A5C14-D96D-2E85-D5C4-2752245930F5}"/>
+              </a:ext>
+            </a:extLst>
+          </p:cNvPr>
+          <p:cNvSpPr/>
+          <p:nvPr/>
+        </p:nvSpPr>
+        <p:spPr>
+          <a:xfrm>
+            <a:off x="4377321" y="3041054"/>
+            <a:ext cx="1082180" cy="377505"/>
+          </a:xfrm>
+          <a:prstGeom prst="rect">
+            <a:avLst/>
+          </a:prstGeom>
+        </p:spPr>
+        <p:style>
+          <a:lnRef idx="2">
+            <a:schemeClr val="accent1">
+              <a:shade val="50000"/>
+            </a:schemeClr>
+          </a:lnRef>
+          <a:fillRef idx="1">
+            <a:schemeClr val="accent1"/>
+          </a:fillRef>
+          <a:effectRef idx="0">
+            <a:schemeClr val="accent1"/>
+          </a:effectRef>
+          <a:fontRef idx="minor">
+            <a:schemeClr val="lt1"/>
+          </a:fontRef>
+        </p:style>
+        <p:txBody>
+          <a:bodyPr rtlCol="0" anchor="ctr"/>
+          <a:lstStyle/>
+          <a:p>
+            <a:pPr algn="ctr"/>
+            <a:r>
+              <a:rPr lang="ko-KR" altLang="en-US" sz="1100"/>
+              <a:t>재료</a:t>
+            </a:r>
+            <a:endParaRPr lang="ko-KR" altLang="en-US" sz="1100" dirty="0"/>
+          </a:p>
+        </p:txBody>
+      </p:sp>
+      <p:sp>
+        <p:nvSpPr>
+          <p:cNvPr id="17" name="직사각형 16">
+            <a:extLst>
+              <a:ext uri="{FF2B5EF4-FFF2-40B4-BE49-F238E27FC236}">
+                <a16:creationId xmlns:a16="http://schemas.microsoft.com/office/drawing/2014/main" id="{3D14FB0D-FD94-D101-C481-DFA60C13C8E0}"/>
+              </a:ext>
+            </a:extLst>
+          </p:cNvPr>
+          <p:cNvSpPr/>
+          <p:nvPr/>
+        </p:nvSpPr>
+        <p:spPr>
+          <a:xfrm>
+            <a:off x="4377321" y="3522713"/>
+            <a:ext cx="1082180" cy="377505"/>
+          </a:xfrm>
+          <a:prstGeom prst="rect">
+            <a:avLst/>
+          </a:prstGeom>
+        </p:spPr>
+        <p:style>
+          <a:lnRef idx="2">
+            <a:schemeClr val="accent1">
+              <a:shade val="50000"/>
+            </a:schemeClr>
+          </a:lnRef>
+          <a:fillRef idx="1">
+            <a:schemeClr val="accent1"/>
+          </a:fillRef>
+          <a:effectRef idx="0">
+            <a:schemeClr val="accent1"/>
+          </a:effectRef>
+          <a:fontRef idx="minor">
+            <a:schemeClr val="lt1"/>
+          </a:fontRef>
+        </p:style>
+        <p:txBody>
+          <a:bodyPr rtlCol="0" anchor="ctr"/>
+          <a:lstStyle/>
+          <a:p>
+            <a:pPr algn="ctr"/>
+            <a:r>
+              <a:rPr lang="ko-KR" altLang="en-US" sz="1100" dirty="0"/>
+              <a:t>퀘스트</a:t>
+            </a:r>
+          </a:p>
+        </p:txBody>
+      </p:sp>
+      <p:cxnSp>
+        <p:nvCxnSpPr>
+          <p:cNvPr id="18" name="연결선: 꺾임 17">
+            <a:extLst>
+              <a:ext uri="{FF2B5EF4-FFF2-40B4-BE49-F238E27FC236}">
+                <a16:creationId xmlns:a16="http://schemas.microsoft.com/office/drawing/2014/main" id="{A564A78D-542E-B628-5673-8E30E45F4198}"/>
+              </a:ext>
+            </a:extLst>
+          </p:cNvPr>
+          <p:cNvCxnSpPr>
+            <a:cxnSpLocks/>
+            <a:endCxn id="14" idx="1"/>
+          </p:cNvCxnSpPr>
+          <p:nvPr/>
+        </p:nvCxnSpPr>
+        <p:spPr>
+          <a:xfrm rot="16200000" flipH="1">
+            <a:off x="3958236" y="1865900"/>
+            <a:ext cx="472412" cy="365758"/>
+          </a:xfrm>
+          <a:prstGeom prst="bentConnector2">
+            <a:avLst/>
+          </a:prstGeom>
+          <a:ln>
+            <a:solidFill>
+              <a:schemeClr val="tx1"/>
+            </a:solidFill>
+            <a:tailEnd type="triangle"/>
+          </a:ln>
+        </p:spPr>
+        <p:style>
+          <a:lnRef idx="1">
+            <a:schemeClr val="accent1"/>
+          </a:lnRef>
+          <a:fillRef idx="0">
+            <a:schemeClr val="accent1"/>
+          </a:fillRef>
+          <a:effectRef idx="0">
+            <a:schemeClr val="accent1"/>
+          </a:effectRef>
+          <a:fontRef idx="minor">
+            <a:schemeClr val="tx1"/>
+          </a:fontRef>
+        </p:style>
+      </p:cxnSp>
+      <p:cxnSp>
+        <p:nvCxnSpPr>
+          <p:cNvPr id="21" name="연결선: 꺾임 20">
+            <a:extLst>
+              <a:ext uri="{FF2B5EF4-FFF2-40B4-BE49-F238E27FC236}">
+                <a16:creationId xmlns:a16="http://schemas.microsoft.com/office/drawing/2014/main" id="{40F605C5-5A39-8FB7-DC31-113EA25FCCAF}"/>
+              </a:ext>
+            </a:extLst>
+          </p:cNvPr>
+          <p:cNvCxnSpPr>
+            <a:cxnSpLocks/>
+            <a:endCxn id="15" idx="1"/>
+          </p:cNvCxnSpPr>
+          <p:nvPr/>
+        </p:nvCxnSpPr>
+        <p:spPr>
+          <a:xfrm rot="16200000" flipH="1">
+            <a:off x="3724342" y="2104417"/>
+            <a:ext cx="940200" cy="365758"/>
+          </a:xfrm>
+          <a:prstGeom prst="bentConnector2">
+            <a:avLst/>
+          </a:prstGeom>
+          <a:ln>
+            <a:solidFill>
+              <a:schemeClr val="tx1"/>
+            </a:solidFill>
+            <a:tailEnd type="triangle"/>
+          </a:ln>
+        </p:spPr>
+        <p:style>
+          <a:lnRef idx="1">
+            <a:schemeClr val="accent1"/>
+          </a:lnRef>
+          <a:fillRef idx="0">
+            <a:schemeClr val="accent1"/>
+          </a:fillRef>
+          <a:effectRef idx="0">
+            <a:schemeClr val="accent1"/>
+          </a:effectRef>
+          <a:fontRef idx="minor">
+            <a:schemeClr val="tx1"/>
+          </a:fontRef>
+        </p:style>
+      </p:cxnSp>
+      <p:cxnSp>
+        <p:nvCxnSpPr>
+          <p:cNvPr id="24" name="연결선: 꺾임 23">
+            <a:extLst>
+              <a:ext uri="{FF2B5EF4-FFF2-40B4-BE49-F238E27FC236}">
+                <a16:creationId xmlns:a16="http://schemas.microsoft.com/office/drawing/2014/main" id="{445239D2-F0B1-FDDE-B0A6-101D3FB98768}"/>
+              </a:ext>
+            </a:extLst>
+          </p:cNvPr>
+          <p:cNvCxnSpPr>
+            <a:cxnSpLocks/>
+            <a:endCxn id="16" idx="1"/>
+          </p:cNvCxnSpPr>
+          <p:nvPr/>
+        </p:nvCxnSpPr>
+        <p:spPr>
+          <a:xfrm rot="16200000" flipH="1">
+            <a:off x="3510707" y="2363193"/>
+            <a:ext cx="1367470" cy="365758"/>
+          </a:xfrm>
+          <a:prstGeom prst="bentConnector2">
+            <a:avLst/>
+          </a:prstGeom>
+          <a:ln>
+            <a:solidFill>
+              <a:schemeClr val="tx1"/>
+            </a:solidFill>
+            <a:tailEnd type="triangle"/>
+          </a:ln>
+        </p:spPr>
+        <p:style>
+          <a:lnRef idx="1">
+            <a:schemeClr val="accent1"/>
+          </a:lnRef>
+          <a:fillRef idx="0">
+            <a:schemeClr val="accent1"/>
+          </a:fillRef>
+          <a:effectRef idx="0">
+            <a:schemeClr val="accent1"/>
+          </a:effectRef>
+          <a:fontRef idx="minor">
+            <a:schemeClr val="tx1"/>
+          </a:fontRef>
+        </p:style>
+      </p:cxnSp>
+      <p:cxnSp>
+        <p:nvCxnSpPr>
+          <p:cNvPr id="27" name="연결선: 꺾임 26">
+            <a:extLst>
+              <a:ext uri="{FF2B5EF4-FFF2-40B4-BE49-F238E27FC236}">
+                <a16:creationId xmlns:a16="http://schemas.microsoft.com/office/drawing/2014/main" id="{8BA57C82-D280-6FD4-9E0E-89915065BB0D}"/>
+              </a:ext>
+            </a:extLst>
+          </p:cNvPr>
+          <p:cNvCxnSpPr>
+            <a:cxnSpLocks/>
+            <a:endCxn id="17" idx="1"/>
+          </p:cNvCxnSpPr>
+          <p:nvPr/>
+        </p:nvCxnSpPr>
+        <p:spPr>
+          <a:xfrm rot="16200000" flipH="1">
+            <a:off x="3257436" y="2591581"/>
+            <a:ext cx="1874012" cy="365758"/>
+          </a:xfrm>
+          <a:prstGeom prst="bentConnector2">
+            <a:avLst/>
+          </a:prstGeom>
+          <a:ln>
+            <a:solidFill>
+              <a:schemeClr val="tx1"/>
+            </a:solidFill>
+            <a:tailEnd type="triangle"/>
+          </a:ln>
+        </p:spPr>
+        <p:style>
+          <a:lnRef idx="1">
+            <a:schemeClr val="accent1"/>
+          </a:lnRef>
+          <a:fillRef idx="0">
+            <a:schemeClr val="accent1"/>
+          </a:fillRef>
+          <a:effectRef idx="0">
+            <a:schemeClr val="accent1"/>
+          </a:effectRef>
+          <a:fontRef idx="minor">
+            <a:schemeClr val="tx1"/>
+          </a:fontRef>
+        </p:style>
+      </p:cxnSp>
+      <p:cxnSp>
+        <p:nvCxnSpPr>
+          <p:cNvPr id="30" name="직선 화살표 연결선 29">
+            <a:extLst>
+              <a:ext uri="{FF2B5EF4-FFF2-40B4-BE49-F238E27FC236}">
+                <a16:creationId xmlns:a16="http://schemas.microsoft.com/office/drawing/2014/main" id="{0596A981-E001-7802-8497-AE4C9FE567C1}"/>
+              </a:ext>
+            </a:extLst>
+          </p:cNvPr>
+          <p:cNvCxnSpPr/>
+          <p:nvPr/>
+        </p:nvCxnSpPr>
+        <p:spPr>
+          <a:xfrm flipV="1">
+            <a:off x="5459501" y="1812572"/>
+            <a:ext cx="917403" cy="1"/>
+          </a:xfrm>
+          <a:prstGeom prst="straightConnector1">
+            <a:avLst/>
+          </a:prstGeom>
+          <a:ln>
+            <a:solidFill>
+              <a:schemeClr val="tx1"/>
+            </a:solidFill>
+            <a:tailEnd type="triangle"/>
+          </a:ln>
+        </p:spPr>
+        <p:style>
+          <a:lnRef idx="1">
+            <a:schemeClr val="accent1"/>
+          </a:lnRef>
+          <a:fillRef idx="0">
+            <a:schemeClr val="accent1"/>
+          </a:fillRef>
+          <a:effectRef idx="0">
+            <a:schemeClr val="accent1"/>
+          </a:effectRef>
+          <a:fontRef idx="minor">
+            <a:schemeClr val="tx1"/>
+          </a:fontRef>
+        </p:style>
+      </p:cxnSp>
+      <p:sp>
+        <p:nvSpPr>
+          <p:cNvPr id="31" name="직사각형 30">
+            <a:extLst>
+              <a:ext uri="{FF2B5EF4-FFF2-40B4-BE49-F238E27FC236}">
+                <a16:creationId xmlns:a16="http://schemas.microsoft.com/office/drawing/2014/main" id="{2CB16E05-E7E5-4E36-C0DF-FC2EC555923C}"/>
+              </a:ext>
+            </a:extLst>
+          </p:cNvPr>
+          <p:cNvSpPr/>
+          <p:nvPr/>
+        </p:nvSpPr>
+        <p:spPr>
+          <a:xfrm>
+            <a:off x="6376904" y="1623821"/>
+            <a:ext cx="1082180" cy="377505"/>
+          </a:xfrm>
+          <a:prstGeom prst="rect">
+            <a:avLst/>
+          </a:prstGeom>
+        </p:spPr>
+        <p:style>
+          <a:lnRef idx="2">
+            <a:schemeClr val="accent1">
+              <a:shade val="50000"/>
+            </a:schemeClr>
+          </a:lnRef>
+          <a:fillRef idx="1">
+            <a:schemeClr val="accent1"/>
+          </a:fillRef>
+          <a:effectRef idx="0">
+            <a:schemeClr val="accent1"/>
+          </a:effectRef>
+          <a:fontRef idx="minor">
+            <a:schemeClr val="lt1"/>
+          </a:fontRef>
+        </p:style>
+        <p:txBody>
+          <a:bodyPr rtlCol="0" anchor="ctr"/>
+          <a:lstStyle/>
+          <a:p>
+            <a:pPr algn="ctr"/>
+            <a:r>
+              <a:rPr lang="ko-KR" altLang="en-US" sz="1100" dirty="0" err="1"/>
+              <a:t>채아람</a:t>
+            </a:r>
+            <a:endParaRPr lang="ko-KR" altLang="en-US" sz="1100" dirty="0"/>
+          </a:p>
+        </p:txBody>
+      </p:sp>
+      <p:sp>
+        <p:nvSpPr>
+          <p:cNvPr id="32" name="직사각형 31">
+            <a:extLst>
+              <a:ext uri="{FF2B5EF4-FFF2-40B4-BE49-F238E27FC236}">
+                <a16:creationId xmlns:a16="http://schemas.microsoft.com/office/drawing/2014/main" id="{23D7ECA3-3C20-5A69-5100-74418C0CEC06}"/>
+              </a:ext>
+            </a:extLst>
+          </p:cNvPr>
+          <p:cNvSpPr/>
+          <p:nvPr/>
+        </p:nvSpPr>
+        <p:spPr>
+          <a:xfrm>
+            <a:off x="6376904" y="2096232"/>
+            <a:ext cx="1082180" cy="377505"/>
+          </a:xfrm>
+          <a:prstGeom prst="rect">
+            <a:avLst/>
+          </a:prstGeom>
+        </p:spPr>
+        <p:style>
+          <a:lnRef idx="2">
+            <a:schemeClr val="accent1">
+              <a:shade val="50000"/>
+            </a:schemeClr>
+          </a:lnRef>
+          <a:fillRef idx="1">
+            <a:schemeClr val="accent1"/>
+          </a:fillRef>
+          <a:effectRef idx="0">
+            <a:schemeClr val="accent1"/>
+          </a:effectRef>
+          <a:fontRef idx="minor">
+            <a:schemeClr val="lt1"/>
+          </a:fontRef>
+        </p:style>
+        <p:txBody>
+          <a:bodyPr rtlCol="0" anchor="ctr"/>
+          <a:lstStyle/>
+          <a:p>
+            <a:pPr algn="ctr"/>
+            <a:r>
+              <a:rPr lang="ko-KR" altLang="en-US" sz="1100"/>
+              <a:t>한소원</a:t>
+            </a:r>
+            <a:endParaRPr lang="ko-KR" altLang="en-US" sz="1100" dirty="0"/>
+          </a:p>
+        </p:txBody>
+      </p:sp>
+      <p:sp>
+        <p:nvSpPr>
+          <p:cNvPr id="33" name="직사각형 32">
+            <a:extLst>
+              <a:ext uri="{FF2B5EF4-FFF2-40B4-BE49-F238E27FC236}">
+                <a16:creationId xmlns:a16="http://schemas.microsoft.com/office/drawing/2014/main" id="{57F7BA5E-C836-A072-2862-9B1D697A06BF}"/>
+              </a:ext>
+            </a:extLst>
+          </p:cNvPr>
+          <p:cNvSpPr/>
+          <p:nvPr/>
+        </p:nvSpPr>
+        <p:spPr>
+          <a:xfrm>
+            <a:off x="6376904" y="2561321"/>
+            <a:ext cx="1082180" cy="377505"/>
+          </a:xfrm>
+          <a:prstGeom prst="rect">
+            <a:avLst/>
+          </a:prstGeom>
+        </p:spPr>
+        <p:style>
+          <a:lnRef idx="2">
+            <a:schemeClr val="accent1">
+              <a:shade val="50000"/>
+            </a:schemeClr>
+          </a:lnRef>
+          <a:fillRef idx="1">
+            <a:schemeClr val="accent1"/>
+          </a:fillRef>
+          <a:effectRef idx="0">
+            <a:schemeClr val="accent1"/>
+          </a:effectRef>
+          <a:fontRef idx="minor">
+            <a:schemeClr val="lt1"/>
+          </a:fontRef>
+        </p:style>
+        <p:txBody>
+          <a:bodyPr rtlCol="0" anchor="ctr"/>
+          <a:lstStyle/>
+          <a:p>
+            <a:pPr algn="ctr"/>
+            <a:r>
+              <a:rPr lang="ko-KR" altLang="en-US" sz="1100" dirty="0" err="1"/>
+              <a:t>고은혜</a:t>
+            </a:r>
+            <a:endParaRPr lang="ko-KR" altLang="en-US" sz="1100" dirty="0"/>
+          </a:p>
+        </p:txBody>
+      </p:sp>
+      <p:cxnSp>
+        <p:nvCxnSpPr>
+          <p:cNvPr id="34" name="연결선: 꺾임 33">
+            <a:extLst>
+              <a:ext uri="{FF2B5EF4-FFF2-40B4-BE49-F238E27FC236}">
+                <a16:creationId xmlns:a16="http://schemas.microsoft.com/office/drawing/2014/main" id="{1EE813C1-01D3-41E0-3BC9-C87D88A4C78F}"/>
+              </a:ext>
+            </a:extLst>
+          </p:cNvPr>
+          <p:cNvCxnSpPr>
+            <a:cxnSpLocks/>
+            <a:endCxn id="32" idx="1"/>
+          </p:cNvCxnSpPr>
+          <p:nvPr/>
+        </p:nvCxnSpPr>
+        <p:spPr>
+          <a:xfrm rot="16200000" flipH="1">
+            <a:off x="5911347" y="1819427"/>
+            <a:ext cx="472413" cy="458702"/>
+          </a:xfrm>
+          <a:prstGeom prst="bentConnector2">
+            <a:avLst/>
+          </a:prstGeom>
+          <a:ln>
+            <a:solidFill>
+              <a:schemeClr val="tx1"/>
+            </a:solidFill>
+            <a:tailEnd type="triangle"/>
+          </a:ln>
+        </p:spPr>
+        <p:style>
+          <a:lnRef idx="1">
+            <a:schemeClr val="accent1"/>
+          </a:lnRef>
+          <a:fillRef idx="0">
+            <a:schemeClr val="accent1"/>
+          </a:fillRef>
+          <a:effectRef idx="0">
+            <a:schemeClr val="accent1"/>
+          </a:effectRef>
+          <a:fontRef idx="minor">
+            <a:schemeClr val="tx1"/>
+          </a:fontRef>
+        </p:style>
+      </p:cxnSp>
+      <p:cxnSp>
+        <p:nvCxnSpPr>
+          <p:cNvPr id="38" name="연결선: 꺾임 37">
+            <a:extLst>
+              <a:ext uri="{FF2B5EF4-FFF2-40B4-BE49-F238E27FC236}">
+                <a16:creationId xmlns:a16="http://schemas.microsoft.com/office/drawing/2014/main" id="{15B0AD22-8D6B-1845-AFBC-3C3FC8118A5F}"/>
+              </a:ext>
+            </a:extLst>
+          </p:cNvPr>
+          <p:cNvCxnSpPr>
+            <a:cxnSpLocks/>
+            <a:endCxn id="33" idx="1"/>
+          </p:cNvCxnSpPr>
+          <p:nvPr/>
+        </p:nvCxnSpPr>
+        <p:spPr>
+          <a:xfrm rot="16200000" flipH="1">
+            <a:off x="5676972" y="2050142"/>
+            <a:ext cx="941162" cy="458702"/>
+          </a:xfrm>
+          <a:prstGeom prst="bentConnector2">
+            <a:avLst/>
+          </a:prstGeom>
+          <a:ln>
+            <a:solidFill>
+              <a:schemeClr val="tx1"/>
+            </a:solidFill>
+            <a:tailEnd type="triangle"/>
+          </a:ln>
+        </p:spPr>
+        <p:style>
+          <a:lnRef idx="1">
+            <a:schemeClr val="accent1"/>
+          </a:lnRef>
+          <a:fillRef idx="0">
+            <a:schemeClr val="accent1"/>
+          </a:fillRef>
+          <a:effectRef idx="0">
+            <a:schemeClr val="accent1"/>
+          </a:effectRef>
+          <a:fontRef idx="minor">
+            <a:schemeClr val="tx1"/>
+          </a:fontRef>
+        </p:style>
+      </p:cxnSp>
+      <p:sp>
+        <p:nvSpPr>
+          <p:cNvPr id="42" name="직사각형 41">
+            <a:extLst>
+              <a:ext uri="{FF2B5EF4-FFF2-40B4-BE49-F238E27FC236}">
+                <a16:creationId xmlns:a16="http://schemas.microsoft.com/office/drawing/2014/main" id="{AFAAA0F8-73CA-5C88-7410-416D17CED5DD}"/>
+              </a:ext>
+            </a:extLst>
+          </p:cNvPr>
+          <p:cNvSpPr/>
+          <p:nvPr/>
+        </p:nvSpPr>
+        <p:spPr>
+          <a:xfrm>
+            <a:off x="6911669" y="3046213"/>
+            <a:ext cx="1082180" cy="377505"/>
+          </a:xfrm>
+          <a:prstGeom prst="rect">
+            <a:avLst/>
+          </a:prstGeom>
+        </p:spPr>
+        <p:style>
+          <a:lnRef idx="2">
+            <a:schemeClr val="accent1">
+              <a:shade val="50000"/>
+            </a:schemeClr>
+          </a:lnRef>
+          <a:fillRef idx="1">
+            <a:schemeClr val="accent1"/>
+          </a:fillRef>
+          <a:effectRef idx="0">
+            <a:schemeClr val="accent1"/>
+          </a:effectRef>
+          <a:fontRef idx="minor">
+            <a:schemeClr val="lt1"/>
+          </a:fontRef>
+        </p:style>
+        <p:txBody>
+          <a:bodyPr rtlCol="0" anchor="ctr"/>
+          <a:lstStyle/>
+          <a:p>
+            <a:pPr algn="ctr"/>
+            <a:r>
+              <a:rPr lang="ko-KR" altLang="en-US" sz="1100"/>
+              <a:t>불</a:t>
+            </a:r>
+            <a:endParaRPr lang="ko-KR" altLang="en-US" sz="1100" dirty="0"/>
+          </a:p>
+        </p:txBody>
+      </p:sp>
+      <p:sp>
+        <p:nvSpPr>
+          <p:cNvPr id="43" name="직사각형 42">
+            <a:extLst>
+              <a:ext uri="{FF2B5EF4-FFF2-40B4-BE49-F238E27FC236}">
+                <a16:creationId xmlns:a16="http://schemas.microsoft.com/office/drawing/2014/main" id="{1B3E4354-30CD-1FBF-9C1E-0EDFDC1F10EB}"/>
+              </a:ext>
+            </a:extLst>
+          </p:cNvPr>
+          <p:cNvSpPr/>
+          <p:nvPr/>
+        </p:nvSpPr>
+        <p:spPr>
+          <a:xfrm>
+            <a:off x="6917994" y="3531298"/>
+            <a:ext cx="1082180" cy="377505"/>
+          </a:xfrm>
+          <a:prstGeom prst="rect">
+            <a:avLst/>
+          </a:prstGeom>
+        </p:spPr>
+        <p:style>
+          <a:lnRef idx="2">
+            <a:schemeClr val="accent1">
+              <a:shade val="50000"/>
+            </a:schemeClr>
+          </a:lnRef>
+          <a:fillRef idx="1">
+            <a:schemeClr val="accent1"/>
+          </a:fillRef>
+          <a:effectRef idx="0">
+            <a:schemeClr val="accent1"/>
+          </a:effectRef>
+          <a:fontRef idx="minor">
+            <a:schemeClr val="lt1"/>
+          </a:fontRef>
+        </p:style>
+        <p:txBody>
+          <a:bodyPr rtlCol="0" anchor="ctr"/>
+          <a:lstStyle/>
+          <a:p>
+            <a:pPr algn="ctr"/>
+            <a:r>
+              <a:rPr lang="ko-KR" altLang="en-US" sz="1100" dirty="0"/>
+              <a:t>물</a:t>
+            </a:r>
+          </a:p>
+        </p:txBody>
+      </p:sp>
+      <p:sp>
+        <p:nvSpPr>
+          <p:cNvPr id="47" name="직사각형 46">
+            <a:extLst>
+              <a:ext uri="{FF2B5EF4-FFF2-40B4-BE49-F238E27FC236}">
+                <a16:creationId xmlns:a16="http://schemas.microsoft.com/office/drawing/2014/main" id="{A67DC8B6-C92E-25C0-E3A2-9CCC2CD945B2}"/>
+              </a:ext>
+            </a:extLst>
+          </p:cNvPr>
+          <p:cNvSpPr/>
+          <p:nvPr/>
+        </p:nvSpPr>
+        <p:spPr>
+          <a:xfrm>
+            <a:off x="6917994" y="4006540"/>
+            <a:ext cx="1082180" cy="377505"/>
+          </a:xfrm>
+          <a:prstGeom prst="rect">
+            <a:avLst/>
+          </a:prstGeom>
+        </p:spPr>
+        <p:style>
+          <a:lnRef idx="2">
+            <a:schemeClr val="accent1">
+              <a:shade val="50000"/>
+            </a:schemeClr>
+          </a:lnRef>
+          <a:fillRef idx="1">
+            <a:schemeClr val="accent1"/>
+          </a:fillRef>
+          <a:effectRef idx="0">
+            <a:schemeClr val="accent1"/>
+          </a:effectRef>
+          <a:fontRef idx="minor">
+            <a:schemeClr val="lt1"/>
+          </a:fontRef>
+        </p:style>
+        <p:txBody>
+          <a:bodyPr rtlCol="0" anchor="ctr"/>
+          <a:lstStyle/>
+          <a:p>
+            <a:pPr algn="ctr"/>
+            <a:r>
+              <a:rPr lang="ko-KR" altLang="en-US" sz="1100"/>
+              <a:t>나무</a:t>
+            </a:r>
+            <a:endParaRPr lang="ko-KR" altLang="en-US" sz="1100" dirty="0"/>
+          </a:p>
+        </p:txBody>
+      </p:sp>
+      <p:sp>
+        <p:nvSpPr>
+          <p:cNvPr id="48" name="직사각형 47">
+            <a:extLst>
+              <a:ext uri="{FF2B5EF4-FFF2-40B4-BE49-F238E27FC236}">
+                <a16:creationId xmlns:a16="http://schemas.microsoft.com/office/drawing/2014/main" id="{1AA96627-4F31-01B8-2D1A-B937496D7D10}"/>
+              </a:ext>
+            </a:extLst>
+          </p:cNvPr>
+          <p:cNvSpPr/>
+          <p:nvPr/>
+        </p:nvSpPr>
+        <p:spPr>
+          <a:xfrm>
+            <a:off x="6911669" y="4444772"/>
+            <a:ext cx="1082180" cy="377505"/>
+          </a:xfrm>
+          <a:prstGeom prst="rect">
+            <a:avLst/>
+          </a:prstGeom>
+        </p:spPr>
+        <p:style>
+          <a:lnRef idx="2">
+            <a:schemeClr val="accent1">
+              <a:shade val="50000"/>
+            </a:schemeClr>
+          </a:lnRef>
+          <a:fillRef idx="1">
+            <a:schemeClr val="accent1"/>
+          </a:fillRef>
+          <a:effectRef idx="0">
+            <a:schemeClr val="accent1"/>
+          </a:effectRef>
+          <a:fontRef idx="minor">
+            <a:schemeClr val="lt1"/>
+          </a:fontRef>
+        </p:style>
+        <p:txBody>
+          <a:bodyPr rtlCol="0" anchor="ctr"/>
+          <a:lstStyle/>
+          <a:p>
+            <a:pPr algn="ctr"/>
+            <a:r>
+              <a:rPr lang="ko-KR" altLang="en-US" sz="1100"/>
+              <a:t>금속</a:t>
+            </a:r>
+            <a:endParaRPr lang="ko-KR" altLang="en-US" sz="1100" dirty="0"/>
+          </a:p>
+        </p:txBody>
+      </p:sp>
+      <p:sp>
+        <p:nvSpPr>
+          <p:cNvPr id="49" name="직사각형 48">
+            <a:extLst>
+              <a:ext uri="{FF2B5EF4-FFF2-40B4-BE49-F238E27FC236}">
+                <a16:creationId xmlns:a16="http://schemas.microsoft.com/office/drawing/2014/main" id="{39129DB1-6870-B452-373D-8ABC6E1B03EC}"/>
+              </a:ext>
+            </a:extLst>
+          </p:cNvPr>
+          <p:cNvSpPr/>
+          <p:nvPr/>
+        </p:nvSpPr>
+        <p:spPr>
+          <a:xfrm>
+            <a:off x="6911669" y="4901860"/>
+            <a:ext cx="1082180" cy="377505"/>
+          </a:xfrm>
+          <a:prstGeom prst="rect">
+            <a:avLst/>
+          </a:prstGeom>
+        </p:spPr>
+        <p:style>
+          <a:lnRef idx="2">
+            <a:schemeClr val="accent1">
+              <a:shade val="50000"/>
+            </a:schemeClr>
+          </a:lnRef>
+          <a:fillRef idx="1">
+            <a:schemeClr val="accent1"/>
+          </a:fillRef>
+          <a:effectRef idx="0">
+            <a:schemeClr val="accent1"/>
+          </a:effectRef>
+          <a:fontRef idx="minor">
+            <a:schemeClr val="lt1"/>
+          </a:fontRef>
+        </p:style>
+        <p:txBody>
+          <a:bodyPr rtlCol="0" anchor="ctr"/>
+          <a:lstStyle/>
+          <a:p>
+            <a:pPr algn="ctr"/>
+            <a:r>
+              <a:rPr lang="ko-KR" altLang="en-US" sz="1100" dirty="0"/>
+              <a:t>흙</a:t>
+            </a:r>
+          </a:p>
+        </p:txBody>
+      </p:sp>
+      <p:cxnSp>
+        <p:nvCxnSpPr>
+          <p:cNvPr id="50" name="연결선: 꺾임 49">
+            <a:extLst>
+              <a:ext uri="{FF2B5EF4-FFF2-40B4-BE49-F238E27FC236}">
+                <a16:creationId xmlns:a16="http://schemas.microsoft.com/office/drawing/2014/main" id="{8C609392-59DF-BB48-0544-BC8274DB32A8}"/>
+              </a:ext>
+            </a:extLst>
+          </p:cNvPr>
+          <p:cNvCxnSpPr>
+            <a:cxnSpLocks/>
+            <a:endCxn id="43" idx="1"/>
+          </p:cNvCxnSpPr>
+          <p:nvPr/>
+        </p:nvCxnSpPr>
+        <p:spPr>
+          <a:xfrm>
+            <a:off x="6185585" y="3236224"/>
+            <a:ext cx="732409" cy="483827"/>
+          </a:xfrm>
+          <a:prstGeom prst="bentConnector3">
+            <a:avLst>
+              <a:gd name="adj1" fmla="val 61"/>
+            </a:avLst>
+          </a:prstGeom>
+          <a:ln>
+            <a:solidFill>
+              <a:schemeClr val="tx1"/>
+            </a:solidFill>
+            <a:tailEnd type="triangle"/>
+          </a:ln>
+        </p:spPr>
+        <p:style>
+          <a:lnRef idx="1">
+            <a:schemeClr val="accent1"/>
+          </a:lnRef>
+          <a:fillRef idx="0">
+            <a:schemeClr val="accent1"/>
+          </a:fillRef>
+          <a:effectRef idx="0">
+            <a:schemeClr val="accent1"/>
+          </a:effectRef>
+          <a:fontRef idx="minor">
+            <a:schemeClr val="tx1"/>
+          </a:fontRef>
+        </p:style>
+      </p:cxnSp>
+      <p:cxnSp>
+        <p:nvCxnSpPr>
+          <p:cNvPr id="61" name="직선 화살표 연결선 60">
+            <a:extLst>
+              <a:ext uri="{FF2B5EF4-FFF2-40B4-BE49-F238E27FC236}">
+                <a16:creationId xmlns:a16="http://schemas.microsoft.com/office/drawing/2014/main" id="{5FFFAE9E-C827-5858-CEFB-1443828A13C5}"/>
+              </a:ext>
+            </a:extLst>
+          </p:cNvPr>
+          <p:cNvCxnSpPr>
+            <a:cxnSpLocks/>
+            <a:stCxn id="16" idx="3"/>
+            <a:endCxn id="42" idx="1"/>
+          </p:cNvCxnSpPr>
+          <p:nvPr/>
+        </p:nvCxnSpPr>
+        <p:spPr>
+          <a:xfrm>
+            <a:off x="5459501" y="3229807"/>
+            <a:ext cx="1452168" cy="5159"/>
+          </a:xfrm>
+          <a:prstGeom prst="straightConnector1">
+            <a:avLst/>
+          </a:prstGeom>
+          <a:ln>
+            <a:solidFill>
+              <a:schemeClr val="tx1"/>
+            </a:solidFill>
+            <a:tailEnd type="triangle"/>
+          </a:ln>
+        </p:spPr>
+        <p:style>
+          <a:lnRef idx="1">
+            <a:schemeClr val="accent1"/>
+          </a:lnRef>
+          <a:fillRef idx="0">
+            <a:schemeClr val="accent1"/>
+          </a:fillRef>
+          <a:effectRef idx="0">
+            <a:schemeClr val="accent1"/>
+          </a:effectRef>
+          <a:fontRef idx="minor">
+            <a:schemeClr val="tx1"/>
+          </a:fontRef>
+        </p:style>
+      </p:cxnSp>
+      <p:cxnSp>
+        <p:nvCxnSpPr>
+          <p:cNvPr id="71" name="연결선: 꺾임 70">
+            <a:extLst>
+              <a:ext uri="{FF2B5EF4-FFF2-40B4-BE49-F238E27FC236}">
+                <a16:creationId xmlns:a16="http://schemas.microsoft.com/office/drawing/2014/main" id="{8058A8A0-CB16-BEAB-B380-8104C66A81CB}"/>
+              </a:ext>
+            </a:extLst>
+          </p:cNvPr>
+          <p:cNvCxnSpPr>
+            <a:cxnSpLocks/>
+            <a:endCxn id="47" idx="1"/>
+          </p:cNvCxnSpPr>
+          <p:nvPr/>
+        </p:nvCxnSpPr>
+        <p:spPr>
+          <a:xfrm rot="16200000" flipH="1">
+            <a:off x="6072255" y="3349553"/>
+            <a:ext cx="959069" cy="732409"/>
+          </a:xfrm>
+          <a:prstGeom prst="bentConnector2">
+            <a:avLst/>
+          </a:prstGeom>
+          <a:ln>
+            <a:solidFill>
+              <a:schemeClr val="tx1"/>
+            </a:solidFill>
+            <a:tailEnd type="triangle"/>
+          </a:ln>
+        </p:spPr>
+        <p:style>
+          <a:lnRef idx="1">
+            <a:schemeClr val="accent1"/>
+          </a:lnRef>
+          <a:fillRef idx="0">
+            <a:schemeClr val="accent1"/>
+          </a:fillRef>
+          <a:effectRef idx="0">
+            <a:schemeClr val="accent1"/>
+          </a:effectRef>
+          <a:fontRef idx="minor">
+            <a:schemeClr val="tx1"/>
+          </a:fontRef>
+        </p:style>
+      </p:cxnSp>
+      <p:cxnSp>
+        <p:nvCxnSpPr>
+          <p:cNvPr id="74" name="연결선: 꺾임 73">
+            <a:extLst>
+              <a:ext uri="{FF2B5EF4-FFF2-40B4-BE49-F238E27FC236}">
+                <a16:creationId xmlns:a16="http://schemas.microsoft.com/office/drawing/2014/main" id="{E05B1A7F-D457-048D-DC23-936E045D144F}"/>
+              </a:ext>
+            </a:extLst>
+          </p:cNvPr>
+          <p:cNvCxnSpPr>
+            <a:cxnSpLocks/>
+            <a:endCxn id="48" idx="1"/>
+          </p:cNvCxnSpPr>
+          <p:nvPr/>
+        </p:nvCxnSpPr>
+        <p:spPr>
+          <a:xfrm rot="16200000" flipH="1">
+            <a:off x="5901431" y="3623287"/>
+            <a:ext cx="1299566" cy="720910"/>
+          </a:xfrm>
+          <a:prstGeom prst="bentConnector2">
+            <a:avLst/>
+          </a:prstGeom>
+          <a:ln>
+            <a:solidFill>
+              <a:schemeClr val="tx1"/>
+            </a:solidFill>
+            <a:tailEnd type="triangle"/>
+          </a:ln>
+        </p:spPr>
+        <p:style>
+          <a:lnRef idx="1">
+            <a:schemeClr val="accent1"/>
+          </a:lnRef>
+          <a:fillRef idx="0">
+            <a:schemeClr val="accent1"/>
+          </a:fillRef>
+          <a:effectRef idx="0">
+            <a:schemeClr val="accent1"/>
+          </a:effectRef>
+          <a:fontRef idx="minor">
+            <a:schemeClr val="tx1"/>
+          </a:fontRef>
+        </p:style>
+      </p:cxnSp>
+      <p:cxnSp>
+        <p:nvCxnSpPr>
+          <p:cNvPr id="76" name="연결선: 꺾임 75">
+            <a:extLst>
+              <a:ext uri="{FF2B5EF4-FFF2-40B4-BE49-F238E27FC236}">
+                <a16:creationId xmlns:a16="http://schemas.microsoft.com/office/drawing/2014/main" id="{E5486D02-E6F2-DB2B-FE6B-820F9A3C9591}"/>
+              </a:ext>
+            </a:extLst>
+          </p:cNvPr>
+          <p:cNvCxnSpPr>
+            <a:cxnSpLocks/>
+            <a:endCxn id="49" idx="1"/>
+          </p:cNvCxnSpPr>
+          <p:nvPr/>
+        </p:nvCxnSpPr>
+        <p:spPr>
+          <a:xfrm rot="16200000" flipH="1">
+            <a:off x="5766387" y="3945331"/>
+            <a:ext cx="1569654" cy="720910"/>
+          </a:xfrm>
+          <a:prstGeom prst="bentConnector2">
+            <a:avLst/>
+          </a:prstGeom>
+          <a:ln>
+            <a:solidFill>
+              <a:schemeClr val="tx1"/>
+            </a:solidFill>
+            <a:tailEnd type="triangle"/>
+          </a:ln>
+        </p:spPr>
+        <p:style>
+          <a:lnRef idx="1">
+            <a:schemeClr val="accent1"/>
+          </a:lnRef>
+          <a:fillRef idx="0">
+            <a:schemeClr val="accent1"/>
+          </a:fillRef>
+          <a:effectRef idx="0">
+            <a:schemeClr val="accent1"/>
+          </a:effectRef>
+          <a:fontRef idx="minor">
+            <a:schemeClr val="tx1"/>
+          </a:fontRef>
+        </p:style>
+      </p:cxnSp>
+      <p:cxnSp>
+        <p:nvCxnSpPr>
+          <p:cNvPr id="78" name="직선 화살표 연결선 77">
+            <a:extLst>
+              <a:ext uri="{FF2B5EF4-FFF2-40B4-BE49-F238E27FC236}">
+                <a16:creationId xmlns:a16="http://schemas.microsoft.com/office/drawing/2014/main" id="{9964C333-C008-7D6F-5BB5-2988EDF349F0}"/>
+              </a:ext>
+            </a:extLst>
+          </p:cNvPr>
+          <p:cNvCxnSpPr/>
+          <p:nvPr/>
+        </p:nvCxnSpPr>
+        <p:spPr>
+          <a:xfrm flipV="1">
+            <a:off x="7452759" y="1808911"/>
+            <a:ext cx="917403" cy="1"/>
+          </a:xfrm>
+          <a:prstGeom prst="straightConnector1">
+            <a:avLst/>
+          </a:prstGeom>
+          <a:ln>
+            <a:solidFill>
+              <a:schemeClr val="tx1"/>
+            </a:solidFill>
+            <a:tailEnd type="triangle"/>
+          </a:ln>
+        </p:spPr>
+        <p:style>
+          <a:lnRef idx="1">
+            <a:schemeClr val="accent1"/>
+          </a:lnRef>
+          <a:fillRef idx="0">
+            <a:schemeClr val="accent1"/>
+          </a:fillRef>
+          <a:effectRef idx="0">
+            <a:schemeClr val="accent1"/>
+          </a:effectRef>
+          <a:fontRef idx="minor">
+            <a:schemeClr val="tx1"/>
+          </a:fontRef>
+        </p:style>
+      </p:cxnSp>
+      <p:sp>
+        <p:nvSpPr>
+          <p:cNvPr id="79" name="직사각형 78">
+            <a:extLst>
+              <a:ext uri="{FF2B5EF4-FFF2-40B4-BE49-F238E27FC236}">
+                <a16:creationId xmlns:a16="http://schemas.microsoft.com/office/drawing/2014/main" id="{2EAA9401-5307-2AB6-CFDF-C4286685B2AC}"/>
+              </a:ext>
+            </a:extLst>
+          </p:cNvPr>
+          <p:cNvSpPr/>
+          <p:nvPr/>
+        </p:nvSpPr>
+        <p:spPr>
+          <a:xfrm>
+            <a:off x="8363836" y="1620158"/>
+            <a:ext cx="1082180" cy="377505"/>
+          </a:xfrm>
+          <a:prstGeom prst="rect">
+            <a:avLst/>
+          </a:prstGeom>
+        </p:spPr>
+        <p:style>
+          <a:lnRef idx="2">
+            <a:schemeClr val="accent1">
+              <a:shade val="50000"/>
+            </a:schemeClr>
+          </a:lnRef>
+          <a:fillRef idx="1">
+            <a:schemeClr val="accent1"/>
+          </a:fillRef>
+          <a:effectRef idx="0">
+            <a:schemeClr val="accent1"/>
+          </a:effectRef>
+          <a:fontRef idx="minor">
+            <a:schemeClr val="lt1"/>
+          </a:fontRef>
+        </p:style>
+        <p:txBody>
+          <a:bodyPr rtlCol="0" anchor="ctr"/>
+          <a:lstStyle/>
+          <a:p>
+            <a:pPr algn="ctr"/>
+            <a:r>
+              <a:rPr lang="ko-KR" altLang="en-US" sz="1100" dirty="0"/>
+              <a:t>아이템 리스트</a:t>
+            </a:r>
+          </a:p>
+        </p:txBody>
+      </p:sp>
+      <p:cxnSp>
+        <p:nvCxnSpPr>
+          <p:cNvPr id="80" name="직선 화살표 연결선 79">
+            <a:extLst>
+              <a:ext uri="{FF2B5EF4-FFF2-40B4-BE49-F238E27FC236}">
+                <a16:creationId xmlns:a16="http://schemas.microsoft.com/office/drawing/2014/main" id="{F69D8EEF-CA4A-156F-CAEF-4302BDF616CE}"/>
+              </a:ext>
+            </a:extLst>
+          </p:cNvPr>
+          <p:cNvCxnSpPr/>
+          <p:nvPr/>
+        </p:nvCxnSpPr>
+        <p:spPr>
+          <a:xfrm flipV="1">
+            <a:off x="9433365" y="1796995"/>
+            <a:ext cx="917403" cy="1"/>
+          </a:xfrm>
+          <a:prstGeom prst="straightConnector1">
+            <a:avLst/>
+          </a:prstGeom>
+          <a:ln>
+            <a:solidFill>
+              <a:schemeClr val="tx1"/>
+            </a:solidFill>
+            <a:tailEnd type="triangle"/>
+          </a:ln>
+        </p:spPr>
+        <p:style>
+          <a:lnRef idx="1">
+            <a:schemeClr val="accent1"/>
+          </a:lnRef>
+          <a:fillRef idx="0">
+            <a:schemeClr val="accent1"/>
+          </a:fillRef>
+          <a:effectRef idx="0">
+            <a:schemeClr val="accent1"/>
+          </a:effectRef>
+          <a:fontRef idx="minor">
+            <a:schemeClr val="tx1"/>
+          </a:fontRef>
+        </p:style>
+      </p:cxnSp>
+      <p:sp>
+        <p:nvSpPr>
+          <p:cNvPr id="81" name="직사각형 80">
+            <a:extLst>
+              <a:ext uri="{FF2B5EF4-FFF2-40B4-BE49-F238E27FC236}">
+                <a16:creationId xmlns:a16="http://schemas.microsoft.com/office/drawing/2014/main" id="{BA6A2862-A340-5037-3BD7-D6111D8E8916}"/>
+              </a:ext>
+            </a:extLst>
+          </p:cNvPr>
+          <p:cNvSpPr/>
+          <p:nvPr/>
+        </p:nvSpPr>
+        <p:spPr>
+          <a:xfrm>
+            <a:off x="10338117" y="1628443"/>
+            <a:ext cx="1082180" cy="377505"/>
+          </a:xfrm>
+          <a:prstGeom prst="rect">
+            <a:avLst/>
+          </a:prstGeom>
+        </p:spPr>
+        <p:style>
+          <a:lnRef idx="2">
+            <a:schemeClr val="accent1">
+              <a:shade val="50000"/>
+            </a:schemeClr>
+          </a:lnRef>
+          <a:fillRef idx="1">
+            <a:schemeClr val="accent1"/>
+          </a:fillRef>
+          <a:effectRef idx="0">
+            <a:schemeClr val="accent1"/>
+          </a:effectRef>
+          <a:fontRef idx="minor">
+            <a:schemeClr val="lt1"/>
+          </a:fontRef>
+        </p:style>
+        <p:txBody>
+          <a:bodyPr rtlCol="0" anchor="ctr"/>
+          <a:lstStyle/>
+          <a:p>
+            <a:pPr algn="ctr"/>
+            <a:r>
+              <a:rPr lang="ko-KR" altLang="en-US" sz="1100" dirty="0"/>
+              <a:t>상세 정보</a:t>
+            </a:r>
+          </a:p>
+        </p:txBody>
+      </p:sp>
+      <p:sp>
+        <p:nvSpPr>
+          <p:cNvPr id="82" name="TextBox 81">
+            <a:extLst>
+              <a:ext uri="{FF2B5EF4-FFF2-40B4-BE49-F238E27FC236}">
+                <a16:creationId xmlns:a16="http://schemas.microsoft.com/office/drawing/2014/main" id="{A15B0864-E5AF-6627-4EC6-85CFF5884DEF}"/>
+              </a:ext>
+            </a:extLst>
+          </p:cNvPr>
+          <p:cNvSpPr txBox="1"/>
+          <p:nvPr/>
+        </p:nvSpPr>
+        <p:spPr>
+          <a:xfrm>
+            <a:off x="8492083" y="2048661"/>
+            <a:ext cx="825686" cy="230832"/>
+          </a:xfrm>
+          <a:prstGeom prst="rect">
+            <a:avLst/>
+          </a:prstGeom>
+          <a:noFill/>
+        </p:spPr>
+        <p:txBody>
+          <a:bodyPr wrap="square" rtlCol="0">
+            <a:spAutoFit/>
+          </a:bodyPr>
+          <a:lstStyle/>
+          <a:p>
+            <a:r>
+              <a:rPr lang="ko-KR" altLang="en-US" sz="900"/>
+              <a:t>아이콘 표현</a:t>
+            </a:r>
+            <a:endParaRPr lang="ko-KR" altLang="en-US" sz="1100" dirty="0"/>
+          </a:p>
+        </p:txBody>
+      </p:sp>
+      <p:sp>
+        <p:nvSpPr>
+          <p:cNvPr id="83" name="TextBox 82">
+            <a:extLst>
+              <a:ext uri="{FF2B5EF4-FFF2-40B4-BE49-F238E27FC236}">
+                <a16:creationId xmlns:a16="http://schemas.microsoft.com/office/drawing/2014/main" id="{E62F5256-F784-9D92-242A-16C364E8AE45}"/>
+              </a:ext>
+            </a:extLst>
+          </p:cNvPr>
+          <p:cNvSpPr txBox="1"/>
+          <p:nvPr/>
+        </p:nvSpPr>
+        <p:spPr>
+          <a:xfrm>
+            <a:off x="10466364" y="2048661"/>
+            <a:ext cx="1082180" cy="369332"/>
+          </a:xfrm>
+          <a:prstGeom prst="rect">
+            <a:avLst/>
+          </a:prstGeom>
+          <a:noFill/>
+        </p:spPr>
+        <p:txBody>
+          <a:bodyPr wrap="square" rtlCol="0">
+            <a:spAutoFit/>
+          </a:bodyPr>
+          <a:lstStyle/>
+          <a:p>
+            <a:pPr marL="228600" indent="-228600">
+              <a:buAutoNum type="arabicPeriod"/>
+            </a:pPr>
+            <a:r>
+              <a:rPr lang="ko-KR" altLang="en-US" sz="900" dirty="0"/>
+              <a:t>텍스트</a:t>
+            </a:r>
+            <a:endParaRPr lang="en-US" altLang="ko-KR" sz="900" dirty="0"/>
+          </a:p>
+          <a:p>
+            <a:pPr marL="228600" indent="-228600">
+              <a:buAutoNum type="arabicPeriod"/>
+            </a:pPr>
+            <a:r>
+              <a:rPr lang="ko-KR" altLang="en-US" sz="900" dirty="0"/>
+              <a:t>재료 아이콘</a:t>
+            </a:r>
+            <a:endParaRPr lang="ko-KR" altLang="en-US" sz="1100" dirty="0"/>
+          </a:p>
+        </p:txBody>
+      </p:sp>
+      <p:sp>
+        <p:nvSpPr>
+          <p:cNvPr id="84" name="직사각형 83">
+            <a:extLst>
+              <a:ext uri="{FF2B5EF4-FFF2-40B4-BE49-F238E27FC236}">
+                <a16:creationId xmlns:a16="http://schemas.microsoft.com/office/drawing/2014/main" id="{6033D522-44AF-6E26-8881-099D8F56D596}"/>
+              </a:ext>
+            </a:extLst>
+          </p:cNvPr>
+          <p:cNvSpPr/>
+          <p:nvPr/>
+        </p:nvSpPr>
+        <p:spPr>
+          <a:xfrm>
+            <a:off x="2390390" y="1044189"/>
+            <a:ext cx="1479794" cy="1770480"/>
+          </a:xfrm>
+          <a:prstGeom prst="rect">
+            <a:avLst/>
+          </a:prstGeom>
+          <a:noFill/>
+          <a:ln w="19050">
+            <a:solidFill>
+              <a:srgbClr val="FF0000"/>
+            </a:solidFill>
+          </a:ln>
+        </p:spPr>
+        <p:style>
+          <a:lnRef idx="2">
+            <a:schemeClr val="accent1">
+              <a:shade val="50000"/>
+            </a:schemeClr>
+          </a:lnRef>
+          <a:fillRef idx="1">
+            <a:schemeClr val="accent1"/>
+          </a:fillRef>
+          <a:effectRef idx="0">
+            <a:schemeClr val="accent1"/>
+          </a:effectRef>
+          <a:fontRef idx="minor">
+            <a:schemeClr val="lt1"/>
+          </a:fontRef>
+        </p:style>
+        <p:txBody>
+          <a:bodyPr rtlCol="0" anchor="ctr"/>
+          <a:lstStyle/>
+          <a:p>
+            <a:pPr algn="ctr"/>
+            <a:endParaRPr lang="ko-KR" altLang="en-US"/>
+          </a:p>
+        </p:txBody>
+      </p:sp>
+      <p:sp>
+        <p:nvSpPr>
+          <p:cNvPr id="85" name="직사각형 84">
+            <a:extLst>
+              <a:ext uri="{FF2B5EF4-FFF2-40B4-BE49-F238E27FC236}">
+                <a16:creationId xmlns:a16="http://schemas.microsoft.com/office/drawing/2014/main" id="{F132FBCD-1C50-363D-F030-32024B96D777}"/>
+              </a:ext>
+            </a:extLst>
+          </p:cNvPr>
+          <p:cNvSpPr/>
+          <p:nvPr/>
+        </p:nvSpPr>
+        <p:spPr>
+          <a:xfrm>
+            <a:off x="2626864" y="855436"/>
+            <a:ext cx="1082180" cy="377505"/>
+          </a:xfrm>
+          <a:prstGeom prst="rect">
+            <a:avLst/>
+          </a:prstGeom>
+          <a:solidFill>
+            <a:schemeClr val="accent2">
+              <a:lumMod val="40000"/>
+              <a:lumOff val="60000"/>
+            </a:schemeClr>
+          </a:solidFill>
+        </p:spPr>
+        <p:style>
+          <a:lnRef idx="2">
+            <a:schemeClr val="accent1">
+              <a:shade val="50000"/>
+            </a:schemeClr>
+          </a:lnRef>
+          <a:fillRef idx="1">
+            <a:schemeClr val="accent1"/>
+          </a:fillRef>
+          <a:effectRef idx="0">
+            <a:schemeClr val="accent1"/>
+          </a:effectRef>
+          <a:fontRef idx="minor">
+            <a:schemeClr val="lt1"/>
+          </a:fontRef>
+        </p:style>
+        <p:txBody>
+          <a:bodyPr rtlCol="0" anchor="ctr"/>
+          <a:lstStyle/>
+          <a:p>
+            <a:pPr algn="ctr"/>
+            <a:r>
+              <a:rPr lang="ko-KR" altLang="en-US" sz="1100">
+                <a:solidFill>
+                  <a:schemeClr val="tx1"/>
+                </a:solidFill>
+              </a:rPr>
+              <a:t>카테고리</a:t>
+            </a:r>
+            <a:endParaRPr lang="ko-KR" altLang="en-US" sz="1100" dirty="0">
+              <a:solidFill>
+                <a:schemeClr val="tx1"/>
+              </a:solidFill>
+            </a:endParaRPr>
+          </a:p>
+        </p:txBody>
+      </p:sp>
+      <p:sp>
+        <p:nvSpPr>
+          <p:cNvPr id="86" name="직사각형 85">
+            <a:extLst>
+              <a:ext uri="{FF2B5EF4-FFF2-40B4-BE49-F238E27FC236}">
+                <a16:creationId xmlns:a16="http://schemas.microsoft.com/office/drawing/2014/main" id="{0BD7A17C-06C5-86D4-06B5-1AB476C59C55}"/>
+              </a:ext>
+            </a:extLst>
+          </p:cNvPr>
+          <p:cNvSpPr/>
+          <p:nvPr/>
+        </p:nvSpPr>
+        <p:spPr>
+          <a:xfrm>
+            <a:off x="4139408" y="1044190"/>
+            <a:ext cx="1479794" cy="2962346"/>
+          </a:xfrm>
+          <a:prstGeom prst="rect">
+            <a:avLst/>
+          </a:prstGeom>
+          <a:noFill/>
+          <a:ln w="19050">
+            <a:solidFill>
+              <a:srgbClr val="FF0000"/>
+            </a:solidFill>
+          </a:ln>
+        </p:spPr>
+        <p:style>
+          <a:lnRef idx="2">
+            <a:schemeClr val="accent1">
+              <a:shade val="50000"/>
+            </a:schemeClr>
+          </a:lnRef>
+          <a:fillRef idx="1">
+            <a:schemeClr val="accent1"/>
+          </a:fillRef>
+          <a:effectRef idx="0">
+            <a:schemeClr val="accent1"/>
+          </a:effectRef>
+          <a:fontRef idx="minor">
+            <a:schemeClr val="lt1"/>
+          </a:fontRef>
+        </p:style>
+        <p:txBody>
+          <a:bodyPr rtlCol="0" anchor="ctr"/>
+          <a:lstStyle/>
+          <a:p>
+            <a:pPr algn="ctr"/>
+            <a:endParaRPr lang="ko-KR" altLang="en-US"/>
+          </a:p>
+        </p:txBody>
+      </p:sp>
+      <p:sp>
+        <p:nvSpPr>
+          <p:cNvPr id="87" name="직사각형 86">
+            <a:extLst>
+              <a:ext uri="{FF2B5EF4-FFF2-40B4-BE49-F238E27FC236}">
+                <a16:creationId xmlns:a16="http://schemas.microsoft.com/office/drawing/2014/main" id="{67AC7BD9-A170-4A2C-F931-760A01C9DA19}"/>
+              </a:ext>
+            </a:extLst>
+          </p:cNvPr>
+          <p:cNvSpPr/>
+          <p:nvPr/>
+        </p:nvSpPr>
+        <p:spPr>
+          <a:xfrm>
+            <a:off x="4361334" y="850822"/>
+            <a:ext cx="1082180" cy="377505"/>
+          </a:xfrm>
+          <a:prstGeom prst="rect">
+            <a:avLst/>
+          </a:prstGeom>
+          <a:solidFill>
+            <a:schemeClr val="accent2">
+              <a:lumMod val="40000"/>
+              <a:lumOff val="60000"/>
+            </a:schemeClr>
+          </a:solidFill>
+        </p:spPr>
+        <p:style>
+          <a:lnRef idx="2">
+            <a:schemeClr val="accent1">
+              <a:shade val="50000"/>
+            </a:schemeClr>
+          </a:lnRef>
+          <a:fillRef idx="1">
+            <a:schemeClr val="accent1"/>
+          </a:fillRef>
+          <a:effectRef idx="0">
+            <a:schemeClr val="accent1"/>
+          </a:effectRef>
+          <a:fontRef idx="minor">
+            <a:schemeClr val="lt1"/>
+          </a:fontRef>
+        </p:style>
+        <p:txBody>
+          <a:bodyPr rtlCol="0" anchor="ctr"/>
+          <a:lstStyle/>
+          <a:p>
+            <a:pPr algn="ctr"/>
+            <a:r>
+              <a:rPr lang="ko-KR" altLang="en-US" sz="1100" dirty="0">
+                <a:solidFill>
+                  <a:schemeClr val="tx1"/>
+                </a:solidFill>
+              </a:rPr>
+              <a:t>목록</a:t>
+            </a:r>
+          </a:p>
+        </p:txBody>
+      </p:sp>
+      <p:sp>
+        <p:nvSpPr>
+          <p:cNvPr id="88" name="직사각형 87">
+            <a:extLst>
+              <a:ext uri="{FF2B5EF4-FFF2-40B4-BE49-F238E27FC236}">
+                <a16:creationId xmlns:a16="http://schemas.microsoft.com/office/drawing/2014/main" id="{8C65CF43-5FC2-42F1-6C79-F176B2709DDC}"/>
+              </a:ext>
+            </a:extLst>
+          </p:cNvPr>
+          <p:cNvSpPr/>
+          <p:nvPr/>
+        </p:nvSpPr>
+        <p:spPr>
+          <a:xfrm>
+            <a:off x="6095804" y="1044189"/>
+            <a:ext cx="2092343" cy="4395015"/>
+          </a:xfrm>
+          <a:prstGeom prst="rect">
+            <a:avLst/>
+          </a:prstGeom>
+          <a:noFill/>
+          <a:ln w="19050">
+            <a:solidFill>
+              <a:srgbClr val="FF0000"/>
+            </a:solidFill>
+          </a:ln>
+        </p:spPr>
+        <p:style>
+          <a:lnRef idx="2">
+            <a:schemeClr val="accent1">
+              <a:shade val="50000"/>
+            </a:schemeClr>
+          </a:lnRef>
+          <a:fillRef idx="1">
+            <a:schemeClr val="accent1"/>
+          </a:fillRef>
+          <a:effectRef idx="0">
+            <a:schemeClr val="accent1"/>
+          </a:effectRef>
+          <a:fontRef idx="minor">
+            <a:schemeClr val="lt1"/>
+          </a:fontRef>
+        </p:style>
+        <p:txBody>
+          <a:bodyPr rtlCol="0" anchor="ctr"/>
+          <a:lstStyle/>
+          <a:p>
+            <a:pPr algn="ctr"/>
+            <a:endParaRPr lang="ko-KR" altLang="en-US"/>
+          </a:p>
+        </p:txBody>
+      </p:sp>
+      <p:sp>
+        <p:nvSpPr>
+          <p:cNvPr id="89" name="직사각형 88">
+            <a:extLst>
+              <a:ext uri="{FF2B5EF4-FFF2-40B4-BE49-F238E27FC236}">
+                <a16:creationId xmlns:a16="http://schemas.microsoft.com/office/drawing/2014/main" id="{30B96E86-726D-9691-3A7D-FC73C8892591}"/>
+              </a:ext>
+            </a:extLst>
+          </p:cNvPr>
+          <p:cNvSpPr/>
+          <p:nvPr/>
+        </p:nvSpPr>
+        <p:spPr>
+          <a:xfrm>
+            <a:off x="6572800" y="825538"/>
+            <a:ext cx="1082180" cy="377505"/>
+          </a:xfrm>
+          <a:prstGeom prst="rect">
+            <a:avLst/>
+          </a:prstGeom>
+          <a:solidFill>
+            <a:schemeClr val="accent2">
+              <a:lumMod val="40000"/>
+              <a:lumOff val="60000"/>
+            </a:schemeClr>
+          </a:solidFill>
+        </p:spPr>
+        <p:style>
+          <a:lnRef idx="2">
+            <a:schemeClr val="accent1">
+              <a:shade val="50000"/>
+            </a:schemeClr>
+          </a:lnRef>
+          <a:fillRef idx="1">
+            <a:schemeClr val="accent1"/>
+          </a:fillRef>
+          <a:effectRef idx="0">
+            <a:schemeClr val="accent1"/>
+          </a:effectRef>
+          <a:fontRef idx="minor">
+            <a:schemeClr val="lt1"/>
+          </a:fontRef>
+        </p:style>
+        <p:txBody>
+          <a:bodyPr rtlCol="0" anchor="ctr"/>
+          <a:lstStyle/>
+          <a:p>
+            <a:pPr algn="ctr"/>
+            <a:r>
+              <a:rPr lang="ko-KR" altLang="en-US" sz="1100" dirty="0">
+                <a:solidFill>
+                  <a:schemeClr val="tx1"/>
+                </a:solidFill>
+              </a:rPr>
+              <a:t>분류</a:t>
+            </a:r>
+          </a:p>
+        </p:txBody>
+      </p:sp>
+    </p:spTree>
+    <p:extLst>
+      <p:ext uri="{BB962C8B-B14F-4D97-AF65-F5344CB8AC3E}">
+        <p14:creationId xmlns:p14="http://schemas.microsoft.com/office/powerpoint/2010/main" val="1580404200"/>
+      </p:ext>
+    </p:extLst>
+  </p:cSld>
+  <p:clrMapOvr>
+    <a:masterClrMapping/>
+  </p:clrMapOvr>
+</p:sld>
+</file>
+
+<file path=ppt/slides/slide13.xml><?xml version="1.0" encoding="utf-8"?>
+<p:sld xmlns:a="http://schemas.openxmlformats.org/drawingml/2006/main" xmlns:r="http://schemas.openxmlformats.org/officeDocument/2006/relationships" xmlns:p="http://schemas.openxmlformats.org/presentationml/2006/main">
+  <p:cSld>
+    <p:spTree>
+      <p:nvGrpSpPr>
+        <p:cNvPr id="1" name=""/>
+        <p:cNvGrpSpPr/>
+        <p:nvPr/>
+      </p:nvGrpSpPr>
+      <p:grpSpPr>
+        <a:xfrm>
+          <a:off x="0" y="0"/>
+          <a:ext cx="0" cy="0"/>
+          <a:chOff x="0" y="0"/>
+          <a:chExt cx="0" cy="0"/>
+        </a:xfrm>
+      </p:grpSpPr>
+      <p:sp>
+        <p:nvSpPr>
+          <p:cNvPr id="41" name="TextBox 40">
+            <a:extLst>
+              <a:ext uri="{FF2B5EF4-FFF2-40B4-BE49-F238E27FC236}">
+                <a16:creationId xmlns:a16="http://schemas.microsoft.com/office/drawing/2014/main" id="{F7DF53E9-75B2-B34B-EA61-37DA27EB4E9F}"/>
+              </a:ext>
+            </a:extLst>
+          </p:cNvPr>
+          <p:cNvSpPr txBox="1"/>
+          <p:nvPr/>
+        </p:nvSpPr>
+        <p:spPr>
+          <a:xfrm>
+            <a:off x="672825" y="399870"/>
+            <a:ext cx="2495129" cy="523220"/>
+          </a:xfrm>
+          <a:prstGeom prst="rect">
+            <a:avLst/>
+          </a:prstGeom>
+          <a:noFill/>
+        </p:spPr>
+        <p:txBody>
+          <a:bodyPr wrap="square" rtlCol="0">
+            <a:spAutoFit/>
+          </a:bodyPr>
+          <a:lstStyle/>
+          <a:p>
+            <a:r>
+              <a:rPr lang="ko-KR" altLang="en-US" sz="2800" b="1" dirty="0">
+                <a:latin typeface="Aharoni" panose="020B0604020202020204" pitchFamily="2" charset="-79"/>
+                <a:cs typeface="Aharoni" panose="020B0604020202020204" pitchFamily="2" charset="-79"/>
+              </a:rPr>
+              <a:t>기능</a:t>
+            </a:r>
+          </a:p>
+        </p:txBody>
+      </p:sp>
+      <p:sp>
+        <p:nvSpPr>
+          <p:cNvPr id="3" name="TextBox 2">
+            <a:extLst>
+              <a:ext uri="{FF2B5EF4-FFF2-40B4-BE49-F238E27FC236}">
+                <a16:creationId xmlns:a16="http://schemas.microsoft.com/office/drawing/2014/main" id="{3F77B42B-68F7-4F07-58F0-6401FFFA4CB9}"/>
+              </a:ext>
+            </a:extLst>
+          </p:cNvPr>
+          <p:cNvSpPr txBox="1"/>
+          <p:nvPr/>
+        </p:nvSpPr>
+        <p:spPr>
+          <a:xfrm>
+            <a:off x="902601" y="1144476"/>
+            <a:ext cx="4790275" cy="5647700"/>
+          </a:xfrm>
+          <a:prstGeom prst="rect">
+            <a:avLst/>
+          </a:prstGeom>
+          <a:noFill/>
+        </p:spPr>
+        <p:txBody>
+          <a:bodyPr wrap="square" rtlCol="0">
+            <a:spAutoFit/>
+          </a:bodyPr>
+          <a:lstStyle/>
+          <a:p>
+            <a:pPr marL="285750" indent="-285750">
+              <a:lnSpc>
+                <a:spcPct val="150000"/>
+              </a:lnSpc>
+              <a:buFont typeface="Arial" panose="020B0604020202020204" pitchFamily="34" charset="0"/>
+              <a:buChar char="•"/>
+            </a:pPr>
+            <a:r>
+              <a:rPr lang="ko-KR" altLang="en-US" dirty="0"/>
+              <a:t>기능</a:t>
+            </a:r>
+            <a:endParaRPr lang="en-US" altLang="ko-KR" dirty="0"/>
+          </a:p>
+          <a:p>
+            <a:pPr marL="742950" lvl="1" indent="-285750">
+              <a:lnSpc>
+                <a:spcPct val="150000"/>
+              </a:lnSpc>
+              <a:buFont typeface="Wingdings" panose="05000000000000000000" pitchFamily="2" charset="2"/>
+              <a:buChar char="Ø"/>
+            </a:pPr>
+            <a:r>
+              <a:rPr lang="ko-KR" altLang="en-US" sz="1300" dirty="0"/>
+              <a:t>카테고리</a:t>
+            </a:r>
+            <a:endParaRPr lang="en-US" altLang="ko-KR" sz="1300" dirty="0"/>
+          </a:p>
+          <a:p>
+            <a:pPr marL="1257300" lvl="2" indent="-342900">
+              <a:lnSpc>
+                <a:spcPct val="150000"/>
+              </a:lnSpc>
+              <a:buFont typeface="+mj-lt"/>
+              <a:buAutoNum type="arabicPeriod"/>
+            </a:pPr>
+            <a:r>
+              <a:rPr lang="ko-KR" altLang="en-US" sz="1000" dirty="0"/>
+              <a:t>도감에 </a:t>
+            </a:r>
+            <a:r>
+              <a:rPr lang="ko-KR" altLang="en-US" sz="1000" dirty="0" err="1"/>
+              <a:t>입장시</a:t>
+            </a:r>
+            <a:r>
+              <a:rPr lang="ko-KR" altLang="en-US" sz="1000" dirty="0"/>
+              <a:t> 디폴트 </a:t>
+            </a:r>
+            <a:r>
+              <a:rPr lang="en-US" altLang="ko-KR" sz="1000" dirty="0"/>
+              <a:t>: </a:t>
+            </a:r>
+            <a:r>
+              <a:rPr lang="ko-KR" altLang="en-US" sz="1000" dirty="0"/>
+              <a:t>아이템 도감</a:t>
+            </a:r>
+            <a:endParaRPr lang="en-US" altLang="ko-KR" sz="1000" dirty="0"/>
+          </a:p>
+          <a:p>
+            <a:pPr marL="1257300" lvl="2" indent="-342900">
+              <a:lnSpc>
+                <a:spcPct val="150000"/>
+              </a:lnSpc>
+              <a:buFont typeface="+mj-lt"/>
+              <a:buAutoNum type="arabicPeriod"/>
+            </a:pPr>
+            <a:r>
+              <a:rPr lang="ko-KR" altLang="en-US" sz="1000" dirty="0"/>
+              <a:t>버튼 기능</a:t>
+            </a:r>
+            <a:endParaRPr lang="en-US" altLang="ko-KR" sz="1000" dirty="0"/>
+          </a:p>
+          <a:p>
+            <a:pPr marL="1714500" lvl="3" indent="-342900">
+              <a:lnSpc>
+                <a:spcPct val="150000"/>
+              </a:lnSpc>
+              <a:buFont typeface="+mj-ea"/>
+              <a:buAutoNum type="circleNumDbPlain"/>
+            </a:pPr>
+            <a:r>
+              <a:rPr lang="ko-KR" altLang="en-US" sz="1000" dirty="0"/>
+              <a:t>버튼 선택으로 수집품 도감으로 이동 가능</a:t>
+            </a:r>
+            <a:endParaRPr lang="en-US" altLang="ko-KR" sz="1000" dirty="0"/>
+          </a:p>
+          <a:p>
+            <a:pPr marL="1257300" lvl="2" indent="-342900">
+              <a:lnSpc>
+                <a:spcPct val="150000"/>
+              </a:lnSpc>
+              <a:buFont typeface="+mj-ea"/>
+              <a:buAutoNum type="arabicPeriod"/>
+            </a:pPr>
+            <a:r>
+              <a:rPr lang="ko-KR" altLang="en-US" sz="1000" dirty="0"/>
+              <a:t>강조 효과</a:t>
+            </a:r>
+            <a:endParaRPr lang="en-US" altLang="ko-KR" sz="1000" dirty="0"/>
+          </a:p>
+          <a:p>
+            <a:pPr marL="1600200" lvl="3" indent="-228600">
+              <a:lnSpc>
+                <a:spcPct val="150000"/>
+              </a:lnSpc>
+              <a:buFont typeface="+mj-ea"/>
+              <a:buAutoNum type="circleNumDbPlain"/>
+            </a:pPr>
+            <a:r>
+              <a:rPr lang="ko-KR" altLang="en-US" sz="1000" dirty="0"/>
+              <a:t>현재 선택중인 카테고리는 텍스트 강조 효과를 가짐</a:t>
+            </a:r>
+            <a:endParaRPr lang="en-US" altLang="ko-KR" sz="1000" dirty="0"/>
+          </a:p>
+          <a:p>
+            <a:pPr marL="1600200" lvl="3" indent="-228600">
+              <a:lnSpc>
+                <a:spcPct val="150000"/>
+              </a:lnSpc>
+              <a:buFont typeface="+mj-ea"/>
+              <a:buAutoNum type="circleNumDbPlain"/>
+            </a:pPr>
+            <a:r>
+              <a:rPr lang="ko-KR" altLang="en-US" sz="1000" dirty="0"/>
+              <a:t>현재 </a:t>
+            </a:r>
+            <a:r>
+              <a:rPr lang="ko-KR" altLang="en-US" sz="1000" dirty="0" err="1"/>
+              <a:t>선택중이</a:t>
+            </a:r>
+            <a:r>
+              <a:rPr lang="ko-KR" altLang="en-US" sz="1000" dirty="0"/>
+              <a:t> 아닌 카테고리 버튼에 화살표 이미지가 추가</a:t>
+            </a:r>
+            <a:br>
+              <a:rPr lang="en-US" altLang="ko-KR" sz="1000" dirty="0"/>
+            </a:br>
+            <a:r>
+              <a:rPr lang="en-US" altLang="ko-KR" sz="900" dirty="0"/>
+              <a:t>(</a:t>
+            </a:r>
+            <a:r>
+              <a:rPr lang="ko-KR" altLang="en-US" sz="900" dirty="0"/>
+              <a:t>의도 </a:t>
+            </a:r>
+            <a:r>
+              <a:rPr lang="en-US" altLang="ko-KR" sz="900" dirty="0"/>
+              <a:t>: </a:t>
+            </a:r>
+            <a:r>
+              <a:rPr lang="ko-KR" altLang="en-US" sz="900" dirty="0" err="1"/>
+              <a:t>플레이어게</a:t>
+            </a:r>
+            <a:r>
+              <a:rPr lang="ko-KR" altLang="en-US" sz="900" dirty="0"/>
+              <a:t> 버튼이라는 것을 인식 시키기 위함</a:t>
+            </a:r>
+            <a:r>
+              <a:rPr lang="en-US" altLang="ko-KR" sz="900" dirty="0"/>
+              <a:t>)</a:t>
+            </a:r>
+            <a:br>
+              <a:rPr lang="en-US" altLang="ko-KR" sz="900" dirty="0"/>
+            </a:br>
+            <a:endParaRPr lang="en-US" altLang="ko-KR" sz="900" dirty="0"/>
+          </a:p>
+          <a:p>
+            <a:pPr marL="685800" lvl="1" indent="-228600">
+              <a:lnSpc>
+                <a:spcPct val="150000"/>
+              </a:lnSpc>
+              <a:buFont typeface="Wingdings" panose="05000000000000000000" pitchFamily="2" charset="2"/>
+              <a:buChar char="Ø"/>
+            </a:pPr>
+            <a:r>
+              <a:rPr lang="ko-KR" altLang="en-US" sz="1300" dirty="0"/>
+              <a:t>목록</a:t>
+            </a:r>
+            <a:endParaRPr lang="en-US" altLang="ko-KR" sz="1300" dirty="0"/>
+          </a:p>
+          <a:p>
+            <a:pPr marL="1257300" lvl="2" indent="-342900">
+              <a:lnSpc>
+                <a:spcPct val="150000"/>
+              </a:lnSpc>
+              <a:buFont typeface="+mj-lt"/>
+              <a:buAutoNum type="arabicPeriod"/>
+            </a:pPr>
+            <a:r>
+              <a:rPr lang="ko-KR" altLang="en-US" sz="1000" dirty="0"/>
+              <a:t>현재 카테고리에서 확인 가능한 목록</a:t>
+            </a:r>
+            <a:endParaRPr lang="en-US" altLang="ko-KR" sz="1000" dirty="0"/>
+          </a:p>
+          <a:p>
+            <a:pPr marL="1257300" lvl="2" indent="-342900">
+              <a:lnSpc>
+                <a:spcPct val="150000"/>
+              </a:lnSpc>
+              <a:buFont typeface="+mj-lt"/>
+              <a:buAutoNum type="arabicPeriod"/>
+            </a:pPr>
+            <a:r>
+              <a:rPr lang="ko-KR" altLang="en-US" sz="1000" dirty="0"/>
+              <a:t>아이템 도감에 표시되는 목록</a:t>
+            </a:r>
+            <a:endParaRPr lang="en-US" altLang="ko-KR" sz="1000" dirty="0"/>
+          </a:p>
+          <a:p>
+            <a:pPr marL="1600200" lvl="3" indent="-228600">
+              <a:lnSpc>
+                <a:spcPct val="150000"/>
+              </a:lnSpc>
+              <a:buFont typeface="+mj-ea"/>
+              <a:buAutoNum type="circleNumDbPlain"/>
+            </a:pPr>
+            <a:r>
+              <a:rPr lang="ko-KR" altLang="en-US" sz="1000" dirty="0"/>
+              <a:t>장비</a:t>
+            </a:r>
+            <a:endParaRPr lang="en-US" altLang="ko-KR" sz="1000" dirty="0"/>
+          </a:p>
+          <a:p>
+            <a:pPr marL="1600200" lvl="3" indent="-228600">
+              <a:lnSpc>
+                <a:spcPct val="150000"/>
+              </a:lnSpc>
+              <a:buFont typeface="+mj-ea"/>
+              <a:buAutoNum type="circleNumDbPlain"/>
+            </a:pPr>
+            <a:r>
+              <a:rPr lang="ko-KR" altLang="en-US" sz="1000" dirty="0"/>
+              <a:t>선물</a:t>
+            </a:r>
+            <a:endParaRPr lang="en-US" altLang="ko-KR" sz="1000" dirty="0"/>
+          </a:p>
+          <a:p>
+            <a:pPr marL="1600200" lvl="3" indent="-228600">
+              <a:lnSpc>
+                <a:spcPct val="150000"/>
+              </a:lnSpc>
+              <a:buFont typeface="+mj-ea"/>
+              <a:buAutoNum type="circleNumDbPlain"/>
+            </a:pPr>
+            <a:r>
+              <a:rPr lang="ko-KR" altLang="en-US" sz="1000" dirty="0"/>
+              <a:t>물약</a:t>
+            </a:r>
+            <a:endParaRPr lang="en-US" altLang="ko-KR" sz="1000" dirty="0"/>
+          </a:p>
+          <a:p>
+            <a:pPr marL="1600200" lvl="3" indent="-228600">
+              <a:lnSpc>
+                <a:spcPct val="150000"/>
+              </a:lnSpc>
+              <a:buFont typeface="+mj-ea"/>
+              <a:buAutoNum type="circleNumDbPlain"/>
+            </a:pPr>
+            <a:r>
+              <a:rPr lang="ko-KR" altLang="en-US" sz="1000" dirty="0"/>
+              <a:t>재료</a:t>
+            </a:r>
+            <a:endParaRPr lang="en-US" altLang="ko-KR" sz="1000" dirty="0"/>
+          </a:p>
+          <a:p>
+            <a:pPr marL="1600200" lvl="3" indent="-228600">
+              <a:lnSpc>
+                <a:spcPct val="150000"/>
+              </a:lnSpc>
+              <a:buFont typeface="+mj-ea"/>
+              <a:buAutoNum type="circleNumDbPlain"/>
+            </a:pPr>
+            <a:r>
+              <a:rPr lang="ko-KR" altLang="en-US" sz="1000" dirty="0"/>
+              <a:t>퀘스트</a:t>
+            </a:r>
+            <a:endParaRPr lang="en-US" altLang="ko-KR" sz="1000" dirty="0"/>
+          </a:p>
+          <a:p>
+            <a:pPr marL="1143000" lvl="2" indent="-228600">
+              <a:lnSpc>
+                <a:spcPct val="150000"/>
+              </a:lnSpc>
+              <a:buFont typeface="+mj-ea"/>
+              <a:buAutoNum type="arabicPeriod"/>
+            </a:pPr>
+            <a:r>
+              <a:rPr lang="ko-KR" altLang="en-US" sz="1000" dirty="0"/>
+              <a:t>강조 효과</a:t>
+            </a:r>
+            <a:endParaRPr lang="en-US" altLang="ko-KR" sz="1000" dirty="0"/>
+          </a:p>
+          <a:p>
+            <a:pPr marL="1600200" lvl="3" indent="-228600">
+              <a:lnSpc>
+                <a:spcPct val="150000"/>
+              </a:lnSpc>
+              <a:buFont typeface="+mj-ea"/>
+              <a:buAutoNum type="circleNumDbPlain"/>
+            </a:pPr>
+            <a:r>
+              <a:rPr lang="ko-KR" altLang="en-US" sz="1000" dirty="0"/>
+              <a:t>현재 선택중인 목록은 버튼 색을 다르게 하여 유저들에게 인지 시킴</a:t>
+            </a:r>
+            <a:endParaRPr lang="en-US" altLang="ko-KR" sz="1000" dirty="0"/>
+          </a:p>
+          <a:p>
+            <a:pPr marL="1257300" lvl="2" indent="-342900">
+              <a:buFont typeface="+mj-lt"/>
+              <a:buAutoNum type="arabicPeriod"/>
+            </a:pPr>
+            <a:endParaRPr lang="ko-KR" altLang="en-US" sz="1300" dirty="0"/>
+          </a:p>
+        </p:txBody>
+      </p:sp>
+      <p:grpSp>
+        <p:nvGrpSpPr>
+          <p:cNvPr id="72" name="그룹 71">
+            <a:extLst>
+              <a:ext uri="{FF2B5EF4-FFF2-40B4-BE49-F238E27FC236}">
+                <a16:creationId xmlns:a16="http://schemas.microsoft.com/office/drawing/2014/main" id="{3158879C-9A15-A148-7DE3-93430BAF4041}"/>
+              </a:ext>
+            </a:extLst>
+          </p:cNvPr>
+          <p:cNvGrpSpPr/>
+          <p:nvPr/>
+        </p:nvGrpSpPr>
+        <p:grpSpPr>
+          <a:xfrm>
+            <a:off x="6198537" y="2182762"/>
+            <a:ext cx="5411394" cy="2601089"/>
+            <a:chOff x="3744405" y="1817528"/>
+            <a:chExt cx="7462403" cy="3352729"/>
+          </a:xfrm>
+        </p:grpSpPr>
+        <p:sp>
+          <p:nvSpPr>
+            <p:cNvPr id="7" name="직사각형 6">
+              <a:extLst>
+                <a:ext uri="{FF2B5EF4-FFF2-40B4-BE49-F238E27FC236}">
+                  <a16:creationId xmlns:a16="http://schemas.microsoft.com/office/drawing/2014/main" id="{C390C8E9-4241-AADB-F8B6-ED5AD2EAAEAD}"/>
+                </a:ext>
+              </a:extLst>
+            </p:cNvPr>
+            <p:cNvSpPr/>
+            <p:nvPr/>
+          </p:nvSpPr>
+          <p:spPr>
+            <a:xfrm>
+              <a:off x="3744405" y="1817528"/>
+              <a:ext cx="7462403" cy="3352729"/>
+            </a:xfrm>
+            <a:prstGeom prst="rect">
+              <a:avLst/>
+            </a:prstGeom>
+            <a:noFill/>
+            <a:ln>
+              <a:solidFill>
+                <a:schemeClr val="tx1"/>
+              </a:solidFill>
+            </a:ln>
+          </p:spPr>
+          <p:style>
+            <a:lnRef idx="2">
+              <a:schemeClr val="accent1">
+                <a:shade val="50000"/>
+              </a:schemeClr>
+            </a:lnRef>
+            <a:fillRef idx="1">
+              <a:schemeClr val="accent1"/>
+            </a:fillRef>
+            <a:effectRef idx="0">
+              <a:schemeClr val="accent1"/>
+            </a:effectRef>
+            <a:fontRef idx="minor">
+              <a:schemeClr val="lt1"/>
+            </a:fontRef>
+          </p:style>
+          <p:txBody>
+            <a:bodyPr rtlCol="0" anchor="ctr"/>
+            <a:lstStyle/>
+            <a:p>
+              <a:pPr algn="ctr"/>
+              <a:endParaRPr lang="ko-KR" altLang="en-US"/>
+            </a:p>
+          </p:txBody>
+        </p:sp>
+        <p:sp>
+          <p:nvSpPr>
+            <p:cNvPr id="9" name="TextBox 8">
+              <a:extLst>
+                <a:ext uri="{FF2B5EF4-FFF2-40B4-BE49-F238E27FC236}">
+                  <a16:creationId xmlns:a16="http://schemas.microsoft.com/office/drawing/2014/main" id="{B42DA948-4B06-24A8-404A-3C71E607DDC1}"/>
+                </a:ext>
+              </a:extLst>
+            </p:cNvPr>
+            <p:cNvSpPr txBox="1"/>
+            <p:nvPr/>
+          </p:nvSpPr>
+          <p:spPr>
+            <a:xfrm>
+              <a:off x="4004719" y="1945260"/>
+              <a:ext cx="771530" cy="297536"/>
+            </a:xfrm>
+            <a:prstGeom prst="rect">
+              <a:avLst/>
+            </a:prstGeom>
+            <a:noFill/>
+          </p:spPr>
+          <p:txBody>
+            <a:bodyPr wrap="square" rtlCol="0">
+              <a:spAutoFit/>
+            </a:bodyPr>
+            <a:lstStyle/>
+            <a:p>
+              <a:pPr algn="ctr"/>
+              <a:r>
+                <a:rPr lang="ko-KR" altLang="en-US" sz="900" b="1" dirty="0"/>
+                <a:t>아이템</a:t>
+              </a:r>
+              <a:endParaRPr lang="en-US" altLang="ko-KR" sz="900" b="1" dirty="0"/>
+            </a:p>
+          </p:txBody>
+        </p:sp>
+        <p:sp>
+          <p:nvSpPr>
+            <p:cNvPr id="11" name="TextBox 10">
+              <a:extLst>
+                <a:ext uri="{FF2B5EF4-FFF2-40B4-BE49-F238E27FC236}">
+                  <a16:creationId xmlns:a16="http://schemas.microsoft.com/office/drawing/2014/main" id="{80614F31-B548-DFA1-9C4B-C4D97D4D48D3}"/>
+                </a:ext>
+              </a:extLst>
+            </p:cNvPr>
+            <p:cNvSpPr txBox="1"/>
+            <p:nvPr/>
+          </p:nvSpPr>
+          <p:spPr>
+            <a:xfrm>
+              <a:off x="10150874" y="1896542"/>
+              <a:ext cx="771530" cy="297536"/>
+            </a:xfrm>
+            <a:prstGeom prst="rect">
+              <a:avLst/>
+            </a:prstGeom>
+            <a:noFill/>
+          </p:spPr>
+          <p:txBody>
+            <a:bodyPr wrap="square" rtlCol="0">
+              <a:spAutoFit/>
+            </a:bodyPr>
+            <a:lstStyle/>
+            <a:p>
+              <a:pPr algn="ctr"/>
+              <a:r>
+                <a:rPr lang="ko-KR" altLang="en-US" sz="900" dirty="0"/>
+                <a:t>수집품</a:t>
+              </a:r>
+              <a:endParaRPr lang="en-US" altLang="ko-KR" sz="900" dirty="0"/>
+            </a:p>
+          </p:txBody>
+        </p:sp>
+        <p:sp>
+          <p:nvSpPr>
+            <p:cNvPr id="12" name="직사각형 11">
+              <a:extLst>
+                <a:ext uri="{FF2B5EF4-FFF2-40B4-BE49-F238E27FC236}">
+                  <a16:creationId xmlns:a16="http://schemas.microsoft.com/office/drawing/2014/main" id="{A13C5B3E-E810-25BD-74BA-738A8AAA47CA}"/>
+                </a:ext>
+              </a:extLst>
+            </p:cNvPr>
+            <p:cNvSpPr/>
+            <p:nvPr/>
+          </p:nvSpPr>
+          <p:spPr>
+            <a:xfrm>
+              <a:off x="5289054" y="2672197"/>
+              <a:ext cx="5723136" cy="2190961"/>
+            </a:xfrm>
+            <a:prstGeom prst="rect">
+              <a:avLst/>
+            </a:prstGeom>
+            <a:noFill/>
+            <a:ln>
+              <a:solidFill>
+                <a:schemeClr val="tx1"/>
+              </a:solidFill>
+            </a:ln>
+          </p:spPr>
+          <p:style>
+            <a:lnRef idx="2">
+              <a:schemeClr val="accent1">
+                <a:shade val="50000"/>
+              </a:schemeClr>
+            </a:lnRef>
+            <a:fillRef idx="1">
+              <a:schemeClr val="accent1"/>
+            </a:fillRef>
+            <a:effectRef idx="0">
+              <a:schemeClr val="accent1"/>
+            </a:effectRef>
+            <a:fontRef idx="minor">
+              <a:schemeClr val="lt1"/>
+            </a:fontRef>
+          </p:style>
+          <p:txBody>
+            <a:bodyPr rtlCol="0" anchor="ctr"/>
+            <a:lstStyle/>
+            <a:p>
+              <a:pPr algn="ctr"/>
+              <a:endParaRPr lang="ko-KR" altLang="en-US"/>
+            </a:p>
+          </p:txBody>
+        </p:sp>
+        <p:sp>
+          <p:nvSpPr>
+            <p:cNvPr id="19" name="직사각형 18">
+              <a:extLst>
+                <a:ext uri="{FF2B5EF4-FFF2-40B4-BE49-F238E27FC236}">
+                  <a16:creationId xmlns:a16="http://schemas.microsoft.com/office/drawing/2014/main" id="{31A99F9B-CDED-AF4A-59C1-1F1B1F1C4CED}"/>
+                </a:ext>
+              </a:extLst>
+            </p:cNvPr>
+            <p:cNvSpPr/>
+            <p:nvPr/>
+          </p:nvSpPr>
+          <p:spPr>
+            <a:xfrm>
+              <a:off x="4364243" y="2739914"/>
+              <a:ext cx="621416" cy="253769"/>
+            </a:xfrm>
+            <a:prstGeom prst="rect">
+              <a:avLst/>
+            </a:prstGeom>
+            <a:solidFill>
+              <a:schemeClr val="accent2">
+                <a:lumMod val="40000"/>
+                <a:lumOff val="60000"/>
+              </a:schemeClr>
+            </a:solidFill>
+            <a:ln>
+              <a:solidFill>
+                <a:schemeClr val="tx1"/>
+              </a:solidFill>
+            </a:ln>
+          </p:spPr>
+          <p:style>
+            <a:lnRef idx="2">
+              <a:schemeClr val="accent1">
+                <a:shade val="50000"/>
+              </a:schemeClr>
+            </a:lnRef>
+            <a:fillRef idx="1">
+              <a:schemeClr val="accent1"/>
+            </a:fillRef>
+            <a:effectRef idx="0">
+              <a:schemeClr val="accent1"/>
+            </a:effectRef>
+            <a:fontRef idx="minor">
+              <a:schemeClr val="lt1"/>
+            </a:fontRef>
+          </p:style>
+          <p:txBody>
+            <a:bodyPr rtlCol="0" anchor="ctr"/>
+            <a:lstStyle/>
+            <a:p>
+              <a:pPr algn="ctr"/>
+              <a:r>
+                <a:rPr lang="ko-KR" altLang="en-US" sz="1050" dirty="0">
+                  <a:solidFill>
+                    <a:schemeClr val="tx1"/>
+                  </a:solidFill>
+                </a:rPr>
+                <a:t>장비</a:t>
+              </a:r>
+            </a:p>
+          </p:txBody>
+        </p:sp>
+        <p:sp>
+          <p:nvSpPr>
+            <p:cNvPr id="20" name="직사각형 19">
+              <a:extLst>
+                <a:ext uri="{FF2B5EF4-FFF2-40B4-BE49-F238E27FC236}">
+                  <a16:creationId xmlns:a16="http://schemas.microsoft.com/office/drawing/2014/main" id="{AEF8A117-0F72-0F98-EBA2-477BB94AEA6D}"/>
+                </a:ext>
+              </a:extLst>
+            </p:cNvPr>
+            <p:cNvSpPr/>
+            <p:nvPr/>
+          </p:nvSpPr>
+          <p:spPr>
+            <a:xfrm>
+              <a:off x="4364243" y="3152223"/>
+              <a:ext cx="621416" cy="253769"/>
+            </a:xfrm>
+            <a:prstGeom prst="rect">
+              <a:avLst/>
+            </a:prstGeom>
+            <a:solidFill>
+              <a:schemeClr val="bg1"/>
+            </a:solidFill>
+            <a:ln>
+              <a:solidFill>
+                <a:schemeClr val="tx1"/>
+              </a:solidFill>
+            </a:ln>
+          </p:spPr>
+          <p:style>
+            <a:lnRef idx="2">
+              <a:schemeClr val="accent1">
+                <a:shade val="50000"/>
+              </a:schemeClr>
+            </a:lnRef>
+            <a:fillRef idx="1">
+              <a:schemeClr val="accent1"/>
+            </a:fillRef>
+            <a:effectRef idx="0">
+              <a:schemeClr val="accent1"/>
+            </a:effectRef>
+            <a:fontRef idx="minor">
+              <a:schemeClr val="lt1"/>
+            </a:fontRef>
+          </p:style>
+          <p:txBody>
+            <a:bodyPr rtlCol="0" anchor="ctr"/>
+            <a:lstStyle/>
+            <a:p>
+              <a:pPr algn="ctr"/>
+              <a:r>
+                <a:rPr lang="ko-KR" altLang="en-US" sz="1050" dirty="0">
+                  <a:solidFill>
+                    <a:schemeClr val="tx1"/>
+                  </a:solidFill>
+                </a:rPr>
+                <a:t>선물</a:t>
+              </a:r>
+            </a:p>
+          </p:txBody>
+        </p:sp>
+        <p:sp>
+          <p:nvSpPr>
+            <p:cNvPr id="22" name="직사각형 21">
+              <a:extLst>
+                <a:ext uri="{FF2B5EF4-FFF2-40B4-BE49-F238E27FC236}">
+                  <a16:creationId xmlns:a16="http://schemas.microsoft.com/office/drawing/2014/main" id="{BC160586-81DB-7DFB-55ED-36D532D1035F}"/>
+                </a:ext>
+              </a:extLst>
+            </p:cNvPr>
+            <p:cNvSpPr/>
+            <p:nvPr/>
+          </p:nvSpPr>
+          <p:spPr>
+            <a:xfrm>
+              <a:off x="4364243" y="3600304"/>
+              <a:ext cx="621416" cy="253769"/>
+            </a:xfrm>
+            <a:prstGeom prst="rect">
+              <a:avLst/>
+            </a:prstGeom>
+            <a:solidFill>
+              <a:schemeClr val="bg1"/>
+            </a:solidFill>
+            <a:ln>
+              <a:solidFill>
+                <a:schemeClr val="tx1"/>
+              </a:solidFill>
+            </a:ln>
+          </p:spPr>
+          <p:style>
+            <a:lnRef idx="2">
+              <a:schemeClr val="accent1">
+                <a:shade val="50000"/>
+              </a:schemeClr>
+            </a:lnRef>
+            <a:fillRef idx="1">
+              <a:schemeClr val="accent1"/>
+            </a:fillRef>
+            <a:effectRef idx="0">
+              <a:schemeClr val="accent1"/>
+            </a:effectRef>
+            <a:fontRef idx="minor">
+              <a:schemeClr val="lt1"/>
+            </a:fontRef>
+          </p:style>
+          <p:txBody>
+            <a:bodyPr rtlCol="0" anchor="ctr"/>
+            <a:lstStyle/>
+            <a:p>
+              <a:pPr algn="ctr"/>
+              <a:r>
+                <a:rPr lang="ko-KR" altLang="en-US" sz="1050" dirty="0">
+                  <a:solidFill>
+                    <a:schemeClr val="tx1"/>
+                  </a:solidFill>
+                </a:rPr>
+                <a:t>물약</a:t>
+              </a:r>
+            </a:p>
+          </p:txBody>
+        </p:sp>
+        <p:sp>
+          <p:nvSpPr>
+            <p:cNvPr id="23" name="직사각형 22">
+              <a:extLst>
+                <a:ext uri="{FF2B5EF4-FFF2-40B4-BE49-F238E27FC236}">
+                  <a16:creationId xmlns:a16="http://schemas.microsoft.com/office/drawing/2014/main" id="{FFE2CA73-838B-57B7-338B-454272FF431E}"/>
+                </a:ext>
+              </a:extLst>
+            </p:cNvPr>
+            <p:cNvSpPr/>
+            <p:nvPr/>
+          </p:nvSpPr>
+          <p:spPr>
+            <a:xfrm>
+              <a:off x="4364243" y="4031940"/>
+              <a:ext cx="621416" cy="253769"/>
+            </a:xfrm>
+            <a:prstGeom prst="rect">
+              <a:avLst/>
+            </a:prstGeom>
+            <a:solidFill>
+              <a:schemeClr val="bg1"/>
+            </a:solidFill>
+            <a:ln>
+              <a:solidFill>
+                <a:schemeClr val="tx1"/>
+              </a:solidFill>
+            </a:ln>
+          </p:spPr>
+          <p:style>
+            <a:lnRef idx="2">
+              <a:schemeClr val="accent1">
+                <a:shade val="50000"/>
+              </a:schemeClr>
+            </a:lnRef>
+            <a:fillRef idx="1">
+              <a:schemeClr val="accent1"/>
+            </a:fillRef>
+            <a:effectRef idx="0">
+              <a:schemeClr val="accent1"/>
+            </a:effectRef>
+            <a:fontRef idx="minor">
+              <a:schemeClr val="lt1"/>
+            </a:fontRef>
+          </p:style>
+          <p:txBody>
+            <a:bodyPr rtlCol="0" anchor="ctr"/>
+            <a:lstStyle/>
+            <a:p>
+              <a:pPr algn="ctr"/>
+              <a:r>
+                <a:rPr lang="ko-KR" altLang="en-US" sz="1050" dirty="0">
+                  <a:solidFill>
+                    <a:schemeClr val="tx1"/>
+                  </a:solidFill>
+                </a:rPr>
+                <a:t>재료</a:t>
+              </a:r>
+            </a:p>
+          </p:txBody>
+        </p:sp>
+        <p:sp>
+          <p:nvSpPr>
+            <p:cNvPr id="25" name="직사각형 24">
+              <a:extLst>
+                <a:ext uri="{FF2B5EF4-FFF2-40B4-BE49-F238E27FC236}">
+                  <a16:creationId xmlns:a16="http://schemas.microsoft.com/office/drawing/2014/main" id="{80103074-4567-04E0-13DC-4C3B13A44A07}"/>
+                </a:ext>
+              </a:extLst>
+            </p:cNvPr>
+            <p:cNvSpPr/>
+            <p:nvPr/>
+          </p:nvSpPr>
+          <p:spPr>
+            <a:xfrm>
+              <a:off x="4364243" y="4425740"/>
+              <a:ext cx="621416" cy="253769"/>
+            </a:xfrm>
+            <a:prstGeom prst="rect">
+              <a:avLst/>
+            </a:prstGeom>
+            <a:solidFill>
+              <a:schemeClr val="bg1"/>
+            </a:solidFill>
+            <a:ln>
+              <a:solidFill>
+                <a:schemeClr val="tx1"/>
+              </a:solidFill>
+            </a:ln>
+          </p:spPr>
+          <p:style>
+            <a:lnRef idx="2">
+              <a:schemeClr val="accent1">
+                <a:shade val="50000"/>
+              </a:schemeClr>
+            </a:lnRef>
+            <a:fillRef idx="1">
+              <a:schemeClr val="accent1"/>
+            </a:fillRef>
+            <a:effectRef idx="0">
+              <a:schemeClr val="accent1"/>
+            </a:effectRef>
+            <a:fontRef idx="minor">
+              <a:schemeClr val="lt1"/>
+            </a:fontRef>
+          </p:style>
+          <p:txBody>
+            <a:bodyPr rtlCol="0" anchor="ctr"/>
+            <a:lstStyle/>
+            <a:p>
+              <a:pPr algn="ctr"/>
+              <a:r>
+                <a:rPr lang="ko-KR" altLang="en-US" sz="700" dirty="0">
+                  <a:solidFill>
+                    <a:schemeClr val="tx1"/>
+                  </a:solidFill>
+                </a:rPr>
+                <a:t>퀘스트</a:t>
+              </a:r>
+            </a:p>
+          </p:txBody>
+        </p:sp>
+        <p:sp>
+          <p:nvSpPr>
+            <p:cNvPr id="26" name="직사각형 25">
+              <a:extLst>
+                <a:ext uri="{FF2B5EF4-FFF2-40B4-BE49-F238E27FC236}">
+                  <a16:creationId xmlns:a16="http://schemas.microsoft.com/office/drawing/2014/main" id="{7F5A6A8F-7CF5-8BFD-B73D-40F553B10012}"/>
+                </a:ext>
+              </a:extLst>
+            </p:cNvPr>
+            <p:cNvSpPr/>
+            <p:nvPr/>
+          </p:nvSpPr>
+          <p:spPr>
+            <a:xfrm>
+              <a:off x="5944887" y="2418428"/>
+              <a:ext cx="771529" cy="253769"/>
+            </a:xfrm>
+            <a:prstGeom prst="rect">
+              <a:avLst/>
+            </a:prstGeom>
+            <a:solidFill>
+              <a:schemeClr val="bg1"/>
+            </a:solidFill>
+            <a:ln>
+              <a:solidFill>
+                <a:schemeClr val="tx1"/>
+              </a:solidFill>
+            </a:ln>
+          </p:spPr>
+          <p:style>
+            <a:lnRef idx="2">
+              <a:schemeClr val="accent1">
+                <a:shade val="50000"/>
+              </a:schemeClr>
+            </a:lnRef>
+            <a:fillRef idx="1">
+              <a:schemeClr val="accent1"/>
+            </a:fillRef>
+            <a:effectRef idx="0">
+              <a:schemeClr val="accent1"/>
+            </a:effectRef>
+            <a:fontRef idx="minor">
+              <a:schemeClr val="lt1"/>
+            </a:fontRef>
+          </p:style>
+          <p:txBody>
+            <a:bodyPr rtlCol="0" anchor="ctr"/>
+            <a:lstStyle/>
+            <a:p>
+              <a:pPr algn="ctr"/>
+              <a:r>
+                <a:rPr lang="ko-KR" altLang="en-US" sz="900" dirty="0" err="1">
+                  <a:solidFill>
+                    <a:schemeClr val="tx1"/>
+                  </a:solidFill>
+                </a:rPr>
+                <a:t>채아람</a:t>
+              </a:r>
+              <a:endParaRPr lang="ko-KR" altLang="en-US" sz="900" dirty="0">
+                <a:solidFill>
+                  <a:schemeClr val="tx1"/>
+                </a:solidFill>
+              </a:endParaRPr>
+            </a:p>
+          </p:txBody>
+        </p:sp>
+        <p:sp>
+          <p:nvSpPr>
+            <p:cNvPr id="28" name="직사각형 27">
+              <a:extLst>
+                <a:ext uri="{FF2B5EF4-FFF2-40B4-BE49-F238E27FC236}">
+                  <a16:creationId xmlns:a16="http://schemas.microsoft.com/office/drawing/2014/main" id="{6909DCCE-914D-72CF-990E-E005626C89FB}"/>
+                </a:ext>
+              </a:extLst>
+            </p:cNvPr>
+            <p:cNvSpPr/>
+            <p:nvPr/>
+          </p:nvSpPr>
+          <p:spPr>
+            <a:xfrm>
+              <a:off x="7405809" y="2418428"/>
+              <a:ext cx="771529" cy="253769"/>
+            </a:xfrm>
+            <a:prstGeom prst="rect">
+              <a:avLst/>
+            </a:prstGeom>
+            <a:solidFill>
+              <a:schemeClr val="bg1"/>
+            </a:solidFill>
+            <a:ln>
+              <a:solidFill>
+                <a:schemeClr val="tx1"/>
+              </a:solidFill>
+            </a:ln>
+          </p:spPr>
+          <p:style>
+            <a:lnRef idx="2">
+              <a:schemeClr val="accent1">
+                <a:shade val="50000"/>
+              </a:schemeClr>
+            </a:lnRef>
+            <a:fillRef idx="1">
+              <a:schemeClr val="accent1"/>
+            </a:fillRef>
+            <a:effectRef idx="0">
+              <a:schemeClr val="accent1"/>
+            </a:effectRef>
+            <a:fontRef idx="minor">
+              <a:schemeClr val="lt1"/>
+            </a:fontRef>
+          </p:style>
+          <p:txBody>
+            <a:bodyPr rtlCol="0" anchor="ctr"/>
+            <a:lstStyle/>
+            <a:p>
+              <a:pPr algn="ctr"/>
+              <a:r>
+                <a:rPr lang="ko-KR" altLang="en-US" sz="900" dirty="0" err="1">
+                  <a:solidFill>
+                    <a:schemeClr val="tx1"/>
+                  </a:solidFill>
+                </a:rPr>
+                <a:t>한소원</a:t>
+              </a:r>
+              <a:endParaRPr lang="ko-KR" altLang="en-US" sz="900" dirty="0">
+                <a:solidFill>
+                  <a:schemeClr val="tx1"/>
+                </a:solidFill>
+              </a:endParaRPr>
+            </a:p>
+          </p:txBody>
+        </p:sp>
+        <p:sp>
+          <p:nvSpPr>
+            <p:cNvPr id="29" name="직사각형 28">
+              <a:extLst>
+                <a:ext uri="{FF2B5EF4-FFF2-40B4-BE49-F238E27FC236}">
+                  <a16:creationId xmlns:a16="http://schemas.microsoft.com/office/drawing/2014/main" id="{C50E4F9F-EBA8-0BD9-3BB0-1F50572BFB7F}"/>
+                </a:ext>
+              </a:extLst>
+            </p:cNvPr>
+            <p:cNvSpPr/>
+            <p:nvPr/>
+          </p:nvSpPr>
+          <p:spPr>
+            <a:xfrm>
+              <a:off x="8950458" y="2418428"/>
+              <a:ext cx="771529" cy="253769"/>
+            </a:xfrm>
+            <a:prstGeom prst="rect">
+              <a:avLst/>
+            </a:prstGeom>
+            <a:solidFill>
+              <a:schemeClr val="bg1"/>
+            </a:solidFill>
+            <a:ln>
+              <a:solidFill>
+                <a:schemeClr val="tx1"/>
+              </a:solidFill>
+            </a:ln>
+          </p:spPr>
+          <p:style>
+            <a:lnRef idx="2">
+              <a:schemeClr val="accent1">
+                <a:shade val="50000"/>
+              </a:schemeClr>
+            </a:lnRef>
+            <a:fillRef idx="1">
+              <a:schemeClr val="accent1"/>
+            </a:fillRef>
+            <a:effectRef idx="0">
+              <a:schemeClr val="accent1"/>
+            </a:effectRef>
+            <a:fontRef idx="minor">
+              <a:schemeClr val="lt1"/>
+            </a:fontRef>
+          </p:style>
+          <p:txBody>
+            <a:bodyPr rtlCol="0" anchor="ctr"/>
+            <a:lstStyle/>
+            <a:p>
+              <a:pPr algn="ctr"/>
+              <a:r>
+                <a:rPr lang="ko-KR" altLang="en-US" sz="900" dirty="0" err="1">
+                  <a:solidFill>
+                    <a:schemeClr val="tx1"/>
+                  </a:solidFill>
+                </a:rPr>
+                <a:t>고은혜</a:t>
+              </a:r>
+              <a:endParaRPr lang="ko-KR" altLang="en-US" sz="900" dirty="0">
+                <a:solidFill>
+                  <a:schemeClr val="tx1"/>
+                </a:solidFill>
+              </a:endParaRPr>
+            </a:p>
+          </p:txBody>
+        </p:sp>
+        <p:sp>
+          <p:nvSpPr>
+            <p:cNvPr id="35" name="사각형: 둥근 모서리 34">
+              <a:extLst>
+                <a:ext uri="{FF2B5EF4-FFF2-40B4-BE49-F238E27FC236}">
+                  <a16:creationId xmlns:a16="http://schemas.microsoft.com/office/drawing/2014/main" id="{5BB9290F-39F4-8A48-0483-4A8108A2AEE6}"/>
+                </a:ext>
+              </a:extLst>
+            </p:cNvPr>
+            <p:cNvSpPr/>
+            <p:nvPr/>
+          </p:nvSpPr>
+          <p:spPr>
+            <a:xfrm>
+              <a:off x="5732208" y="2994029"/>
+              <a:ext cx="553797" cy="506539"/>
+            </a:xfrm>
+            <a:prstGeom prst="roundRect">
+              <a:avLst/>
+            </a:prstGeom>
+            <a:solidFill>
+              <a:schemeClr val="bg1"/>
+            </a:solidFill>
+            <a:ln>
+              <a:solidFill>
+                <a:schemeClr val="tx1"/>
+              </a:solidFill>
+            </a:ln>
+            <a:effectLst>
+              <a:glow rad="88900">
+                <a:schemeClr val="accent6">
+                  <a:satMod val="175000"/>
+                </a:schemeClr>
+              </a:glow>
+            </a:effectLst>
+          </p:spPr>
+          <p:style>
+            <a:lnRef idx="2">
+              <a:schemeClr val="accent1">
+                <a:shade val="50000"/>
+              </a:schemeClr>
+            </a:lnRef>
+            <a:fillRef idx="1">
+              <a:schemeClr val="accent1"/>
+            </a:fillRef>
+            <a:effectRef idx="0">
+              <a:schemeClr val="accent1"/>
+            </a:effectRef>
+            <a:fontRef idx="minor">
+              <a:schemeClr val="lt1"/>
+            </a:fontRef>
+          </p:style>
+          <p:txBody>
+            <a:bodyPr rtlCol="0" anchor="ctr"/>
+            <a:lstStyle/>
+            <a:p>
+              <a:pPr algn="ctr"/>
+              <a:endParaRPr lang="ko-KR" altLang="en-US"/>
+            </a:p>
+          </p:txBody>
+        </p:sp>
+        <p:sp>
+          <p:nvSpPr>
+            <p:cNvPr id="36" name="사각형: 둥근 모서리 35">
+              <a:extLst>
+                <a:ext uri="{FF2B5EF4-FFF2-40B4-BE49-F238E27FC236}">
+                  <a16:creationId xmlns:a16="http://schemas.microsoft.com/office/drawing/2014/main" id="{BDDD20B4-0A0A-4FCB-7D67-34C9EC42A917}"/>
+                </a:ext>
+              </a:extLst>
+            </p:cNvPr>
+            <p:cNvSpPr/>
+            <p:nvPr/>
+          </p:nvSpPr>
+          <p:spPr>
+            <a:xfrm>
+              <a:off x="6782152" y="2993683"/>
+              <a:ext cx="553797" cy="506539"/>
+            </a:xfrm>
+            <a:prstGeom prst="roundRect">
+              <a:avLst/>
+            </a:prstGeom>
+            <a:solidFill>
+              <a:schemeClr val="bg2">
+                <a:lumMod val="75000"/>
+              </a:schemeClr>
+            </a:solidFill>
+            <a:ln>
+              <a:solidFill>
+                <a:schemeClr val="tx1"/>
+              </a:solidFill>
+            </a:ln>
+          </p:spPr>
+          <p:style>
+            <a:lnRef idx="2">
+              <a:schemeClr val="accent1">
+                <a:shade val="50000"/>
+              </a:schemeClr>
+            </a:lnRef>
+            <a:fillRef idx="1">
+              <a:schemeClr val="accent1"/>
+            </a:fillRef>
+            <a:effectRef idx="0">
+              <a:schemeClr val="accent1"/>
+            </a:effectRef>
+            <a:fontRef idx="minor">
+              <a:schemeClr val="lt1"/>
+            </a:fontRef>
+          </p:style>
+          <p:txBody>
+            <a:bodyPr rtlCol="0" anchor="ctr"/>
+            <a:lstStyle/>
+            <a:p>
+              <a:pPr algn="ctr"/>
+              <a:endParaRPr lang="ko-KR" altLang="en-US"/>
+            </a:p>
+          </p:txBody>
+        </p:sp>
+        <p:pic>
+          <p:nvPicPr>
+            <p:cNvPr id="37" name="그림 36">
+              <a:extLst>
+                <a:ext uri="{FF2B5EF4-FFF2-40B4-BE49-F238E27FC236}">
+                  <a16:creationId xmlns:a16="http://schemas.microsoft.com/office/drawing/2014/main" id="{70310233-62DC-C959-E16E-7A265D99A008}"/>
+                </a:ext>
+              </a:extLst>
+            </p:cNvPr>
+            <p:cNvPicPr>
+              <a:picLocks noChangeAspect="1"/>
+            </p:cNvPicPr>
+            <p:nvPr/>
+          </p:nvPicPr>
+          <p:blipFill>
+            <a:blip r:embed="rId2"/>
+            <a:stretch>
+              <a:fillRect/>
+            </a:stretch>
+          </p:blipFill>
+          <p:spPr>
+            <a:xfrm>
+              <a:off x="5831186" y="3056461"/>
+              <a:ext cx="377087" cy="385658"/>
+            </a:xfrm>
+            <a:prstGeom prst="ellipse">
+              <a:avLst/>
+            </a:prstGeom>
+          </p:spPr>
+        </p:pic>
+        <p:pic>
+          <p:nvPicPr>
+            <p:cNvPr id="39" name="그림 38">
+              <a:extLst>
+                <a:ext uri="{FF2B5EF4-FFF2-40B4-BE49-F238E27FC236}">
+                  <a16:creationId xmlns:a16="http://schemas.microsoft.com/office/drawing/2014/main" id="{4B7F8329-8B17-1EF6-7319-1B2B16A782A6}"/>
+                </a:ext>
+              </a:extLst>
+            </p:cNvPr>
+            <p:cNvPicPr>
+              <a:picLocks noChangeAspect="1"/>
+            </p:cNvPicPr>
+            <p:nvPr/>
+          </p:nvPicPr>
+          <p:blipFill>
+            <a:blip r:embed="rId2"/>
+            <a:stretch>
+              <a:fillRect/>
+            </a:stretch>
+          </p:blipFill>
+          <p:spPr>
+            <a:xfrm>
+              <a:off x="6892273" y="3057703"/>
+              <a:ext cx="377087" cy="385658"/>
+            </a:xfrm>
+            <a:prstGeom prst="ellipse">
+              <a:avLst/>
+            </a:prstGeom>
+          </p:spPr>
+        </p:pic>
+        <p:sp>
+          <p:nvSpPr>
+            <p:cNvPr id="40" name="사각형: 둥근 모서리 39">
+              <a:extLst>
+                <a:ext uri="{FF2B5EF4-FFF2-40B4-BE49-F238E27FC236}">
+                  <a16:creationId xmlns:a16="http://schemas.microsoft.com/office/drawing/2014/main" id="{F7AED4AB-F763-9D0A-C5AA-966518EECD85}"/>
+                </a:ext>
+              </a:extLst>
+            </p:cNvPr>
+            <p:cNvSpPr/>
+            <p:nvPr/>
+          </p:nvSpPr>
+          <p:spPr>
+            <a:xfrm>
+              <a:off x="7832096" y="2975941"/>
+              <a:ext cx="553797" cy="506539"/>
+            </a:xfrm>
+            <a:prstGeom prst="roundRect">
+              <a:avLst/>
+            </a:prstGeom>
+            <a:solidFill>
+              <a:schemeClr val="bg1"/>
+            </a:solidFill>
+            <a:ln>
+              <a:solidFill>
+                <a:schemeClr val="tx1"/>
+              </a:solidFill>
+            </a:ln>
+          </p:spPr>
+          <p:style>
+            <a:lnRef idx="2">
+              <a:schemeClr val="accent1">
+                <a:shade val="50000"/>
+              </a:schemeClr>
+            </a:lnRef>
+            <a:fillRef idx="1">
+              <a:schemeClr val="accent1"/>
+            </a:fillRef>
+            <a:effectRef idx="0">
+              <a:schemeClr val="accent1"/>
+            </a:effectRef>
+            <a:fontRef idx="minor">
+              <a:schemeClr val="lt1"/>
+            </a:fontRef>
+          </p:style>
+          <p:txBody>
+            <a:bodyPr rtlCol="0" anchor="ctr"/>
+            <a:lstStyle/>
+            <a:p>
+              <a:pPr algn="ctr"/>
+              <a:endParaRPr lang="ko-KR" altLang="en-US"/>
+            </a:p>
+          </p:txBody>
+        </p:sp>
+        <p:pic>
+          <p:nvPicPr>
+            <p:cNvPr id="44" name="그림 43">
+              <a:extLst>
+                <a:ext uri="{FF2B5EF4-FFF2-40B4-BE49-F238E27FC236}">
+                  <a16:creationId xmlns:a16="http://schemas.microsoft.com/office/drawing/2014/main" id="{68EABBE0-8D9E-FF57-4B7A-04EBEFC5D70D}"/>
+                </a:ext>
+              </a:extLst>
+            </p:cNvPr>
+            <p:cNvPicPr>
+              <a:picLocks noChangeAspect="1"/>
+            </p:cNvPicPr>
+            <p:nvPr/>
+          </p:nvPicPr>
+          <p:blipFill>
+            <a:blip r:embed="rId2"/>
+            <a:stretch>
+              <a:fillRect/>
+            </a:stretch>
+          </p:blipFill>
+          <p:spPr>
+            <a:xfrm>
+              <a:off x="7942217" y="3039961"/>
+              <a:ext cx="377087" cy="385658"/>
+            </a:xfrm>
+            <a:prstGeom prst="ellipse">
+              <a:avLst/>
+            </a:prstGeom>
+          </p:spPr>
+        </p:pic>
+        <p:sp>
+          <p:nvSpPr>
+            <p:cNvPr id="45" name="사각형: 둥근 모서리 44">
+              <a:extLst>
+                <a:ext uri="{FF2B5EF4-FFF2-40B4-BE49-F238E27FC236}">
+                  <a16:creationId xmlns:a16="http://schemas.microsoft.com/office/drawing/2014/main" id="{8F69657A-952A-969D-000A-591410786135}"/>
+                </a:ext>
+              </a:extLst>
+            </p:cNvPr>
+            <p:cNvSpPr/>
+            <p:nvPr/>
+          </p:nvSpPr>
+          <p:spPr>
+            <a:xfrm>
+              <a:off x="8878107" y="2975941"/>
+              <a:ext cx="553797" cy="506539"/>
+            </a:xfrm>
+            <a:prstGeom prst="roundRect">
+              <a:avLst/>
+            </a:prstGeom>
+            <a:solidFill>
+              <a:schemeClr val="bg1"/>
+            </a:solidFill>
+            <a:ln>
+              <a:solidFill>
+                <a:schemeClr val="tx1"/>
+              </a:solidFill>
+            </a:ln>
+          </p:spPr>
+          <p:style>
+            <a:lnRef idx="2">
+              <a:schemeClr val="accent1">
+                <a:shade val="50000"/>
+              </a:schemeClr>
+            </a:lnRef>
+            <a:fillRef idx="1">
+              <a:schemeClr val="accent1"/>
+            </a:fillRef>
+            <a:effectRef idx="0">
+              <a:schemeClr val="accent1"/>
+            </a:effectRef>
+            <a:fontRef idx="minor">
+              <a:schemeClr val="lt1"/>
+            </a:fontRef>
+          </p:style>
+          <p:txBody>
+            <a:bodyPr rtlCol="0" anchor="ctr"/>
+            <a:lstStyle/>
+            <a:p>
+              <a:pPr algn="ctr"/>
+              <a:endParaRPr lang="ko-KR" altLang="en-US"/>
+            </a:p>
+          </p:txBody>
+        </p:sp>
+        <p:sp>
+          <p:nvSpPr>
+            <p:cNvPr id="46" name="사각형: 둥근 모서리 45">
+              <a:extLst>
+                <a:ext uri="{FF2B5EF4-FFF2-40B4-BE49-F238E27FC236}">
+                  <a16:creationId xmlns:a16="http://schemas.microsoft.com/office/drawing/2014/main" id="{3BF62BD7-F82E-612C-C697-F8CC611F01C6}"/>
+                </a:ext>
+              </a:extLst>
+            </p:cNvPr>
+            <p:cNvSpPr/>
+            <p:nvPr/>
+          </p:nvSpPr>
+          <p:spPr>
+            <a:xfrm>
+              <a:off x="9928051" y="2975595"/>
+              <a:ext cx="553797" cy="506539"/>
+            </a:xfrm>
+            <a:prstGeom prst="roundRect">
+              <a:avLst/>
+            </a:prstGeom>
+            <a:solidFill>
+              <a:schemeClr val="bg1"/>
+            </a:solidFill>
+            <a:ln>
+              <a:solidFill>
+                <a:schemeClr val="tx1"/>
+              </a:solidFill>
+            </a:ln>
+          </p:spPr>
+          <p:style>
+            <a:lnRef idx="2">
+              <a:schemeClr val="accent1">
+                <a:shade val="50000"/>
+              </a:schemeClr>
+            </a:lnRef>
+            <a:fillRef idx="1">
+              <a:schemeClr val="accent1"/>
+            </a:fillRef>
+            <a:effectRef idx="0">
+              <a:schemeClr val="accent1"/>
+            </a:effectRef>
+            <a:fontRef idx="minor">
+              <a:schemeClr val="lt1"/>
+            </a:fontRef>
+          </p:style>
+          <p:txBody>
+            <a:bodyPr rtlCol="0" anchor="ctr"/>
+            <a:lstStyle/>
+            <a:p>
+              <a:pPr algn="ctr"/>
+              <a:endParaRPr lang="ko-KR" altLang="en-US"/>
+            </a:p>
+          </p:txBody>
+        </p:sp>
+        <p:pic>
+          <p:nvPicPr>
+            <p:cNvPr id="51" name="그림 50">
+              <a:extLst>
+                <a:ext uri="{FF2B5EF4-FFF2-40B4-BE49-F238E27FC236}">
+                  <a16:creationId xmlns:a16="http://schemas.microsoft.com/office/drawing/2014/main" id="{7BB72B47-4D2F-7154-C599-0419B45F2E49}"/>
+                </a:ext>
+              </a:extLst>
+            </p:cNvPr>
+            <p:cNvPicPr>
+              <a:picLocks noChangeAspect="1"/>
+            </p:cNvPicPr>
+            <p:nvPr/>
+          </p:nvPicPr>
+          <p:blipFill>
+            <a:blip r:embed="rId2"/>
+            <a:stretch>
+              <a:fillRect/>
+            </a:stretch>
+          </p:blipFill>
+          <p:spPr>
+            <a:xfrm>
+              <a:off x="8988228" y="3056461"/>
+              <a:ext cx="377087" cy="385658"/>
+            </a:xfrm>
+            <a:prstGeom prst="ellipse">
+              <a:avLst/>
+            </a:prstGeom>
+          </p:spPr>
+        </p:pic>
+        <p:pic>
+          <p:nvPicPr>
+            <p:cNvPr id="52" name="그림 51">
+              <a:extLst>
+                <a:ext uri="{FF2B5EF4-FFF2-40B4-BE49-F238E27FC236}">
+                  <a16:creationId xmlns:a16="http://schemas.microsoft.com/office/drawing/2014/main" id="{2E51522D-0C78-14E9-FDE6-81698A2B1800}"/>
+                </a:ext>
+              </a:extLst>
+            </p:cNvPr>
+            <p:cNvPicPr>
+              <a:picLocks noChangeAspect="1"/>
+            </p:cNvPicPr>
+            <p:nvPr/>
+          </p:nvPicPr>
+          <p:blipFill>
+            <a:blip r:embed="rId2"/>
+            <a:stretch>
+              <a:fillRect/>
+            </a:stretch>
+          </p:blipFill>
+          <p:spPr>
+            <a:xfrm>
+              <a:off x="10038172" y="3039615"/>
+              <a:ext cx="377087" cy="385658"/>
+            </a:xfrm>
+            <a:prstGeom prst="ellipse">
+              <a:avLst/>
+            </a:prstGeom>
+          </p:spPr>
+        </p:pic>
+        <p:sp>
+          <p:nvSpPr>
+            <p:cNvPr id="53" name="이등변 삼각형 52">
+              <a:extLst>
+                <a:ext uri="{FF2B5EF4-FFF2-40B4-BE49-F238E27FC236}">
+                  <a16:creationId xmlns:a16="http://schemas.microsoft.com/office/drawing/2014/main" id="{F895841F-21C4-06DB-3871-C1D2E37EED5E}"/>
+                </a:ext>
+              </a:extLst>
+            </p:cNvPr>
+            <p:cNvSpPr/>
+            <p:nvPr/>
+          </p:nvSpPr>
+          <p:spPr>
+            <a:xfrm rot="5400000">
+              <a:off x="10943566" y="1968482"/>
+              <a:ext cx="155349" cy="122232"/>
+            </a:xfrm>
+            <a:prstGeom prst="triangle">
+              <a:avLst/>
+            </a:prstGeom>
+          </p:spPr>
+          <p:style>
+            <a:lnRef idx="2">
+              <a:schemeClr val="accent1">
+                <a:shade val="50000"/>
+              </a:schemeClr>
+            </a:lnRef>
+            <a:fillRef idx="1">
+              <a:schemeClr val="accent1"/>
+            </a:fillRef>
+            <a:effectRef idx="0">
+              <a:schemeClr val="accent1"/>
+            </a:effectRef>
+            <a:fontRef idx="minor">
+              <a:schemeClr val="lt1"/>
+            </a:fontRef>
+          </p:style>
+          <p:txBody>
+            <a:bodyPr rtlCol="0" anchor="ctr"/>
+            <a:lstStyle/>
+            <a:p>
+              <a:pPr algn="ctr"/>
+              <a:endParaRPr lang="ko-KR" altLang="en-US"/>
+            </a:p>
+          </p:txBody>
+        </p:sp>
+        <p:sp>
+          <p:nvSpPr>
+            <p:cNvPr id="56" name="직사각형 55">
+              <a:extLst>
+                <a:ext uri="{FF2B5EF4-FFF2-40B4-BE49-F238E27FC236}">
+                  <a16:creationId xmlns:a16="http://schemas.microsoft.com/office/drawing/2014/main" id="{C75B32D2-E698-2576-DEBF-C6FB6F5ADE52}"/>
+                </a:ext>
+              </a:extLst>
+            </p:cNvPr>
+            <p:cNvSpPr/>
+            <p:nvPr/>
+          </p:nvSpPr>
+          <p:spPr>
+            <a:xfrm>
+              <a:off x="8572959" y="2672197"/>
+              <a:ext cx="2439231" cy="2190961"/>
+            </a:xfrm>
+            <a:prstGeom prst="rect">
+              <a:avLst/>
+            </a:prstGeom>
+            <a:solidFill>
+              <a:schemeClr val="bg1"/>
+            </a:solidFill>
+            <a:ln>
+              <a:solidFill>
+                <a:schemeClr val="tx1"/>
+              </a:solidFill>
+            </a:ln>
+          </p:spPr>
+          <p:style>
+            <a:lnRef idx="2">
+              <a:schemeClr val="accent1">
+                <a:shade val="50000"/>
+              </a:schemeClr>
+            </a:lnRef>
+            <a:fillRef idx="1">
+              <a:schemeClr val="accent1"/>
+            </a:fillRef>
+            <a:effectRef idx="0">
+              <a:schemeClr val="accent1"/>
+            </a:effectRef>
+            <a:fontRef idx="minor">
+              <a:schemeClr val="lt1"/>
+            </a:fontRef>
+          </p:style>
+          <p:txBody>
+            <a:bodyPr rtlCol="0" anchor="ctr"/>
+            <a:lstStyle/>
+            <a:p>
+              <a:pPr algn="ctr"/>
+              <a:endParaRPr lang="ko-KR" altLang="en-US"/>
+            </a:p>
+          </p:txBody>
+        </p:sp>
+        <p:sp>
+          <p:nvSpPr>
+            <p:cNvPr id="57" name="TextBox 56">
+              <a:extLst>
+                <a:ext uri="{FF2B5EF4-FFF2-40B4-BE49-F238E27FC236}">
+                  <a16:creationId xmlns:a16="http://schemas.microsoft.com/office/drawing/2014/main" id="{E54DD4F3-63EB-9958-EC42-CDC12F0FFF78}"/>
+                </a:ext>
+              </a:extLst>
+            </p:cNvPr>
+            <p:cNvSpPr txBox="1"/>
+            <p:nvPr/>
+          </p:nvSpPr>
+          <p:spPr>
+            <a:xfrm>
+              <a:off x="9274639" y="2782078"/>
+              <a:ext cx="1010066" cy="297536"/>
+            </a:xfrm>
+            <a:prstGeom prst="rect">
+              <a:avLst/>
+            </a:prstGeom>
+            <a:noFill/>
+          </p:spPr>
+          <p:txBody>
+            <a:bodyPr wrap="square" rtlCol="0">
+              <a:spAutoFit/>
+            </a:bodyPr>
+            <a:lstStyle/>
+            <a:p>
+              <a:pPr algn="ctr"/>
+              <a:r>
+                <a:rPr lang="ko-KR" altLang="en-US" sz="900" dirty="0"/>
+                <a:t>무희의 검</a:t>
+              </a:r>
+            </a:p>
+          </p:txBody>
+        </p:sp>
+        <p:sp>
+          <p:nvSpPr>
+            <p:cNvPr id="58" name="TextBox 57">
+              <a:extLst>
+                <a:ext uri="{FF2B5EF4-FFF2-40B4-BE49-F238E27FC236}">
+                  <a16:creationId xmlns:a16="http://schemas.microsoft.com/office/drawing/2014/main" id="{8F39E56F-4C6A-27BD-F36C-AEE35D5AE584}"/>
+                </a:ext>
+              </a:extLst>
+            </p:cNvPr>
+            <p:cNvSpPr txBox="1"/>
+            <p:nvPr/>
+          </p:nvSpPr>
+          <p:spPr>
+            <a:xfrm>
+              <a:off x="8624595" y="3113119"/>
+              <a:ext cx="2310152" cy="476058"/>
+            </a:xfrm>
+            <a:prstGeom prst="rect">
+              <a:avLst/>
+            </a:prstGeom>
+            <a:noFill/>
+          </p:spPr>
+          <p:txBody>
+            <a:bodyPr wrap="square" rtlCol="0">
+              <a:spAutoFit/>
+            </a:bodyPr>
+            <a:lstStyle/>
+            <a:p>
+              <a:r>
+                <a:rPr lang="ko-KR" altLang="en-US" sz="600" dirty="0" err="1"/>
+                <a:t>언제적</a:t>
+              </a:r>
+              <a:r>
+                <a:rPr lang="ko-KR" altLang="en-US" sz="600" dirty="0"/>
+                <a:t> 들어본 기억이 있다</a:t>
+              </a:r>
+              <a:r>
+                <a:rPr lang="en-US" altLang="ko-KR" sz="600" dirty="0"/>
+                <a:t>. </a:t>
+              </a:r>
+              <a:r>
+                <a:rPr lang="ko-KR" altLang="en-US" sz="600" dirty="0"/>
+                <a:t>칼춤을 추는 무희들은 장식이 달린 아름다운 칼을 지니고 다닌다고</a:t>
+              </a:r>
+            </a:p>
+          </p:txBody>
+        </p:sp>
+        <p:cxnSp>
+          <p:nvCxnSpPr>
+            <p:cNvPr id="59" name="직선 연결선 58">
+              <a:extLst>
+                <a:ext uri="{FF2B5EF4-FFF2-40B4-BE49-F238E27FC236}">
+                  <a16:creationId xmlns:a16="http://schemas.microsoft.com/office/drawing/2014/main" id="{0F94125F-5A38-A391-0B37-18EAC91441F5}"/>
+                </a:ext>
+              </a:extLst>
+            </p:cNvPr>
+            <p:cNvCxnSpPr/>
+            <p:nvPr/>
+          </p:nvCxnSpPr>
+          <p:spPr>
+            <a:xfrm>
+              <a:off x="8682288" y="4170401"/>
+              <a:ext cx="653934" cy="0"/>
+            </a:xfrm>
+            <a:prstGeom prst="line">
+              <a:avLst/>
+            </a:prstGeom>
+            <a:ln w="12700">
+              <a:solidFill>
+                <a:schemeClr val="tx1"/>
+              </a:solidFill>
+            </a:ln>
+          </p:spPr>
+          <p:style>
+            <a:lnRef idx="1">
+              <a:schemeClr val="accent1"/>
+            </a:lnRef>
+            <a:fillRef idx="0">
+              <a:schemeClr val="accent1"/>
+            </a:fillRef>
+            <a:effectRef idx="0">
+              <a:schemeClr val="accent1"/>
+            </a:effectRef>
+            <a:fontRef idx="minor">
+              <a:schemeClr val="tx1"/>
+            </a:fontRef>
+          </p:style>
+        </p:cxnSp>
+        <p:sp>
+          <p:nvSpPr>
+            <p:cNvPr id="60" name="TextBox 59">
+              <a:extLst>
+                <a:ext uri="{FF2B5EF4-FFF2-40B4-BE49-F238E27FC236}">
+                  <a16:creationId xmlns:a16="http://schemas.microsoft.com/office/drawing/2014/main" id="{EC82CAD8-5A06-EA4F-27C9-DAEACD76B6D1}"/>
+                </a:ext>
+              </a:extLst>
+            </p:cNvPr>
+            <p:cNvSpPr txBox="1"/>
+            <p:nvPr/>
+          </p:nvSpPr>
+          <p:spPr>
+            <a:xfrm>
+              <a:off x="9364797" y="4016512"/>
+              <a:ext cx="761507" cy="297536"/>
+            </a:xfrm>
+            <a:prstGeom prst="rect">
+              <a:avLst/>
+            </a:prstGeom>
+            <a:noFill/>
+          </p:spPr>
+          <p:txBody>
+            <a:bodyPr wrap="square" rtlCol="0">
+              <a:spAutoFit/>
+            </a:bodyPr>
+            <a:lstStyle/>
+            <a:p>
+              <a:pPr algn="ctr"/>
+              <a:r>
+                <a:rPr lang="ko-KR" altLang="en-US" sz="900" dirty="0"/>
+                <a:t>조합법</a:t>
+              </a:r>
+            </a:p>
+          </p:txBody>
+        </p:sp>
+        <p:cxnSp>
+          <p:nvCxnSpPr>
+            <p:cNvPr id="62" name="직선 연결선 61">
+              <a:extLst>
+                <a:ext uri="{FF2B5EF4-FFF2-40B4-BE49-F238E27FC236}">
+                  <a16:creationId xmlns:a16="http://schemas.microsoft.com/office/drawing/2014/main" id="{34CFE517-AB05-030B-8E4E-E3794D7A947B}"/>
+                </a:ext>
+              </a:extLst>
+            </p:cNvPr>
+            <p:cNvCxnSpPr/>
+            <p:nvPr/>
+          </p:nvCxnSpPr>
+          <p:spPr>
+            <a:xfrm>
+              <a:off x="10154881" y="4170401"/>
+              <a:ext cx="653934" cy="0"/>
+            </a:xfrm>
+            <a:prstGeom prst="line">
+              <a:avLst/>
+            </a:prstGeom>
+            <a:ln w="12700">
+              <a:solidFill>
+                <a:schemeClr val="tx1"/>
+              </a:solidFill>
+            </a:ln>
+          </p:spPr>
+          <p:style>
+            <a:lnRef idx="1">
+              <a:schemeClr val="accent1"/>
+            </a:lnRef>
+            <a:fillRef idx="0">
+              <a:schemeClr val="accent1"/>
+            </a:fillRef>
+            <a:effectRef idx="0">
+              <a:schemeClr val="accent1"/>
+            </a:effectRef>
+            <a:fontRef idx="minor">
+              <a:schemeClr val="tx1"/>
+            </a:fontRef>
+          </p:style>
+        </p:cxnSp>
+        <p:pic>
+          <p:nvPicPr>
+            <p:cNvPr id="63" name="그림 62">
+              <a:extLst>
+                <a:ext uri="{FF2B5EF4-FFF2-40B4-BE49-F238E27FC236}">
+                  <a16:creationId xmlns:a16="http://schemas.microsoft.com/office/drawing/2014/main" id="{02110F7B-7107-DEFF-9D0A-955062DC3FEC}"/>
+                </a:ext>
+              </a:extLst>
+            </p:cNvPr>
+            <p:cNvPicPr>
+              <a:picLocks noChangeAspect="1"/>
+            </p:cNvPicPr>
+            <p:nvPr/>
+          </p:nvPicPr>
+          <p:blipFill>
+            <a:blip r:embed="rId2"/>
+            <a:stretch>
+              <a:fillRect/>
+            </a:stretch>
+          </p:blipFill>
+          <p:spPr>
+            <a:xfrm>
+              <a:off x="8794581" y="4333071"/>
+              <a:ext cx="214674" cy="219553"/>
+            </a:xfrm>
+            <a:prstGeom prst="ellipse">
+              <a:avLst/>
+            </a:prstGeom>
+          </p:spPr>
+        </p:pic>
+        <p:sp>
+          <p:nvSpPr>
+            <p:cNvPr id="67" name="사각형: 둥근 모서리 66">
+              <a:extLst>
+                <a:ext uri="{FF2B5EF4-FFF2-40B4-BE49-F238E27FC236}">
+                  <a16:creationId xmlns:a16="http://schemas.microsoft.com/office/drawing/2014/main" id="{86207EDC-0E3C-9C80-0B34-24DF4B0333FD}"/>
+                </a:ext>
+              </a:extLst>
+            </p:cNvPr>
+            <p:cNvSpPr/>
+            <p:nvPr/>
+          </p:nvSpPr>
+          <p:spPr>
+            <a:xfrm>
+              <a:off x="5762090" y="3700802"/>
+              <a:ext cx="553797" cy="506539"/>
+            </a:xfrm>
+            <a:prstGeom prst="roundRect">
+              <a:avLst/>
+            </a:prstGeom>
+            <a:solidFill>
+              <a:schemeClr val="bg1"/>
+            </a:solidFill>
+            <a:ln>
+              <a:solidFill>
+                <a:schemeClr val="tx1"/>
+              </a:solidFill>
+            </a:ln>
+          </p:spPr>
+          <p:style>
+            <a:lnRef idx="2">
+              <a:schemeClr val="accent1">
+                <a:shade val="50000"/>
+              </a:schemeClr>
+            </a:lnRef>
+            <a:fillRef idx="1">
+              <a:schemeClr val="accent1"/>
+            </a:fillRef>
+            <a:effectRef idx="0">
+              <a:schemeClr val="accent1"/>
+            </a:effectRef>
+            <a:fontRef idx="minor">
+              <a:schemeClr val="lt1"/>
+            </a:fontRef>
+          </p:style>
+          <p:txBody>
+            <a:bodyPr rtlCol="0" anchor="ctr"/>
+            <a:lstStyle/>
+            <a:p>
+              <a:pPr algn="ctr"/>
+              <a:endParaRPr lang="ko-KR" altLang="en-US"/>
+            </a:p>
+          </p:txBody>
+        </p:sp>
+        <p:sp>
+          <p:nvSpPr>
+            <p:cNvPr id="68" name="사각형: 둥근 모서리 67">
+              <a:extLst>
+                <a:ext uri="{FF2B5EF4-FFF2-40B4-BE49-F238E27FC236}">
+                  <a16:creationId xmlns:a16="http://schemas.microsoft.com/office/drawing/2014/main" id="{A9310B00-7CEA-1EB4-3DD6-6F358CE729BF}"/>
+                </a:ext>
+              </a:extLst>
+            </p:cNvPr>
+            <p:cNvSpPr/>
+            <p:nvPr/>
+          </p:nvSpPr>
+          <p:spPr>
+            <a:xfrm>
+              <a:off x="6812034" y="3700456"/>
+              <a:ext cx="553797" cy="506539"/>
+            </a:xfrm>
+            <a:prstGeom prst="roundRect">
+              <a:avLst/>
+            </a:prstGeom>
+            <a:solidFill>
+              <a:schemeClr val="bg1"/>
+            </a:solidFill>
+            <a:ln>
+              <a:solidFill>
+                <a:schemeClr val="tx1"/>
+              </a:solidFill>
+            </a:ln>
+          </p:spPr>
+          <p:style>
+            <a:lnRef idx="2">
+              <a:schemeClr val="accent1">
+                <a:shade val="50000"/>
+              </a:schemeClr>
+            </a:lnRef>
+            <a:fillRef idx="1">
+              <a:schemeClr val="accent1"/>
+            </a:fillRef>
+            <a:effectRef idx="0">
+              <a:schemeClr val="accent1"/>
+            </a:effectRef>
+            <a:fontRef idx="minor">
+              <a:schemeClr val="lt1"/>
+            </a:fontRef>
+          </p:style>
+          <p:txBody>
+            <a:bodyPr rtlCol="0" anchor="ctr"/>
+            <a:lstStyle/>
+            <a:p>
+              <a:pPr algn="ctr"/>
+              <a:endParaRPr lang="ko-KR" altLang="en-US"/>
+            </a:p>
+          </p:txBody>
+        </p:sp>
+        <p:pic>
+          <p:nvPicPr>
+            <p:cNvPr id="69" name="그림 68">
+              <a:extLst>
+                <a:ext uri="{FF2B5EF4-FFF2-40B4-BE49-F238E27FC236}">
+                  <a16:creationId xmlns:a16="http://schemas.microsoft.com/office/drawing/2014/main" id="{3A2FFB2E-05A9-5099-8496-3C8CEAFB406D}"/>
+                </a:ext>
+              </a:extLst>
+            </p:cNvPr>
+            <p:cNvPicPr>
+              <a:picLocks noChangeAspect="1"/>
+            </p:cNvPicPr>
+            <p:nvPr/>
+          </p:nvPicPr>
+          <p:blipFill>
+            <a:blip r:embed="rId2"/>
+            <a:stretch>
+              <a:fillRect/>
+            </a:stretch>
+          </p:blipFill>
+          <p:spPr>
+            <a:xfrm>
+              <a:off x="5872211" y="3781322"/>
+              <a:ext cx="377087" cy="385658"/>
+            </a:xfrm>
+            <a:prstGeom prst="ellipse">
+              <a:avLst/>
+            </a:prstGeom>
+          </p:spPr>
+        </p:pic>
+        <p:pic>
+          <p:nvPicPr>
+            <p:cNvPr id="70" name="그림 69">
+              <a:extLst>
+                <a:ext uri="{FF2B5EF4-FFF2-40B4-BE49-F238E27FC236}">
+                  <a16:creationId xmlns:a16="http://schemas.microsoft.com/office/drawing/2014/main" id="{7FBCB0D0-65BC-D9F8-484F-88EAED22E0C1}"/>
+                </a:ext>
+              </a:extLst>
+            </p:cNvPr>
+            <p:cNvPicPr>
+              <a:picLocks noChangeAspect="1"/>
+            </p:cNvPicPr>
+            <p:nvPr/>
+          </p:nvPicPr>
+          <p:blipFill>
+            <a:blip r:embed="rId2"/>
+            <a:stretch>
+              <a:fillRect/>
+            </a:stretch>
+          </p:blipFill>
+          <p:spPr>
+            <a:xfrm>
+              <a:off x="6922155" y="3764476"/>
+              <a:ext cx="377087" cy="385658"/>
+            </a:xfrm>
+            <a:prstGeom prst="ellipse">
+              <a:avLst/>
+            </a:prstGeom>
+          </p:spPr>
+        </p:pic>
+      </p:grpSp>
+      <p:sp>
+        <p:nvSpPr>
+          <p:cNvPr id="73" name="직사각형 72">
+            <a:extLst>
+              <a:ext uri="{FF2B5EF4-FFF2-40B4-BE49-F238E27FC236}">
+                <a16:creationId xmlns:a16="http://schemas.microsoft.com/office/drawing/2014/main" id="{42812588-CAC4-DFED-DE15-55715A9E9F62}"/>
+              </a:ext>
+            </a:extLst>
+          </p:cNvPr>
+          <p:cNvSpPr/>
+          <p:nvPr/>
+        </p:nvSpPr>
+        <p:spPr>
+          <a:xfrm>
+            <a:off x="6431127" y="2281858"/>
+            <a:ext cx="502939" cy="230832"/>
+          </a:xfrm>
+          <a:prstGeom prst="rect">
+            <a:avLst/>
+          </a:prstGeom>
+          <a:noFill/>
+          <a:ln w="19050">
+            <a:solidFill>
+              <a:srgbClr val="FF0000"/>
+            </a:solidFill>
+          </a:ln>
+        </p:spPr>
+        <p:style>
+          <a:lnRef idx="2">
+            <a:schemeClr val="accent1">
+              <a:shade val="50000"/>
+            </a:schemeClr>
+          </a:lnRef>
+          <a:fillRef idx="1">
+            <a:schemeClr val="accent1"/>
+          </a:fillRef>
+          <a:effectRef idx="0">
+            <a:schemeClr val="accent1"/>
+          </a:effectRef>
+          <a:fontRef idx="minor">
+            <a:schemeClr val="lt1"/>
+          </a:fontRef>
+        </p:style>
+        <p:txBody>
+          <a:bodyPr rtlCol="0" anchor="ctr"/>
+          <a:lstStyle/>
+          <a:p>
+            <a:pPr algn="ctr"/>
+            <a:endParaRPr lang="ko-KR" altLang="en-US"/>
+          </a:p>
+        </p:txBody>
+      </p:sp>
+      <p:sp>
+        <p:nvSpPr>
+          <p:cNvPr id="75" name="직사각형 74">
+            <a:extLst>
+              <a:ext uri="{FF2B5EF4-FFF2-40B4-BE49-F238E27FC236}">
+                <a16:creationId xmlns:a16="http://schemas.microsoft.com/office/drawing/2014/main" id="{2BE9179E-CD8D-20B1-06EF-8C4972E5B149}"/>
+              </a:ext>
+            </a:extLst>
+          </p:cNvPr>
+          <p:cNvSpPr/>
+          <p:nvPr/>
+        </p:nvSpPr>
+        <p:spPr>
+          <a:xfrm>
+            <a:off x="10940273" y="2244062"/>
+            <a:ext cx="639472" cy="230832"/>
+          </a:xfrm>
+          <a:prstGeom prst="rect">
+            <a:avLst/>
+          </a:prstGeom>
+          <a:noFill/>
+          <a:ln w="19050">
+            <a:solidFill>
+              <a:srgbClr val="FF0000"/>
+            </a:solidFill>
+          </a:ln>
+        </p:spPr>
+        <p:style>
+          <a:lnRef idx="2">
+            <a:schemeClr val="accent1">
+              <a:shade val="50000"/>
+            </a:schemeClr>
+          </a:lnRef>
+          <a:fillRef idx="1">
+            <a:schemeClr val="accent1"/>
+          </a:fillRef>
+          <a:effectRef idx="0">
+            <a:schemeClr val="accent1"/>
+          </a:effectRef>
+          <a:fontRef idx="minor">
+            <a:schemeClr val="lt1"/>
+          </a:fontRef>
+        </p:style>
+        <p:txBody>
+          <a:bodyPr rtlCol="0" anchor="ctr"/>
+          <a:lstStyle/>
+          <a:p>
+            <a:pPr algn="ctr"/>
+            <a:endParaRPr lang="ko-KR" altLang="en-US"/>
+          </a:p>
+        </p:txBody>
+      </p:sp>
+      <p:sp>
+        <p:nvSpPr>
+          <p:cNvPr id="77" name="직사각형 76">
+            <a:extLst>
+              <a:ext uri="{FF2B5EF4-FFF2-40B4-BE49-F238E27FC236}">
+                <a16:creationId xmlns:a16="http://schemas.microsoft.com/office/drawing/2014/main" id="{0AF409A8-BCC5-0D05-9C96-23490480C371}"/>
+              </a:ext>
+            </a:extLst>
+          </p:cNvPr>
+          <p:cNvSpPr/>
+          <p:nvPr/>
+        </p:nvSpPr>
+        <p:spPr>
+          <a:xfrm>
+            <a:off x="6568230" y="2782944"/>
+            <a:ext cx="607457" cy="1699775"/>
+          </a:xfrm>
+          <a:prstGeom prst="rect">
+            <a:avLst/>
+          </a:prstGeom>
+          <a:noFill/>
+          <a:ln w="19050">
+            <a:solidFill>
+              <a:srgbClr val="FF0000"/>
+            </a:solidFill>
+          </a:ln>
+        </p:spPr>
+        <p:style>
+          <a:lnRef idx="2">
+            <a:schemeClr val="accent1">
+              <a:shade val="50000"/>
+            </a:schemeClr>
+          </a:lnRef>
+          <a:fillRef idx="1">
+            <a:schemeClr val="accent1"/>
+          </a:fillRef>
+          <a:effectRef idx="0">
+            <a:schemeClr val="accent1"/>
+          </a:effectRef>
+          <a:fontRef idx="minor">
+            <a:schemeClr val="lt1"/>
+          </a:fontRef>
+        </p:style>
+        <p:txBody>
+          <a:bodyPr rtlCol="0" anchor="ctr"/>
+          <a:lstStyle/>
+          <a:p>
+            <a:pPr algn="ctr"/>
+            <a:endParaRPr lang="ko-KR" altLang="en-US"/>
+          </a:p>
+        </p:txBody>
+      </p:sp>
+    </p:spTree>
+    <p:extLst>
+      <p:ext uri="{BB962C8B-B14F-4D97-AF65-F5344CB8AC3E}">
+        <p14:creationId xmlns:p14="http://schemas.microsoft.com/office/powerpoint/2010/main" val="1792263948"/>
+      </p:ext>
+    </p:extLst>
+  </p:cSld>
+  <p:clrMapOvr>
+    <a:masterClrMapping/>
+  </p:clrMapOvr>
+</p:sld>
+</file>
+
+<file path=ppt/slides/slide14.xml><?xml version="1.0" encoding="utf-8"?>
+<p:sld xmlns:a="http://schemas.openxmlformats.org/drawingml/2006/main" xmlns:r="http://schemas.openxmlformats.org/officeDocument/2006/relationships" xmlns:p="http://schemas.openxmlformats.org/presentationml/2006/main">
+  <p:cSld>
+    <p:spTree>
+      <p:nvGrpSpPr>
+        <p:cNvPr id="1" name=""/>
+        <p:cNvGrpSpPr/>
+        <p:nvPr/>
+      </p:nvGrpSpPr>
+      <p:grpSpPr>
+        <a:xfrm>
+          <a:off x="0" y="0"/>
+          <a:ext cx="0" cy="0"/>
+          <a:chOff x="0" y="0"/>
+          <a:chExt cx="0" cy="0"/>
+        </a:xfrm>
+      </p:grpSpPr>
+      <p:sp>
+        <p:nvSpPr>
+          <p:cNvPr id="41" name="TextBox 40">
+            <a:extLst>
+              <a:ext uri="{FF2B5EF4-FFF2-40B4-BE49-F238E27FC236}">
+                <a16:creationId xmlns:a16="http://schemas.microsoft.com/office/drawing/2014/main" id="{F7DF53E9-75B2-B34B-EA61-37DA27EB4E9F}"/>
+              </a:ext>
+            </a:extLst>
+          </p:cNvPr>
+          <p:cNvSpPr txBox="1"/>
+          <p:nvPr/>
+        </p:nvSpPr>
+        <p:spPr>
+          <a:xfrm>
+            <a:off x="672825" y="399870"/>
+            <a:ext cx="2495129" cy="523220"/>
+          </a:xfrm>
+          <a:prstGeom prst="rect">
+            <a:avLst/>
+          </a:prstGeom>
+          <a:noFill/>
+        </p:spPr>
+        <p:txBody>
+          <a:bodyPr wrap="square" rtlCol="0">
+            <a:spAutoFit/>
+          </a:bodyPr>
+          <a:lstStyle/>
+          <a:p>
+            <a:r>
+              <a:rPr lang="ko-KR" altLang="en-US" sz="2800" b="1" dirty="0">
+                <a:latin typeface="Aharoni" panose="020B0604020202020204" pitchFamily="2" charset="-79"/>
+                <a:cs typeface="Aharoni" panose="020B0604020202020204" pitchFamily="2" charset="-79"/>
+              </a:rPr>
+              <a:t>기능</a:t>
+            </a:r>
+          </a:p>
+        </p:txBody>
+      </p:sp>
+      <p:sp>
+        <p:nvSpPr>
+          <p:cNvPr id="3" name="TextBox 2">
+            <a:extLst>
+              <a:ext uri="{FF2B5EF4-FFF2-40B4-BE49-F238E27FC236}">
+                <a16:creationId xmlns:a16="http://schemas.microsoft.com/office/drawing/2014/main" id="{3F77B42B-68F7-4F07-58F0-6401FFFA4CB9}"/>
+              </a:ext>
+            </a:extLst>
+          </p:cNvPr>
+          <p:cNvSpPr txBox="1"/>
+          <p:nvPr/>
+        </p:nvSpPr>
+        <p:spPr>
+          <a:xfrm>
+            <a:off x="902601" y="1144476"/>
+            <a:ext cx="4790275" cy="3654655"/>
+          </a:xfrm>
+          <a:prstGeom prst="rect">
+            <a:avLst/>
+          </a:prstGeom>
+          <a:noFill/>
+        </p:spPr>
+        <p:txBody>
+          <a:bodyPr wrap="square" rtlCol="0">
+            <a:spAutoFit/>
+          </a:bodyPr>
+          <a:lstStyle/>
+          <a:p>
+            <a:pPr marL="285750" indent="-285750">
+              <a:lnSpc>
+                <a:spcPct val="150000"/>
+              </a:lnSpc>
+              <a:buFont typeface="Arial" panose="020B0604020202020204" pitchFamily="34" charset="0"/>
+              <a:buChar char="•"/>
+            </a:pPr>
+            <a:r>
+              <a:rPr lang="ko-KR" altLang="en-US" dirty="0"/>
+              <a:t>기능</a:t>
+            </a:r>
+            <a:endParaRPr lang="en-US" altLang="ko-KR" dirty="0"/>
+          </a:p>
+          <a:p>
+            <a:pPr marL="742950" lvl="1" indent="-285750">
+              <a:lnSpc>
+                <a:spcPct val="150000"/>
+              </a:lnSpc>
+              <a:buFont typeface="Wingdings" panose="05000000000000000000" pitchFamily="2" charset="2"/>
+              <a:buChar char="Ø"/>
+            </a:pPr>
+            <a:r>
+              <a:rPr lang="ko-KR" altLang="en-US" sz="1300" dirty="0"/>
+              <a:t>리스트</a:t>
+            </a:r>
+            <a:endParaRPr lang="en-US" altLang="ko-KR" sz="1300" dirty="0"/>
+          </a:p>
+          <a:p>
+            <a:pPr marL="1257300" lvl="2" indent="-342900">
+              <a:lnSpc>
+                <a:spcPct val="150000"/>
+              </a:lnSpc>
+              <a:buFont typeface="+mj-lt"/>
+              <a:buAutoNum type="arabicPeriod"/>
+            </a:pPr>
+            <a:r>
+              <a:rPr lang="ko-KR" altLang="en-US" sz="1000" dirty="0"/>
+              <a:t>목록에 포함되는 아이템들의 리스트</a:t>
+            </a:r>
+            <a:endParaRPr lang="en-US" altLang="ko-KR" sz="1000" dirty="0"/>
+          </a:p>
+          <a:p>
+            <a:pPr marL="1714500" lvl="3" indent="-342900">
+              <a:lnSpc>
+                <a:spcPct val="150000"/>
+              </a:lnSpc>
+              <a:buFont typeface="+mj-lt"/>
+              <a:buAutoNum type="circleNumDbPlain"/>
+            </a:pPr>
+            <a:r>
+              <a:rPr lang="ko-KR" altLang="en-US" sz="1000" dirty="0"/>
+              <a:t>버튼 기능</a:t>
+            </a:r>
+            <a:endParaRPr lang="en-US" altLang="ko-KR" sz="1000" dirty="0"/>
+          </a:p>
+          <a:p>
+            <a:pPr marL="1257300" lvl="2" indent="-342900">
+              <a:lnSpc>
+                <a:spcPct val="150000"/>
+              </a:lnSpc>
+              <a:buFont typeface="+mj-ea"/>
+              <a:buAutoNum type="arabicPeriod"/>
+            </a:pPr>
+            <a:r>
+              <a:rPr lang="ko-KR" altLang="en-US" sz="1000" dirty="0"/>
+              <a:t>강조 효과</a:t>
+            </a:r>
+            <a:endParaRPr lang="en-US" altLang="ko-KR" sz="1000" dirty="0"/>
+          </a:p>
+          <a:p>
+            <a:pPr marL="1600200" lvl="3" indent="-228600">
+              <a:lnSpc>
+                <a:spcPct val="150000"/>
+              </a:lnSpc>
+              <a:buFont typeface="+mj-ea"/>
+              <a:buAutoNum type="circleNumDbPlain"/>
+            </a:pPr>
+            <a:r>
+              <a:rPr lang="ko-KR" altLang="en-US" sz="1000" dirty="0"/>
+              <a:t>현재 선택중인 카테고리는 텍스트 강조 효과를 가짐</a:t>
+            </a:r>
+            <a:br>
+              <a:rPr lang="en-US" altLang="ko-KR" sz="900" dirty="0"/>
+            </a:br>
+            <a:endParaRPr lang="en-US" altLang="ko-KR" sz="900" dirty="0"/>
+          </a:p>
+          <a:p>
+            <a:pPr marL="685800" lvl="1" indent="-228600">
+              <a:lnSpc>
+                <a:spcPct val="150000"/>
+              </a:lnSpc>
+              <a:buFont typeface="Wingdings" panose="05000000000000000000" pitchFamily="2" charset="2"/>
+              <a:buChar char="Ø"/>
+            </a:pPr>
+            <a:r>
+              <a:rPr lang="ko-KR" altLang="en-US" sz="1300" dirty="0"/>
+              <a:t>아이템 텍스트</a:t>
+            </a:r>
+            <a:endParaRPr lang="en-US" altLang="ko-KR" sz="1300" dirty="0"/>
+          </a:p>
+          <a:p>
+            <a:pPr marL="1257300" lvl="2" indent="-342900">
+              <a:lnSpc>
+                <a:spcPct val="150000"/>
+              </a:lnSpc>
+              <a:buFont typeface="+mj-lt"/>
+              <a:buAutoNum type="arabicPeriod"/>
+            </a:pPr>
+            <a:r>
+              <a:rPr lang="ko-KR" altLang="en-US" sz="1000" dirty="0"/>
+              <a:t>현재 선택중인 아이템의 텍스트 표현</a:t>
+            </a:r>
+            <a:endParaRPr lang="en-US" altLang="ko-KR" sz="1000" dirty="0"/>
+          </a:p>
+          <a:p>
+            <a:pPr marL="1600200" lvl="3" indent="-228600">
+              <a:lnSpc>
+                <a:spcPct val="150000"/>
+              </a:lnSpc>
+              <a:buFont typeface="+mj-ea"/>
+              <a:buAutoNum type="circleNumDbPlain"/>
+            </a:pPr>
+            <a:r>
+              <a:rPr lang="ko-KR" altLang="en-US" sz="1000" dirty="0"/>
+              <a:t>아이템 정보 </a:t>
+            </a:r>
+            <a:r>
+              <a:rPr lang="ko-KR" altLang="en-US" sz="1000" dirty="0" err="1"/>
+              <a:t>키코드</a:t>
+            </a:r>
+            <a:endParaRPr lang="en-US" altLang="ko-KR" sz="1000" dirty="0"/>
+          </a:p>
+          <a:p>
+            <a:pPr marL="1143000" lvl="2" indent="-228600">
+              <a:lnSpc>
+                <a:spcPct val="150000"/>
+              </a:lnSpc>
+              <a:buFont typeface="+mj-ea"/>
+              <a:buAutoNum type="arabicPeriod"/>
+            </a:pPr>
+            <a:r>
+              <a:rPr lang="ko-KR" altLang="en-US" sz="1000" dirty="0"/>
+              <a:t>조합법</a:t>
+            </a:r>
+            <a:endParaRPr lang="en-US" altLang="ko-KR" sz="1000" dirty="0"/>
+          </a:p>
+          <a:p>
+            <a:pPr marL="1600200" lvl="3" indent="-228600">
+              <a:lnSpc>
+                <a:spcPct val="150000"/>
+              </a:lnSpc>
+              <a:buFont typeface="+mj-ea"/>
+              <a:buAutoNum type="circleNumDbPlain"/>
+            </a:pPr>
+            <a:r>
+              <a:rPr lang="ko-KR" altLang="en-US" sz="1000" dirty="0"/>
+              <a:t>아이템을 제작하기 위한 조합법</a:t>
+            </a:r>
+            <a:endParaRPr lang="en-US" altLang="ko-KR" sz="1000" dirty="0"/>
+          </a:p>
+          <a:p>
+            <a:pPr marL="1600200" lvl="3" indent="-228600">
+              <a:lnSpc>
+                <a:spcPct val="150000"/>
+              </a:lnSpc>
+              <a:buFont typeface="+mj-ea"/>
+              <a:buAutoNum type="circleNumDbPlain"/>
+            </a:pPr>
+            <a:r>
+              <a:rPr lang="ko-KR" altLang="en-US" sz="1000" dirty="0"/>
+              <a:t>테이블이 </a:t>
+            </a:r>
+            <a:r>
+              <a:rPr lang="en-US" altLang="ko-KR" sz="1000" dirty="0"/>
+              <a:t>0</a:t>
+            </a:r>
+            <a:r>
+              <a:rPr lang="ko-KR" altLang="en-US" sz="1000" dirty="0" err="1"/>
+              <a:t>일경우</a:t>
+            </a:r>
+            <a:r>
+              <a:rPr lang="ko-KR" altLang="en-US" sz="1000" dirty="0"/>
+              <a:t> 조합법 없음</a:t>
+            </a:r>
+            <a:br>
+              <a:rPr lang="en-US" altLang="ko-KR" sz="1000" dirty="0"/>
+            </a:br>
+            <a:r>
+              <a:rPr lang="en-US" altLang="ko-KR" sz="1000" dirty="0"/>
+              <a:t>(</a:t>
+            </a:r>
+            <a:r>
+              <a:rPr lang="ko-KR" altLang="en-US" sz="1000" dirty="0"/>
+              <a:t>예</a:t>
+            </a:r>
+            <a:r>
+              <a:rPr lang="en-US" altLang="ko-KR" sz="1000" dirty="0"/>
+              <a:t>. </a:t>
+            </a:r>
+            <a:r>
+              <a:rPr lang="ko-KR" altLang="en-US" sz="1000" dirty="0"/>
+              <a:t>재료 아이템</a:t>
+            </a:r>
+            <a:r>
+              <a:rPr lang="en-US" altLang="ko-KR" sz="1000" dirty="0"/>
+              <a:t>)</a:t>
+            </a:r>
+            <a:endParaRPr lang="ko-KR" altLang="en-US" sz="1300" dirty="0"/>
+          </a:p>
+        </p:txBody>
+      </p:sp>
+      <p:grpSp>
+        <p:nvGrpSpPr>
+          <p:cNvPr id="72" name="그룹 71">
+            <a:extLst>
+              <a:ext uri="{FF2B5EF4-FFF2-40B4-BE49-F238E27FC236}">
+                <a16:creationId xmlns:a16="http://schemas.microsoft.com/office/drawing/2014/main" id="{3158879C-9A15-A148-7DE3-93430BAF4041}"/>
+              </a:ext>
+            </a:extLst>
+          </p:cNvPr>
+          <p:cNvGrpSpPr/>
+          <p:nvPr/>
+        </p:nvGrpSpPr>
+        <p:grpSpPr>
+          <a:xfrm>
+            <a:off x="6198537" y="2182762"/>
+            <a:ext cx="5411394" cy="2601089"/>
+            <a:chOff x="3744405" y="1817528"/>
+            <a:chExt cx="7462403" cy="3352729"/>
+          </a:xfrm>
+        </p:grpSpPr>
+        <p:sp>
+          <p:nvSpPr>
+            <p:cNvPr id="7" name="직사각형 6">
+              <a:extLst>
+                <a:ext uri="{FF2B5EF4-FFF2-40B4-BE49-F238E27FC236}">
+                  <a16:creationId xmlns:a16="http://schemas.microsoft.com/office/drawing/2014/main" id="{C390C8E9-4241-AADB-F8B6-ED5AD2EAAEAD}"/>
+                </a:ext>
+              </a:extLst>
+            </p:cNvPr>
+            <p:cNvSpPr/>
+            <p:nvPr/>
+          </p:nvSpPr>
+          <p:spPr>
+            <a:xfrm>
+              <a:off x="3744405" y="1817528"/>
+              <a:ext cx="7462403" cy="3352729"/>
+            </a:xfrm>
+            <a:prstGeom prst="rect">
+              <a:avLst/>
+            </a:prstGeom>
+            <a:noFill/>
+            <a:ln>
+              <a:solidFill>
+                <a:schemeClr val="tx1"/>
+              </a:solidFill>
+            </a:ln>
+          </p:spPr>
+          <p:style>
+            <a:lnRef idx="2">
+              <a:schemeClr val="accent1">
+                <a:shade val="50000"/>
+              </a:schemeClr>
+            </a:lnRef>
+            <a:fillRef idx="1">
+              <a:schemeClr val="accent1"/>
+            </a:fillRef>
+            <a:effectRef idx="0">
+              <a:schemeClr val="accent1"/>
+            </a:effectRef>
+            <a:fontRef idx="minor">
+              <a:schemeClr val="lt1"/>
+            </a:fontRef>
+          </p:style>
+          <p:txBody>
+            <a:bodyPr rtlCol="0" anchor="ctr"/>
+            <a:lstStyle/>
+            <a:p>
+              <a:pPr algn="ctr"/>
+              <a:endParaRPr lang="ko-KR" altLang="en-US"/>
+            </a:p>
+          </p:txBody>
+        </p:sp>
+        <p:sp>
+          <p:nvSpPr>
+            <p:cNvPr id="9" name="TextBox 8">
+              <a:extLst>
+                <a:ext uri="{FF2B5EF4-FFF2-40B4-BE49-F238E27FC236}">
+                  <a16:creationId xmlns:a16="http://schemas.microsoft.com/office/drawing/2014/main" id="{B42DA948-4B06-24A8-404A-3C71E607DDC1}"/>
+                </a:ext>
+              </a:extLst>
+            </p:cNvPr>
+            <p:cNvSpPr txBox="1"/>
+            <p:nvPr/>
+          </p:nvSpPr>
+          <p:spPr>
+            <a:xfrm>
+              <a:off x="4004719" y="1945260"/>
+              <a:ext cx="771530" cy="297536"/>
+            </a:xfrm>
+            <a:prstGeom prst="rect">
+              <a:avLst/>
+            </a:prstGeom>
+            <a:noFill/>
+          </p:spPr>
+          <p:txBody>
+            <a:bodyPr wrap="square" rtlCol="0">
+              <a:spAutoFit/>
+            </a:bodyPr>
+            <a:lstStyle/>
+            <a:p>
+              <a:pPr algn="ctr"/>
+              <a:r>
+                <a:rPr lang="ko-KR" altLang="en-US" sz="900" b="1" dirty="0"/>
+                <a:t>아이템</a:t>
+              </a:r>
+              <a:endParaRPr lang="en-US" altLang="ko-KR" sz="900" b="1" dirty="0"/>
+            </a:p>
+          </p:txBody>
+        </p:sp>
+        <p:sp>
+          <p:nvSpPr>
+            <p:cNvPr id="11" name="TextBox 10">
+              <a:extLst>
+                <a:ext uri="{FF2B5EF4-FFF2-40B4-BE49-F238E27FC236}">
+                  <a16:creationId xmlns:a16="http://schemas.microsoft.com/office/drawing/2014/main" id="{80614F31-B548-DFA1-9C4B-C4D97D4D48D3}"/>
+                </a:ext>
+              </a:extLst>
+            </p:cNvPr>
+            <p:cNvSpPr txBox="1"/>
+            <p:nvPr/>
+          </p:nvSpPr>
+          <p:spPr>
+            <a:xfrm>
+              <a:off x="10150874" y="1896542"/>
+              <a:ext cx="771530" cy="297536"/>
+            </a:xfrm>
+            <a:prstGeom prst="rect">
+              <a:avLst/>
+            </a:prstGeom>
+            <a:noFill/>
+          </p:spPr>
+          <p:txBody>
+            <a:bodyPr wrap="square" rtlCol="0">
+              <a:spAutoFit/>
+            </a:bodyPr>
+            <a:lstStyle/>
+            <a:p>
+              <a:pPr algn="ctr"/>
+              <a:r>
+                <a:rPr lang="ko-KR" altLang="en-US" sz="900" dirty="0"/>
+                <a:t>수집품</a:t>
+              </a:r>
+              <a:endParaRPr lang="en-US" altLang="ko-KR" sz="900" dirty="0"/>
+            </a:p>
+          </p:txBody>
+        </p:sp>
+        <p:sp>
+          <p:nvSpPr>
+            <p:cNvPr id="12" name="직사각형 11">
+              <a:extLst>
+                <a:ext uri="{FF2B5EF4-FFF2-40B4-BE49-F238E27FC236}">
+                  <a16:creationId xmlns:a16="http://schemas.microsoft.com/office/drawing/2014/main" id="{A13C5B3E-E810-25BD-74BA-738A8AAA47CA}"/>
+                </a:ext>
+              </a:extLst>
+            </p:cNvPr>
+            <p:cNvSpPr/>
+            <p:nvPr/>
+          </p:nvSpPr>
+          <p:spPr>
+            <a:xfrm>
+              <a:off x="5289054" y="2672197"/>
+              <a:ext cx="5723136" cy="2190961"/>
+            </a:xfrm>
+            <a:prstGeom prst="rect">
+              <a:avLst/>
+            </a:prstGeom>
+            <a:noFill/>
+            <a:ln>
+              <a:solidFill>
+                <a:schemeClr val="tx1"/>
+              </a:solidFill>
+            </a:ln>
+          </p:spPr>
+          <p:style>
+            <a:lnRef idx="2">
+              <a:schemeClr val="accent1">
+                <a:shade val="50000"/>
+              </a:schemeClr>
+            </a:lnRef>
+            <a:fillRef idx="1">
+              <a:schemeClr val="accent1"/>
+            </a:fillRef>
+            <a:effectRef idx="0">
+              <a:schemeClr val="accent1"/>
+            </a:effectRef>
+            <a:fontRef idx="minor">
+              <a:schemeClr val="lt1"/>
+            </a:fontRef>
+          </p:style>
+          <p:txBody>
+            <a:bodyPr rtlCol="0" anchor="ctr"/>
+            <a:lstStyle/>
+            <a:p>
+              <a:pPr algn="ctr"/>
+              <a:endParaRPr lang="ko-KR" altLang="en-US"/>
+            </a:p>
+          </p:txBody>
+        </p:sp>
+        <p:sp>
+          <p:nvSpPr>
+            <p:cNvPr id="19" name="직사각형 18">
+              <a:extLst>
+                <a:ext uri="{FF2B5EF4-FFF2-40B4-BE49-F238E27FC236}">
+                  <a16:creationId xmlns:a16="http://schemas.microsoft.com/office/drawing/2014/main" id="{31A99F9B-CDED-AF4A-59C1-1F1B1F1C4CED}"/>
+                </a:ext>
+              </a:extLst>
+            </p:cNvPr>
+            <p:cNvSpPr/>
+            <p:nvPr/>
+          </p:nvSpPr>
+          <p:spPr>
+            <a:xfrm>
+              <a:off x="4364243" y="2739914"/>
+              <a:ext cx="621416" cy="253769"/>
+            </a:xfrm>
+            <a:prstGeom prst="rect">
+              <a:avLst/>
+            </a:prstGeom>
+            <a:solidFill>
+              <a:schemeClr val="accent2">
+                <a:lumMod val="40000"/>
+                <a:lumOff val="60000"/>
+              </a:schemeClr>
+            </a:solidFill>
+            <a:ln>
+              <a:solidFill>
+                <a:schemeClr val="tx1"/>
+              </a:solidFill>
+            </a:ln>
+          </p:spPr>
+          <p:style>
+            <a:lnRef idx="2">
+              <a:schemeClr val="accent1">
+                <a:shade val="50000"/>
+              </a:schemeClr>
+            </a:lnRef>
+            <a:fillRef idx="1">
+              <a:schemeClr val="accent1"/>
+            </a:fillRef>
+            <a:effectRef idx="0">
+              <a:schemeClr val="accent1"/>
+            </a:effectRef>
+            <a:fontRef idx="minor">
+              <a:schemeClr val="lt1"/>
+            </a:fontRef>
+          </p:style>
+          <p:txBody>
+            <a:bodyPr rtlCol="0" anchor="ctr"/>
+            <a:lstStyle/>
+            <a:p>
+              <a:pPr algn="ctr"/>
+              <a:r>
+                <a:rPr lang="ko-KR" altLang="en-US" sz="1050" dirty="0">
+                  <a:solidFill>
+                    <a:schemeClr val="tx1"/>
+                  </a:solidFill>
+                </a:rPr>
+                <a:t>장비</a:t>
+              </a:r>
+            </a:p>
+          </p:txBody>
+        </p:sp>
+        <p:sp>
+          <p:nvSpPr>
+            <p:cNvPr id="20" name="직사각형 19">
+              <a:extLst>
+                <a:ext uri="{FF2B5EF4-FFF2-40B4-BE49-F238E27FC236}">
+                  <a16:creationId xmlns:a16="http://schemas.microsoft.com/office/drawing/2014/main" id="{AEF8A117-0F72-0F98-EBA2-477BB94AEA6D}"/>
+                </a:ext>
+              </a:extLst>
+            </p:cNvPr>
+            <p:cNvSpPr/>
+            <p:nvPr/>
+          </p:nvSpPr>
+          <p:spPr>
+            <a:xfrm>
+              <a:off x="4364243" y="3152223"/>
+              <a:ext cx="621416" cy="253769"/>
+            </a:xfrm>
+            <a:prstGeom prst="rect">
+              <a:avLst/>
+            </a:prstGeom>
+            <a:solidFill>
+              <a:schemeClr val="bg1"/>
+            </a:solidFill>
+            <a:ln>
+              <a:solidFill>
+                <a:schemeClr val="tx1"/>
+              </a:solidFill>
+            </a:ln>
+          </p:spPr>
+          <p:style>
+            <a:lnRef idx="2">
+              <a:schemeClr val="accent1">
+                <a:shade val="50000"/>
+              </a:schemeClr>
+            </a:lnRef>
+            <a:fillRef idx="1">
+              <a:schemeClr val="accent1"/>
+            </a:fillRef>
+            <a:effectRef idx="0">
+              <a:schemeClr val="accent1"/>
+            </a:effectRef>
+            <a:fontRef idx="minor">
+              <a:schemeClr val="lt1"/>
+            </a:fontRef>
+          </p:style>
+          <p:txBody>
+            <a:bodyPr rtlCol="0" anchor="ctr"/>
+            <a:lstStyle/>
+            <a:p>
+              <a:pPr algn="ctr"/>
+              <a:r>
+                <a:rPr lang="ko-KR" altLang="en-US" sz="1050" dirty="0">
+                  <a:solidFill>
+                    <a:schemeClr val="tx1"/>
+                  </a:solidFill>
+                </a:rPr>
+                <a:t>선물</a:t>
+              </a:r>
+            </a:p>
+          </p:txBody>
+        </p:sp>
+        <p:sp>
+          <p:nvSpPr>
+            <p:cNvPr id="22" name="직사각형 21">
+              <a:extLst>
+                <a:ext uri="{FF2B5EF4-FFF2-40B4-BE49-F238E27FC236}">
+                  <a16:creationId xmlns:a16="http://schemas.microsoft.com/office/drawing/2014/main" id="{BC160586-81DB-7DFB-55ED-36D532D1035F}"/>
+                </a:ext>
+              </a:extLst>
+            </p:cNvPr>
+            <p:cNvSpPr/>
+            <p:nvPr/>
+          </p:nvSpPr>
+          <p:spPr>
+            <a:xfrm>
+              <a:off x="4364243" y="3600304"/>
+              <a:ext cx="621416" cy="253769"/>
+            </a:xfrm>
+            <a:prstGeom prst="rect">
+              <a:avLst/>
+            </a:prstGeom>
+            <a:solidFill>
+              <a:schemeClr val="bg1"/>
+            </a:solidFill>
+            <a:ln>
+              <a:solidFill>
+                <a:schemeClr val="tx1"/>
+              </a:solidFill>
+            </a:ln>
+          </p:spPr>
+          <p:style>
+            <a:lnRef idx="2">
+              <a:schemeClr val="accent1">
+                <a:shade val="50000"/>
+              </a:schemeClr>
+            </a:lnRef>
+            <a:fillRef idx="1">
+              <a:schemeClr val="accent1"/>
+            </a:fillRef>
+            <a:effectRef idx="0">
+              <a:schemeClr val="accent1"/>
+            </a:effectRef>
+            <a:fontRef idx="minor">
+              <a:schemeClr val="lt1"/>
+            </a:fontRef>
+          </p:style>
+          <p:txBody>
+            <a:bodyPr rtlCol="0" anchor="ctr"/>
+            <a:lstStyle/>
+            <a:p>
+              <a:pPr algn="ctr"/>
+              <a:r>
+                <a:rPr lang="ko-KR" altLang="en-US" sz="1050" dirty="0">
+                  <a:solidFill>
+                    <a:schemeClr val="tx1"/>
+                  </a:solidFill>
+                </a:rPr>
+                <a:t>물약</a:t>
+              </a:r>
+            </a:p>
+          </p:txBody>
+        </p:sp>
+        <p:sp>
+          <p:nvSpPr>
+            <p:cNvPr id="23" name="직사각형 22">
+              <a:extLst>
+                <a:ext uri="{FF2B5EF4-FFF2-40B4-BE49-F238E27FC236}">
+                  <a16:creationId xmlns:a16="http://schemas.microsoft.com/office/drawing/2014/main" id="{FFE2CA73-838B-57B7-338B-454272FF431E}"/>
+                </a:ext>
+              </a:extLst>
+            </p:cNvPr>
+            <p:cNvSpPr/>
+            <p:nvPr/>
+          </p:nvSpPr>
+          <p:spPr>
+            <a:xfrm>
+              <a:off x="4364243" y="4031940"/>
+              <a:ext cx="621416" cy="253769"/>
+            </a:xfrm>
+            <a:prstGeom prst="rect">
+              <a:avLst/>
+            </a:prstGeom>
+            <a:solidFill>
+              <a:schemeClr val="bg1"/>
+            </a:solidFill>
+            <a:ln>
+              <a:solidFill>
+                <a:schemeClr val="tx1"/>
+              </a:solidFill>
+            </a:ln>
+          </p:spPr>
+          <p:style>
+            <a:lnRef idx="2">
+              <a:schemeClr val="accent1">
+                <a:shade val="50000"/>
+              </a:schemeClr>
+            </a:lnRef>
+            <a:fillRef idx="1">
+              <a:schemeClr val="accent1"/>
+            </a:fillRef>
+            <a:effectRef idx="0">
+              <a:schemeClr val="accent1"/>
+            </a:effectRef>
+            <a:fontRef idx="minor">
+              <a:schemeClr val="lt1"/>
+            </a:fontRef>
+          </p:style>
+          <p:txBody>
+            <a:bodyPr rtlCol="0" anchor="ctr"/>
+            <a:lstStyle/>
+            <a:p>
+              <a:pPr algn="ctr"/>
+              <a:r>
+                <a:rPr lang="ko-KR" altLang="en-US" sz="1050" dirty="0">
+                  <a:solidFill>
+                    <a:schemeClr val="tx1"/>
+                  </a:solidFill>
+                </a:rPr>
+                <a:t>재료</a:t>
+              </a:r>
+            </a:p>
+          </p:txBody>
+        </p:sp>
+        <p:sp>
+          <p:nvSpPr>
+            <p:cNvPr id="25" name="직사각형 24">
+              <a:extLst>
+                <a:ext uri="{FF2B5EF4-FFF2-40B4-BE49-F238E27FC236}">
+                  <a16:creationId xmlns:a16="http://schemas.microsoft.com/office/drawing/2014/main" id="{80103074-4567-04E0-13DC-4C3B13A44A07}"/>
+                </a:ext>
+              </a:extLst>
+            </p:cNvPr>
+            <p:cNvSpPr/>
+            <p:nvPr/>
+          </p:nvSpPr>
+          <p:spPr>
+            <a:xfrm>
+              <a:off x="4364243" y="4425740"/>
+              <a:ext cx="621416" cy="253769"/>
+            </a:xfrm>
+            <a:prstGeom prst="rect">
+              <a:avLst/>
+            </a:prstGeom>
+            <a:solidFill>
+              <a:schemeClr val="bg1"/>
+            </a:solidFill>
+            <a:ln>
+              <a:solidFill>
+                <a:schemeClr val="tx1"/>
+              </a:solidFill>
+            </a:ln>
+          </p:spPr>
+          <p:style>
+            <a:lnRef idx="2">
+              <a:schemeClr val="accent1">
+                <a:shade val="50000"/>
+              </a:schemeClr>
+            </a:lnRef>
+            <a:fillRef idx="1">
+              <a:schemeClr val="accent1"/>
+            </a:fillRef>
+            <a:effectRef idx="0">
+              <a:schemeClr val="accent1"/>
+            </a:effectRef>
+            <a:fontRef idx="minor">
+              <a:schemeClr val="lt1"/>
+            </a:fontRef>
+          </p:style>
+          <p:txBody>
+            <a:bodyPr rtlCol="0" anchor="ctr"/>
+            <a:lstStyle/>
+            <a:p>
+              <a:pPr algn="ctr"/>
+              <a:r>
+                <a:rPr lang="ko-KR" altLang="en-US" sz="700" dirty="0">
+                  <a:solidFill>
+                    <a:schemeClr val="tx1"/>
+                  </a:solidFill>
+                </a:rPr>
+                <a:t>퀘스트</a:t>
+              </a:r>
+            </a:p>
+          </p:txBody>
+        </p:sp>
+        <p:sp>
+          <p:nvSpPr>
+            <p:cNvPr id="26" name="직사각형 25">
+              <a:extLst>
+                <a:ext uri="{FF2B5EF4-FFF2-40B4-BE49-F238E27FC236}">
+                  <a16:creationId xmlns:a16="http://schemas.microsoft.com/office/drawing/2014/main" id="{7F5A6A8F-7CF5-8BFD-B73D-40F553B10012}"/>
+                </a:ext>
+              </a:extLst>
+            </p:cNvPr>
+            <p:cNvSpPr/>
+            <p:nvPr/>
+          </p:nvSpPr>
+          <p:spPr>
+            <a:xfrm>
+              <a:off x="5944887" y="2418428"/>
+              <a:ext cx="771529" cy="253769"/>
+            </a:xfrm>
+            <a:prstGeom prst="rect">
+              <a:avLst/>
+            </a:prstGeom>
+            <a:solidFill>
+              <a:schemeClr val="bg1"/>
+            </a:solidFill>
+            <a:ln>
+              <a:solidFill>
+                <a:schemeClr val="tx1"/>
+              </a:solidFill>
+            </a:ln>
+          </p:spPr>
+          <p:style>
+            <a:lnRef idx="2">
+              <a:schemeClr val="accent1">
+                <a:shade val="50000"/>
+              </a:schemeClr>
+            </a:lnRef>
+            <a:fillRef idx="1">
+              <a:schemeClr val="accent1"/>
+            </a:fillRef>
+            <a:effectRef idx="0">
+              <a:schemeClr val="accent1"/>
+            </a:effectRef>
+            <a:fontRef idx="minor">
+              <a:schemeClr val="lt1"/>
+            </a:fontRef>
+          </p:style>
+          <p:txBody>
+            <a:bodyPr rtlCol="0" anchor="ctr"/>
+            <a:lstStyle/>
+            <a:p>
+              <a:pPr algn="ctr"/>
+              <a:r>
+                <a:rPr lang="ko-KR" altLang="en-US" sz="900" dirty="0" err="1">
+                  <a:solidFill>
+                    <a:schemeClr val="tx1"/>
+                  </a:solidFill>
+                </a:rPr>
+                <a:t>채아람</a:t>
+              </a:r>
+              <a:endParaRPr lang="ko-KR" altLang="en-US" sz="900" dirty="0">
+                <a:solidFill>
+                  <a:schemeClr val="tx1"/>
+                </a:solidFill>
+              </a:endParaRPr>
+            </a:p>
+          </p:txBody>
+        </p:sp>
+        <p:sp>
+          <p:nvSpPr>
+            <p:cNvPr id="28" name="직사각형 27">
+              <a:extLst>
+                <a:ext uri="{FF2B5EF4-FFF2-40B4-BE49-F238E27FC236}">
+                  <a16:creationId xmlns:a16="http://schemas.microsoft.com/office/drawing/2014/main" id="{6909DCCE-914D-72CF-990E-E005626C89FB}"/>
+                </a:ext>
+              </a:extLst>
+            </p:cNvPr>
+            <p:cNvSpPr/>
+            <p:nvPr/>
+          </p:nvSpPr>
+          <p:spPr>
+            <a:xfrm>
+              <a:off x="7405809" y="2418428"/>
+              <a:ext cx="771529" cy="253769"/>
+            </a:xfrm>
+            <a:prstGeom prst="rect">
+              <a:avLst/>
+            </a:prstGeom>
+            <a:solidFill>
+              <a:schemeClr val="bg1"/>
+            </a:solidFill>
+            <a:ln>
+              <a:solidFill>
+                <a:schemeClr val="tx1"/>
+              </a:solidFill>
+            </a:ln>
+          </p:spPr>
+          <p:style>
+            <a:lnRef idx="2">
+              <a:schemeClr val="accent1">
+                <a:shade val="50000"/>
+              </a:schemeClr>
+            </a:lnRef>
+            <a:fillRef idx="1">
+              <a:schemeClr val="accent1"/>
+            </a:fillRef>
+            <a:effectRef idx="0">
+              <a:schemeClr val="accent1"/>
+            </a:effectRef>
+            <a:fontRef idx="minor">
+              <a:schemeClr val="lt1"/>
+            </a:fontRef>
+          </p:style>
+          <p:txBody>
+            <a:bodyPr rtlCol="0" anchor="ctr"/>
+            <a:lstStyle/>
+            <a:p>
+              <a:pPr algn="ctr"/>
+              <a:r>
+                <a:rPr lang="ko-KR" altLang="en-US" sz="900" dirty="0" err="1">
+                  <a:solidFill>
+                    <a:schemeClr val="tx1"/>
+                  </a:solidFill>
+                </a:rPr>
+                <a:t>한소원</a:t>
+              </a:r>
+              <a:endParaRPr lang="ko-KR" altLang="en-US" sz="900" dirty="0">
+                <a:solidFill>
+                  <a:schemeClr val="tx1"/>
+                </a:solidFill>
+              </a:endParaRPr>
+            </a:p>
+          </p:txBody>
+        </p:sp>
+        <p:sp>
+          <p:nvSpPr>
+            <p:cNvPr id="29" name="직사각형 28">
+              <a:extLst>
+                <a:ext uri="{FF2B5EF4-FFF2-40B4-BE49-F238E27FC236}">
+                  <a16:creationId xmlns:a16="http://schemas.microsoft.com/office/drawing/2014/main" id="{C50E4F9F-EBA8-0BD9-3BB0-1F50572BFB7F}"/>
+                </a:ext>
+              </a:extLst>
+            </p:cNvPr>
+            <p:cNvSpPr/>
+            <p:nvPr/>
+          </p:nvSpPr>
+          <p:spPr>
+            <a:xfrm>
+              <a:off x="8950458" y="2418428"/>
+              <a:ext cx="771529" cy="253769"/>
+            </a:xfrm>
+            <a:prstGeom prst="rect">
+              <a:avLst/>
+            </a:prstGeom>
+            <a:solidFill>
+              <a:schemeClr val="bg1"/>
+            </a:solidFill>
+            <a:ln>
+              <a:solidFill>
+                <a:schemeClr val="tx1"/>
+              </a:solidFill>
+            </a:ln>
+          </p:spPr>
+          <p:style>
+            <a:lnRef idx="2">
+              <a:schemeClr val="accent1">
+                <a:shade val="50000"/>
+              </a:schemeClr>
+            </a:lnRef>
+            <a:fillRef idx="1">
+              <a:schemeClr val="accent1"/>
+            </a:fillRef>
+            <a:effectRef idx="0">
+              <a:schemeClr val="accent1"/>
+            </a:effectRef>
+            <a:fontRef idx="minor">
+              <a:schemeClr val="lt1"/>
+            </a:fontRef>
+          </p:style>
+          <p:txBody>
+            <a:bodyPr rtlCol="0" anchor="ctr"/>
+            <a:lstStyle/>
+            <a:p>
+              <a:pPr algn="ctr"/>
+              <a:r>
+                <a:rPr lang="ko-KR" altLang="en-US" sz="900" dirty="0" err="1">
+                  <a:solidFill>
+                    <a:schemeClr val="tx1"/>
+                  </a:solidFill>
+                </a:rPr>
+                <a:t>고은혜</a:t>
+              </a:r>
+              <a:endParaRPr lang="ko-KR" altLang="en-US" sz="900" dirty="0">
+                <a:solidFill>
+                  <a:schemeClr val="tx1"/>
+                </a:solidFill>
+              </a:endParaRPr>
+            </a:p>
+          </p:txBody>
+        </p:sp>
+        <p:sp>
+          <p:nvSpPr>
+            <p:cNvPr id="35" name="사각형: 둥근 모서리 34">
+              <a:extLst>
+                <a:ext uri="{FF2B5EF4-FFF2-40B4-BE49-F238E27FC236}">
+                  <a16:creationId xmlns:a16="http://schemas.microsoft.com/office/drawing/2014/main" id="{5BB9290F-39F4-8A48-0483-4A8108A2AEE6}"/>
+                </a:ext>
+              </a:extLst>
+            </p:cNvPr>
+            <p:cNvSpPr/>
+            <p:nvPr/>
+          </p:nvSpPr>
+          <p:spPr>
+            <a:xfrm>
+              <a:off x="5732208" y="2994029"/>
+              <a:ext cx="553797" cy="506539"/>
+            </a:xfrm>
+            <a:prstGeom prst="roundRect">
+              <a:avLst/>
+            </a:prstGeom>
+            <a:solidFill>
+              <a:schemeClr val="bg1"/>
+            </a:solidFill>
+            <a:ln>
+              <a:solidFill>
+                <a:schemeClr val="tx1"/>
+              </a:solidFill>
+            </a:ln>
+            <a:effectLst>
+              <a:glow rad="88900">
+                <a:schemeClr val="accent6">
+                  <a:satMod val="175000"/>
+                </a:schemeClr>
+              </a:glow>
+            </a:effectLst>
+          </p:spPr>
+          <p:style>
+            <a:lnRef idx="2">
+              <a:schemeClr val="accent1">
+                <a:shade val="50000"/>
+              </a:schemeClr>
+            </a:lnRef>
+            <a:fillRef idx="1">
+              <a:schemeClr val="accent1"/>
+            </a:fillRef>
+            <a:effectRef idx="0">
+              <a:schemeClr val="accent1"/>
+            </a:effectRef>
+            <a:fontRef idx="minor">
+              <a:schemeClr val="lt1"/>
+            </a:fontRef>
+          </p:style>
+          <p:txBody>
+            <a:bodyPr rtlCol="0" anchor="ctr"/>
+            <a:lstStyle/>
+            <a:p>
+              <a:pPr algn="ctr"/>
+              <a:endParaRPr lang="ko-KR" altLang="en-US"/>
+            </a:p>
+          </p:txBody>
+        </p:sp>
+        <p:sp>
+          <p:nvSpPr>
+            <p:cNvPr id="36" name="사각형: 둥근 모서리 35">
+              <a:extLst>
+                <a:ext uri="{FF2B5EF4-FFF2-40B4-BE49-F238E27FC236}">
+                  <a16:creationId xmlns:a16="http://schemas.microsoft.com/office/drawing/2014/main" id="{BDDD20B4-0A0A-4FCB-7D67-34C9EC42A917}"/>
+                </a:ext>
+              </a:extLst>
+            </p:cNvPr>
+            <p:cNvSpPr/>
+            <p:nvPr/>
+          </p:nvSpPr>
+          <p:spPr>
+            <a:xfrm>
+              <a:off x="6782152" y="2993683"/>
+              <a:ext cx="553797" cy="506539"/>
+            </a:xfrm>
+            <a:prstGeom prst="roundRect">
+              <a:avLst/>
+            </a:prstGeom>
+            <a:solidFill>
+              <a:schemeClr val="bg2">
+                <a:lumMod val="75000"/>
+              </a:schemeClr>
+            </a:solidFill>
+            <a:ln>
+              <a:solidFill>
+                <a:schemeClr val="tx1"/>
+              </a:solidFill>
+            </a:ln>
+          </p:spPr>
+          <p:style>
+            <a:lnRef idx="2">
+              <a:schemeClr val="accent1">
+                <a:shade val="50000"/>
+              </a:schemeClr>
+            </a:lnRef>
+            <a:fillRef idx="1">
+              <a:schemeClr val="accent1"/>
+            </a:fillRef>
+            <a:effectRef idx="0">
+              <a:schemeClr val="accent1"/>
+            </a:effectRef>
+            <a:fontRef idx="minor">
+              <a:schemeClr val="lt1"/>
+            </a:fontRef>
+          </p:style>
+          <p:txBody>
+            <a:bodyPr rtlCol="0" anchor="ctr"/>
+            <a:lstStyle/>
+            <a:p>
+              <a:pPr algn="ctr"/>
+              <a:endParaRPr lang="ko-KR" altLang="en-US"/>
+            </a:p>
+          </p:txBody>
+        </p:sp>
+        <p:pic>
+          <p:nvPicPr>
+            <p:cNvPr id="37" name="그림 36">
+              <a:extLst>
+                <a:ext uri="{FF2B5EF4-FFF2-40B4-BE49-F238E27FC236}">
+                  <a16:creationId xmlns:a16="http://schemas.microsoft.com/office/drawing/2014/main" id="{70310233-62DC-C959-E16E-7A265D99A008}"/>
+                </a:ext>
+              </a:extLst>
+            </p:cNvPr>
+            <p:cNvPicPr>
+              <a:picLocks noChangeAspect="1"/>
+            </p:cNvPicPr>
+            <p:nvPr/>
+          </p:nvPicPr>
+          <p:blipFill>
+            <a:blip r:embed="rId2"/>
+            <a:stretch>
+              <a:fillRect/>
+            </a:stretch>
+          </p:blipFill>
+          <p:spPr>
+            <a:xfrm>
+              <a:off x="5831186" y="3056461"/>
+              <a:ext cx="377087" cy="385658"/>
+            </a:xfrm>
+            <a:prstGeom prst="ellipse">
+              <a:avLst/>
+            </a:prstGeom>
+          </p:spPr>
+        </p:pic>
+        <p:pic>
+          <p:nvPicPr>
+            <p:cNvPr id="39" name="그림 38">
+              <a:extLst>
+                <a:ext uri="{FF2B5EF4-FFF2-40B4-BE49-F238E27FC236}">
+                  <a16:creationId xmlns:a16="http://schemas.microsoft.com/office/drawing/2014/main" id="{4B7F8329-8B17-1EF6-7319-1B2B16A782A6}"/>
+                </a:ext>
+              </a:extLst>
+            </p:cNvPr>
+            <p:cNvPicPr>
+              <a:picLocks noChangeAspect="1"/>
+            </p:cNvPicPr>
+            <p:nvPr/>
+          </p:nvPicPr>
+          <p:blipFill>
+            <a:blip r:embed="rId2"/>
+            <a:stretch>
+              <a:fillRect/>
+            </a:stretch>
+          </p:blipFill>
+          <p:spPr>
+            <a:xfrm>
+              <a:off x="6892273" y="3057703"/>
+              <a:ext cx="377087" cy="385658"/>
+            </a:xfrm>
+            <a:prstGeom prst="ellipse">
+              <a:avLst/>
+            </a:prstGeom>
+          </p:spPr>
+        </p:pic>
+        <p:sp>
+          <p:nvSpPr>
+            <p:cNvPr id="40" name="사각형: 둥근 모서리 39">
+              <a:extLst>
+                <a:ext uri="{FF2B5EF4-FFF2-40B4-BE49-F238E27FC236}">
+                  <a16:creationId xmlns:a16="http://schemas.microsoft.com/office/drawing/2014/main" id="{F7AED4AB-F763-9D0A-C5AA-966518EECD85}"/>
+                </a:ext>
+              </a:extLst>
+            </p:cNvPr>
+            <p:cNvSpPr/>
+            <p:nvPr/>
+          </p:nvSpPr>
+          <p:spPr>
+            <a:xfrm>
+              <a:off x="7832096" y="2975941"/>
+              <a:ext cx="553797" cy="506539"/>
+            </a:xfrm>
+            <a:prstGeom prst="roundRect">
+              <a:avLst/>
+            </a:prstGeom>
+            <a:solidFill>
+              <a:schemeClr val="bg1"/>
+            </a:solidFill>
+            <a:ln>
+              <a:solidFill>
+                <a:schemeClr val="tx1"/>
+              </a:solidFill>
+            </a:ln>
+          </p:spPr>
+          <p:style>
+            <a:lnRef idx="2">
+              <a:schemeClr val="accent1">
+                <a:shade val="50000"/>
+              </a:schemeClr>
+            </a:lnRef>
+            <a:fillRef idx="1">
+              <a:schemeClr val="accent1"/>
+            </a:fillRef>
+            <a:effectRef idx="0">
+              <a:schemeClr val="accent1"/>
+            </a:effectRef>
+            <a:fontRef idx="minor">
+              <a:schemeClr val="lt1"/>
+            </a:fontRef>
+          </p:style>
+          <p:txBody>
+            <a:bodyPr rtlCol="0" anchor="ctr"/>
+            <a:lstStyle/>
+            <a:p>
+              <a:pPr algn="ctr"/>
+              <a:endParaRPr lang="ko-KR" altLang="en-US"/>
+            </a:p>
+          </p:txBody>
+        </p:sp>
+        <p:pic>
+          <p:nvPicPr>
+            <p:cNvPr id="44" name="그림 43">
+              <a:extLst>
+                <a:ext uri="{FF2B5EF4-FFF2-40B4-BE49-F238E27FC236}">
+                  <a16:creationId xmlns:a16="http://schemas.microsoft.com/office/drawing/2014/main" id="{68EABBE0-8D9E-FF57-4B7A-04EBEFC5D70D}"/>
+                </a:ext>
+              </a:extLst>
+            </p:cNvPr>
+            <p:cNvPicPr>
+              <a:picLocks noChangeAspect="1"/>
+            </p:cNvPicPr>
+            <p:nvPr/>
+          </p:nvPicPr>
+          <p:blipFill>
+            <a:blip r:embed="rId2"/>
+            <a:stretch>
+              <a:fillRect/>
+            </a:stretch>
+          </p:blipFill>
+          <p:spPr>
+            <a:xfrm>
+              <a:off x="7942217" y="3039961"/>
+              <a:ext cx="377087" cy="385658"/>
+            </a:xfrm>
+            <a:prstGeom prst="ellipse">
+              <a:avLst/>
+            </a:prstGeom>
+          </p:spPr>
+        </p:pic>
+        <p:sp>
+          <p:nvSpPr>
+            <p:cNvPr id="45" name="사각형: 둥근 모서리 44">
+              <a:extLst>
+                <a:ext uri="{FF2B5EF4-FFF2-40B4-BE49-F238E27FC236}">
+                  <a16:creationId xmlns:a16="http://schemas.microsoft.com/office/drawing/2014/main" id="{8F69657A-952A-969D-000A-591410786135}"/>
+                </a:ext>
+              </a:extLst>
+            </p:cNvPr>
+            <p:cNvSpPr/>
+            <p:nvPr/>
+          </p:nvSpPr>
+          <p:spPr>
+            <a:xfrm>
+              <a:off x="8878107" y="2975941"/>
+              <a:ext cx="553797" cy="506539"/>
+            </a:xfrm>
+            <a:prstGeom prst="roundRect">
+              <a:avLst/>
+            </a:prstGeom>
+            <a:solidFill>
+              <a:schemeClr val="bg1"/>
+            </a:solidFill>
+            <a:ln>
+              <a:solidFill>
+                <a:schemeClr val="tx1"/>
+              </a:solidFill>
+            </a:ln>
+          </p:spPr>
+          <p:style>
+            <a:lnRef idx="2">
+              <a:schemeClr val="accent1">
+                <a:shade val="50000"/>
+              </a:schemeClr>
+            </a:lnRef>
+            <a:fillRef idx="1">
+              <a:schemeClr val="accent1"/>
+            </a:fillRef>
+            <a:effectRef idx="0">
+              <a:schemeClr val="accent1"/>
+            </a:effectRef>
+            <a:fontRef idx="minor">
+              <a:schemeClr val="lt1"/>
+            </a:fontRef>
+          </p:style>
+          <p:txBody>
+            <a:bodyPr rtlCol="0" anchor="ctr"/>
+            <a:lstStyle/>
+            <a:p>
+              <a:pPr algn="ctr"/>
+              <a:endParaRPr lang="ko-KR" altLang="en-US"/>
+            </a:p>
+          </p:txBody>
+        </p:sp>
+        <p:sp>
+          <p:nvSpPr>
+            <p:cNvPr id="46" name="사각형: 둥근 모서리 45">
+              <a:extLst>
+                <a:ext uri="{FF2B5EF4-FFF2-40B4-BE49-F238E27FC236}">
+                  <a16:creationId xmlns:a16="http://schemas.microsoft.com/office/drawing/2014/main" id="{3BF62BD7-F82E-612C-C697-F8CC611F01C6}"/>
+                </a:ext>
+              </a:extLst>
+            </p:cNvPr>
+            <p:cNvSpPr/>
+            <p:nvPr/>
+          </p:nvSpPr>
+          <p:spPr>
+            <a:xfrm>
+              <a:off x="9928051" y="2975595"/>
+              <a:ext cx="553797" cy="506539"/>
+            </a:xfrm>
+            <a:prstGeom prst="roundRect">
+              <a:avLst/>
+            </a:prstGeom>
+            <a:solidFill>
+              <a:schemeClr val="bg1"/>
+            </a:solidFill>
+            <a:ln>
+              <a:solidFill>
+                <a:schemeClr val="tx1"/>
+              </a:solidFill>
+            </a:ln>
+          </p:spPr>
+          <p:style>
+            <a:lnRef idx="2">
+              <a:schemeClr val="accent1">
+                <a:shade val="50000"/>
+              </a:schemeClr>
+            </a:lnRef>
+            <a:fillRef idx="1">
+              <a:schemeClr val="accent1"/>
+            </a:fillRef>
+            <a:effectRef idx="0">
+              <a:schemeClr val="accent1"/>
+            </a:effectRef>
+            <a:fontRef idx="minor">
+              <a:schemeClr val="lt1"/>
+            </a:fontRef>
+          </p:style>
+          <p:txBody>
+            <a:bodyPr rtlCol="0" anchor="ctr"/>
+            <a:lstStyle/>
+            <a:p>
+              <a:pPr algn="ctr"/>
+              <a:endParaRPr lang="ko-KR" altLang="en-US"/>
+            </a:p>
+          </p:txBody>
+        </p:sp>
+        <p:pic>
+          <p:nvPicPr>
+            <p:cNvPr id="51" name="그림 50">
+              <a:extLst>
+                <a:ext uri="{FF2B5EF4-FFF2-40B4-BE49-F238E27FC236}">
+                  <a16:creationId xmlns:a16="http://schemas.microsoft.com/office/drawing/2014/main" id="{7BB72B47-4D2F-7154-C599-0419B45F2E49}"/>
+                </a:ext>
+              </a:extLst>
+            </p:cNvPr>
+            <p:cNvPicPr>
+              <a:picLocks noChangeAspect="1"/>
+            </p:cNvPicPr>
+            <p:nvPr/>
+          </p:nvPicPr>
+          <p:blipFill>
+            <a:blip r:embed="rId2"/>
+            <a:stretch>
+              <a:fillRect/>
+            </a:stretch>
+          </p:blipFill>
+          <p:spPr>
+            <a:xfrm>
+              <a:off x="8988228" y="3056461"/>
+              <a:ext cx="377087" cy="385658"/>
+            </a:xfrm>
+            <a:prstGeom prst="ellipse">
+              <a:avLst/>
+            </a:prstGeom>
+          </p:spPr>
+        </p:pic>
+        <p:pic>
+          <p:nvPicPr>
+            <p:cNvPr id="52" name="그림 51">
+              <a:extLst>
+                <a:ext uri="{FF2B5EF4-FFF2-40B4-BE49-F238E27FC236}">
+                  <a16:creationId xmlns:a16="http://schemas.microsoft.com/office/drawing/2014/main" id="{2E51522D-0C78-14E9-FDE6-81698A2B1800}"/>
+                </a:ext>
+              </a:extLst>
+            </p:cNvPr>
+            <p:cNvPicPr>
+              <a:picLocks noChangeAspect="1"/>
+            </p:cNvPicPr>
+            <p:nvPr/>
+          </p:nvPicPr>
+          <p:blipFill>
+            <a:blip r:embed="rId2"/>
+            <a:stretch>
+              <a:fillRect/>
+            </a:stretch>
+          </p:blipFill>
+          <p:spPr>
+            <a:xfrm>
+              <a:off x="10038172" y="3039615"/>
+              <a:ext cx="377087" cy="385658"/>
+            </a:xfrm>
+            <a:prstGeom prst="ellipse">
+              <a:avLst/>
+            </a:prstGeom>
+          </p:spPr>
+        </p:pic>
+        <p:sp>
+          <p:nvSpPr>
+            <p:cNvPr id="53" name="이등변 삼각형 52">
+              <a:extLst>
+                <a:ext uri="{FF2B5EF4-FFF2-40B4-BE49-F238E27FC236}">
+                  <a16:creationId xmlns:a16="http://schemas.microsoft.com/office/drawing/2014/main" id="{F895841F-21C4-06DB-3871-C1D2E37EED5E}"/>
+                </a:ext>
+              </a:extLst>
+            </p:cNvPr>
+            <p:cNvSpPr/>
+            <p:nvPr/>
+          </p:nvSpPr>
+          <p:spPr>
+            <a:xfrm rot="5400000">
+              <a:off x="10943566" y="1968482"/>
+              <a:ext cx="155349" cy="122232"/>
+            </a:xfrm>
+            <a:prstGeom prst="triangle">
+              <a:avLst/>
+            </a:prstGeom>
+          </p:spPr>
+          <p:style>
+            <a:lnRef idx="2">
+              <a:schemeClr val="accent1">
+                <a:shade val="50000"/>
+              </a:schemeClr>
+            </a:lnRef>
+            <a:fillRef idx="1">
+              <a:schemeClr val="accent1"/>
+            </a:fillRef>
+            <a:effectRef idx="0">
+              <a:schemeClr val="accent1"/>
+            </a:effectRef>
+            <a:fontRef idx="minor">
+              <a:schemeClr val="lt1"/>
+            </a:fontRef>
+          </p:style>
+          <p:txBody>
+            <a:bodyPr rtlCol="0" anchor="ctr"/>
+            <a:lstStyle/>
+            <a:p>
+              <a:pPr algn="ctr"/>
+              <a:endParaRPr lang="ko-KR" altLang="en-US"/>
+            </a:p>
+          </p:txBody>
+        </p:sp>
+        <p:sp>
+          <p:nvSpPr>
+            <p:cNvPr id="56" name="직사각형 55">
+              <a:extLst>
+                <a:ext uri="{FF2B5EF4-FFF2-40B4-BE49-F238E27FC236}">
+                  <a16:creationId xmlns:a16="http://schemas.microsoft.com/office/drawing/2014/main" id="{C75B32D2-E698-2576-DEBF-C6FB6F5ADE52}"/>
+                </a:ext>
+              </a:extLst>
+            </p:cNvPr>
+            <p:cNvSpPr/>
+            <p:nvPr/>
+          </p:nvSpPr>
+          <p:spPr>
+            <a:xfrm>
+              <a:off x="8572959" y="2672197"/>
+              <a:ext cx="2439231" cy="2190961"/>
+            </a:xfrm>
+            <a:prstGeom prst="rect">
+              <a:avLst/>
+            </a:prstGeom>
+            <a:solidFill>
+              <a:schemeClr val="bg1"/>
+            </a:solidFill>
+            <a:ln>
+              <a:solidFill>
+                <a:schemeClr val="tx1"/>
+              </a:solidFill>
+            </a:ln>
+          </p:spPr>
+          <p:style>
+            <a:lnRef idx="2">
+              <a:schemeClr val="accent1">
+                <a:shade val="50000"/>
+              </a:schemeClr>
+            </a:lnRef>
+            <a:fillRef idx="1">
+              <a:schemeClr val="accent1"/>
+            </a:fillRef>
+            <a:effectRef idx="0">
+              <a:schemeClr val="accent1"/>
+            </a:effectRef>
+            <a:fontRef idx="minor">
+              <a:schemeClr val="lt1"/>
+            </a:fontRef>
+          </p:style>
+          <p:txBody>
+            <a:bodyPr rtlCol="0" anchor="ctr"/>
+            <a:lstStyle/>
+            <a:p>
+              <a:pPr algn="ctr"/>
+              <a:endParaRPr lang="ko-KR" altLang="en-US"/>
+            </a:p>
+          </p:txBody>
+        </p:sp>
+        <p:sp>
+          <p:nvSpPr>
+            <p:cNvPr id="57" name="TextBox 56">
+              <a:extLst>
+                <a:ext uri="{FF2B5EF4-FFF2-40B4-BE49-F238E27FC236}">
+                  <a16:creationId xmlns:a16="http://schemas.microsoft.com/office/drawing/2014/main" id="{E54DD4F3-63EB-9958-EC42-CDC12F0FFF78}"/>
+                </a:ext>
+              </a:extLst>
+            </p:cNvPr>
+            <p:cNvSpPr txBox="1"/>
+            <p:nvPr/>
+          </p:nvSpPr>
+          <p:spPr>
+            <a:xfrm>
+              <a:off x="9274639" y="2782078"/>
+              <a:ext cx="1010066" cy="297536"/>
+            </a:xfrm>
+            <a:prstGeom prst="rect">
+              <a:avLst/>
+            </a:prstGeom>
+            <a:noFill/>
+          </p:spPr>
+          <p:txBody>
+            <a:bodyPr wrap="square" rtlCol="0">
+              <a:spAutoFit/>
+            </a:bodyPr>
+            <a:lstStyle/>
+            <a:p>
+              <a:pPr algn="ctr"/>
+              <a:r>
+                <a:rPr lang="ko-KR" altLang="en-US" sz="900" dirty="0"/>
+                <a:t>무희의 검</a:t>
+              </a:r>
+            </a:p>
+          </p:txBody>
+        </p:sp>
+        <p:sp>
+          <p:nvSpPr>
+            <p:cNvPr id="58" name="TextBox 57">
+              <a:extLst>
+                <a:ext uri="{FF2B5EF4-FFF2-40B4-BE49-F238E27FC236}">
+                  <a16:creationId xmlns:a16="http://schemas.microsoft.com/office/drawing/2014/main" id="{8F39E56F-4C6A-27BD-F36C-AEE35D5AE584}"/>
+                </a:ext>
+              </a:extLst>
+            </p:cNvPr>
+            <p:cNvSpPr txBox="1"/>
+            <p:nvPr/>
+          </p:nvSpPr>
+          <p:spPr>
+            <a:xfrm>
+              <a:off x="8624595" y="3113119"/>
+              <a:ext cx="2310152" cy="476058"/>
+            </a:xfrm>
+            <a:prstGeom prst="rect">
+              <a:avLst/>
+            </a:prstGeom>
+            <a:noFill/>
+          </p:spPr>
+          <p:txBody>
+            <a:bodyPr wrap="square" rtlCol="0">
+              <a:spAutoFit/>
+            </a:bodyPr>
+            <a:lstStyle/>
+            <a:p>
+              <a:r>
+                <a:rPr lang="ko-KR" altLang="en-US" sz="600" dirty="0" err="1"/>
+                <a:t>언제적</a:t>
+              </a:r>
+              <a:r>
+                <a:rPr lang="ko-KR" altLang="en-US" sz="600" dirty="0"/>
+                <a:t> 들어본 기억이 있다</a:t>
+              </a:r>
+              <a:r>
+                <a:rPr lang="en-US" altLang="ko-KR" sz="600" dirty="0"/>
+                <a:t>. </a:t>
+              </a:r>
+              <a:r>
+                <a:rPr lang="ko-KR" altLang="en-US" sz="600" dirty="0"/>
+                <a:t>칼춤을 추는 무희들은 장식이 달린 아름다운 칼을 지니고 다닌다고</a:t>
+              </a:r>
+            </a:p>
+          </p:txBody>
+        </p:sp>
+        <p:cxnSp>
+          <p:nvCxnSpPr>
+            <p:cNvPr id="59" name="직선 연결선 58">
+              <a:extLst>
+                <a:ext uri="{FF2B5EF4-FFF2-40B4-BE49-F238E27FC236}">
+                  <a16:creationId xmlns:a16="http://schemas.microsoft.com/office/drawing/2014/main" id="{0F94125F-5A38-A391-0B37-18EAC91441F5}"/>
+                </a:ext>
+              </a:extLst>
+            </p:cNvPr>
+            <p:cNvCxnSpPr/>
+            <p:nvPr/>
+          </p:nvCxnSpPr>
+          <p:spPr>
+            <a:xfrm>
+              <a:off x="8682288" y="4170401"/>
+              <a:ext cx="653934" cy="0"/>
+            </a:xfrm>
+            <a:prstGeom prst="line">
+              <a:avLst/>
+            </a:prstGeom>
+            <a:ln w="12700">
+              <a:solidFill>
+                <a:schemeClr val="tx1"/>
+              </a:solidFill>
+            </a:ln>
+          </p:spPr>
+          <p:style>
+            <a:lnRef idx="1">
+              <a:schemeClr val="accent1"/>
+            </a:lnRef>
+            <a:fillRef idx="0">
+              <a:schemeClr val="accent1"/>
+            </a:fillRef>
+            <a:effectRef idx="0">
+              <a:schemeClr val="accent1"/>
+            </a:effectRef>
+            <a:fontRef idx="minor">
+              <a:schemeClr val="tx1"/>
+            </a:fontRef>
+          </p:style>
+        </p:cxnSp>
+        <p:sp>
+          <p:nvSpPr>
+            <p:cNvPr id="60" name="TextBox 59">
+              <a:extLst>
+                <a:ext uri="{FF2B5EF4-FFF2-40B4-BE49-F238E27FC236}">
+                  <a16:creationId xmlns:a16="http://schemas.microsoft.com/office/drawing/2014/main" id="{EC82CAD8-5A06-EA4F-27C9-DAEACD76B6D1}"/>
+                </a:ext>
+              </a:extLst>
+            </p:cNvPr>
+            <p:cNvSpPr txBox="1"/>
+            <p:nvPr/>
+          </p:nvSpPr>
+          <p:spPr>
+            <a:xfrm>
+              <a:off x="9364797" y="4016512"/>
+              <a:ext cx="761507" cy="297536"/>
+            </a:xfrm>
+            <a:prstGeom prst="rect">
+              <a:avLst/>
+            </a:prstGeom>
+            <a:noFill/>
+          </p:spPr>
+          <p:txBody>
+            <a:bodyPr wrap="square" rtlCol="0">
+              <a:spAutoFit/>
+            </a:bodyPr>
+            <a:lstStyle/>
+            <a:p>
+              <a:pPr algn="ctr"/>
+              <a:r>
+                <a:rPr lang="ko-KR" altLang="en-US" sz="900" dirty="0"/>
+                <a:t>조합법</a:t>
+              </a:r>
+            </a:p>
+          </p:txBody>
+        </p:sp>
+        <p:cxnSp>
+          <p:nvCxnSpPr>
+            <p:cNvPr id="62" name="직선 연결선 61">
+              <a:extLst>
+                <a:ext uri="{FF2B5EF4-FFF2-40B4-BE49-F238E27FC236}">
+                  <a16:creationId xmlns:a16="http://schemas.microsoft.com/office/drawing/2014/main" id="{34CFE517-AB05-030B-8E4E-E3794D7A947B}"/>
+                </a:ext>
+              </a:extLst>
+            </p:cNvPr>
+            <p:cNvCxnSpPr/>
+            <p:nvPr/>
+          </p:nvCxnSpPr>
+          <p:spPr>
+            <a:xfrm>
+              <a:off x="10154881" y="4170401"/>
+              <a:ext cx="653934" cy="0"/>
+            </a:xfrm>
+            <a:prstGeom prst="line">
+              <a:avLst/>
+            </a:prstGeom>
+            <a:ln w="12700">
+              <a:solidFill>
+                <a:schemeClr val="tx1"/>
+              </a:solidFill>
+            </a:ln>
+          </p:spPr>
+          <p:style>
+            <a:lnRef idx="1">
+              <a:schemeClr val="accent1"/>
+            </a:lnRef>
+            <a:fillRef idx="0">
+              <a:schemeClr val="accent1"/>
+            </a:fillRef>
+            <a:effectRef idx="0">
+              <a:schemeClr val="accent1"/>
+            </a:effectRef>
+            <a:fontRef idx="minor">
+              <a:schemeClr val="tx1"/>
+            </a:fontRef>
+          </p:style>
+        </p:cxnSp>
+        <p:pic>
+          <p:nvPicPr>
+            <p:cNvPr id="63" name="그림 62">
+              <a:extLst>
+                <a:ext uri="{FF2B5EF4-FFF2-40B4-BE49-F238E27FC236}">
+                  <a16:creationId xmlns:a16="http://schemas.microsoft.com/office/drawing/2014/main" id="{02110F7B-7107-DEFF-9D0A-955062DC3FEC}"/>
+                </a:ext>
+              </a:extLst>
+            </p:cNvPr>
+            <p:cNvPicPr>
+              <a:picLocks noChangeAspect="1"/>
+            </p:cNvPicPr>
+            <p:nvPr/>
+          </p:nvPicPr>
+          <p:blipFill>
+            <a:blip r:embed="rId2"/>
+            <a:stretch>
+              <a:fillRect/>
+            </a:stretch>
+          </p:blipFill>
+          <p:spPr>
+            <a:xfrm>
+              <a:off x="8794581" y="4333071"/>
+              <a:ext cx="214674" cy="219553"/>
+            </a:xfrm>
+            <a:prstGeom prst="ellipse">
+              <a:avLst/>
+            </a:prstGeom>
+          </p:spPr>
+        </p:pic>
+        <p:sp>
+          <p:nvSpPr>
+            <p:cNvPr id="67" name="사각형: 둥근 모서리 66">
+              <a:extLst>
+                <a:ext uri="{FF2B5EF4-FFF2-40B4-BE49-F238E27FC236}">
+                  <a16:creationId xmlns:a16="http://schemas.microsoft.com/office/drawing/2014/main" id="{86207EDC-0E3C-9C80-0B34-24DF4B0333FD}"/>
+                </a:ext>
+              </a:extLst>
+            </p:cNvPr>
+            <p:cNvSpPr/>
+            <p:nvPr/>
+          </p:nvSpPr>
+          <p:spPr>
+            <a:xfrm>
+              <a:off x="5762090" y="3700802"/>
+              <a:ext cx="553797" cy="506539"/>
+            </a:xfrm>
+            <a:prstGeom prst="roundRect">
+              <a:avLst/>
+            </a:prstGeom>
+            <a:solidFill>
+              <a:schemeClr val="bg1"/>
+            </a:solidFill>
+            <a:ln>
+              <a:solidFill>
+                <a:schemeClr val="tx1"/>
+              </a:solidFill>
+            </a:ln>
+          </p:spPr>
+          <p:style>
+            <a:lnRef idx="2">
+              <a:schemeClr val="accent1">
+                <a:shade val="50000"/>
+              </a:schemeClr>
+            </a:lnRef>
+            <a:fillRef idx="1">
+              <a:schemeClr val="accent1"/>
+            </a:fillRef>
+            <a:effectRef idx="0">
+              <a:schemeClr val="accent1"/>
+            </a:effectRef>
+            <a:fontRef idx="minor">
+              <a:schemeClr val="lt1"/>
+            </a:fontRef>
+          </p:style>
+          <p:txBody>
+            <a:bodyPr rtlCol="0" anchor="ctr"/>
+            <a:lstStyle/>
+            <a:p>
+              <a:pPr algn="ctr"/>
+              <a:endParaRPr lang="ko-KR" altLang="en-US"/>
+            </a:p>
+          </p:txBody>
+        </p:sp>
+        <p:sp>
+          <p:nvSpPr>
+            <p:cNvPr id="68" name="사각형: 둥근 모서리 67">
+              <a:extLst>
+                <a:ext uri="{FF2B5EF4-FFF2-40B4-BE49-F238E27FC236}">
+                  <a16:creationId xmlns:a16="http://schemas.microsoft.com/office/drawing/2014/main" id="{A9310B00-7CEA-1EB4-3DD6-6F358CE729BF}"/>
+                </a:ext>
+              </a:extLst>
+            </p:cNvPr>
+            <p:cNvSpPr/>
+            <p:nvPr/>
+          </p:nvSpPr>
+          <p:spPr>
+            <a:xfrm>
+              <a:off x="6812034" y="3700456"/>
+              <a:ext cx="553797" cy="506539"/>
+            </a:xfrm>
+            <a:prstGeom prst="roundRect">
+              <a:avLst/>
+            </a:prstGeom>
+            <a:solidFill>
+              <a:schemeClr val="bg1"/>
+            </a:solidFill>
+            <a:ln>
+              <a:solidFill>
+                <a:schemeClr val="tx1"/>
+              </a:solidFill>
+            </a:ln>
+          </p:spPr>
+          <p:style>
+            <a:lnRef idx="2">
+              <a:schemeClr val="accent1">
+                <a:shade val="50000"/>
+              </a:schemeClr>
+            </a:lnRef>
+            <a:fillRef idx="1">
+              <a:schemeClr val="accent1"/>
+            </a:fillRef>
+            <a:effectRef idx="0">
+              <a:schemeClr val="accent1"/>
+            </a:effectRef>
+            <a:fontRef idx="minor">
+              <a:schemeClr val="lt1"/>
+            </a:fontRef>
+          </p:style>
+          <p:txBody>
+            <a:bodyPr rtlCol="0" anchor="ctr"/>
+            <a:lstStyle/>
+            <a:p>
+              <a:pPr algn="ctr"/>
+              <a:endParaRPr lang="ko-KR" altLang="en-US"/>
+            </a:p>
+          </p:txBody>
+        </p:sp>
+        <p:pic>
+          <p:nvPicPr>
+            <p:cNvPr id="69" name="그림 68">
+              <a:extLst>
+                <a:ext uri="{FF2B5EF4-FFF2-40B4-BE49-F238E27FC236}">
+                  <a16:creationId xmlns:a16="http://schemas.microsoft.com/office/drawing/2014/main" id="{3A2FFB2E-05A9-5099-8496-3C8CEAFB406D}"/>
+                </a:ext>
+              </a:extLst>
+            </p:cNvPr>
+            <p:cNvPicPr>
+              <a:picLocks noChangeAspect="1"/>
+            </p:cNvPicPr>
+            <p:nvPr/>
+          </p:nvPicPr>
+          <p:blipFill>
+            <a:blip r:embed="rId2"/>
+            <a:stretch>
+              <a:fillRect/>
+            </a:stretch>
+          </p:blipFill>
+          <p:spPr>
+            <a:xfrm>
+              <a:off x="5872211" y="3781322"/>
+              <a:ext cx="377087" cy="385658"/>
+            </a:xfrm>
+            <a:prstGeom prst="ellipse">
+              <a:avLst/>
+            </a:prstGeom>
+          </p:spPr>
+        </p:pic>
+        <p:pic>
+          <p:nvPicPr>
+            <p:cNvPr id="70" name="그림 69">
+              <a:extLst>
+                <a:ext uri="{FF2B5EF4-FFF2-40B4-BE49-F238E27FC236}">
+                  <a16:creationId xmlns:a16="http://schemas.microsoft.com/office/drawing/2014/main" id="{7FBCB0D0-65BC-D9F8-484F-88EAED22E0C1}"/>
+                </a:ext>
+              </a:extLst>
+            </p:cNvPr>
+            <p:cNvPicPr>
+              <a:picLocks noChangeAspect="1"/>
+            </p:cNvPicPr>
+            <p:nvPr/>
+          </p:nvPicPr>
+          <p:blipFill>
+            <a:blip r:embed="rId2"/>
+            <a:stretch>
+              <a:fillRect/>
+            </a:stretch>
+          </p:blipFill>
+          <p:spPr>
+            <a:xfrm>
+              <a:off x="6922155" y="3764476"/>
+              <a:ext cx="377087" cy="385658"/>
+            </a:xfrm>
+            <a:prstGeom prst="ellipse">
+              <a:avLst/>
+            </a:prstGeom>
+          </p:spPr>
+        </p:pic>
+      </p:grpSp>
+      <p:sp>
+        <p:nvSpPr>
+          <p:cNvPr id="73" name="직사각형 72">
+            <a:extLst>
+              <a:ext uri="{FF2B5EF4-FFF2-40B4-BE49-F238E27FC236}">
+                <a16:creationId xmlns:a16="http://schemas.microsoft.com/office/drawing/2014/main" id="{42812588-CAC4-DFED-DE15-55715A9E9F62}"/>
+              </a:ext>
+            </a:extLst>
+          </p:cNvPr>
+          <p:cNvSpPr/>
+          <p:nvPr/>
+        </p:nvSpPr>
+        <p:spPr>
+          <a:xfrm>
+            <a:off x="6431127" y="2281858"/>
+            <a:ext cx="502939" cy="230832"/>
+          </a:xfrm>
+          <a:prstGeom prst="rect">
+            <a:avLst/>
+          </a:prstGeom>
+          <a:noFill/>
+          <a:ln w="19050">
+            <a:solidFill>
+              <a:srgbClr val="FF0000"/>
+            </a:solidFill>
+          </a:ln>
+        </p:spPr>
+        <p:style>
+          <a:lnRef idx="2">
+            <a:schemeClr val="accent1">
+              <a:shade val="50000"/>
+            </a:schemeClr>
+          </a:lnRef>
+          <a:fillRef idx="1">
+            <a:schemeClr val="accent1"/>
+          </a:fillRef>
+          <a:effectRef idx="0">
+            <a:schemeClr val="accent1"/>
+          </a:effectRef>
+          <a:fontRef idx="minor">
+            <a:schemeClr val="lt1"/>
+          </a:fontRef>
+        </p:style>
+        <p:txBody>
+          <a:bodyPr rtlCol="0" anchor="ctr"/>
+          <a:lstStyle/>
+          <a:p>
+            <a:pPr algn="ctr"/>
+            <a:endParaRPr lang="ko-KR" altLang="en-US"/>
+          </a:p>
+        </p:txBody>
+      </p:sp>
+      <p:sp>
+        <p:nvSpPr>
+          <p:cNvPr id="75" name="직사각형 74">
+            <a:extLst>
+              <a:ext uri="{FF2B5EF4-FFF2-40B4-BE49-F238E27FC236}">
+                <a16:creationId xmlns:a16="http://schemas.microsoft.com/office/drawing/2014/main" id="{2BE9179E-CD8D-20B1-06EF-8C4972E5B149}"/>
+              </a:ext>
+            </a:extLst>
+          </p:cNvPr>
+          <p:cNvSpPr/>
+          <p:nvPr/>
+        </p:nvSpPr>
+        <p:spPr>
+          <a:xfrm>
+            <a:off x="10940273" y="2244062"/>
+            <a:ext cx="639472" cy="230832"/>
+          </a:xfrm>
+          <a:prstGeom prst="rect">
+            <a:avLst/>
+          </a:prstGeom>
+          <a:noFill/>
+          <a:ln w="19050">
+            <a:solidFill>
+              <a:srgbClr val="FF0000"/>
+            </a:solidFill>
+          </a:ln>
+        </p:spPr>
+        <p:style>
+          <a:lnRef idx="2">
+            <a:schemeClr val="accent1">
+              <a:shade val="50000"/>
+            </a:schemeClr>
+          </a:lnRef>
+          <a:fillRef idx="1">
+            <a:schemeClr val="accent1"/>
+          </a:fillRef>
+          <a:effectRef idx="0">
+            <a:schemeClr val="accent1"/>
+          </a:effectRef>
+          <a:fontRef idx="minor">
+            <a:schemeClr val="lt1"/>
+          </a:fontRef>
+        </p:style>
+        <p:txBody>
+          <a:bodyPr rtlCol="0" anchor="ctr"/>
+          <a:lstStyle/>
+          <a:p>
+            <a:pPr algn="ctr"/>
+            <a:endParaRPr lang="ko-KR" altLang="en-US"/>
+          </a:p>
+        </p:txBody>
+      </p:sp>
+      <p:sp>
+        <p:nvSpPr>
+          <p:cNvPr id="77" name="직사각형 76">
+            <a:extLst>
+              <a:ext uri="{FF2B5EF4-FFF2-40B4-BE49-F238E27FC236}">
+                <a16:creationId xmlns:a16="http://schemas.microsoft.com/office/drawing/2014/main" id="{0AF409A8-BCC5-0D05-9C96-23490480C371}"/>
+              </a:ext>
+            </a:extLst>
+          </p:cNvPr>
+          <p:cNvSpPr/>
+          <p:nvPr/>
+        </p:nvSpPr>
+        <p:spPr>
+          <a:xfrm>
+            <a:off x="6568230" y="2782944"/>
+            <a:ext cx="607457" cy="1699775"/>
+          </a:xfrm>
+          <a:prstGeom prst="rect">
+            <a:avLst/>
+          </a:prstGeom>
+          <a:noFill/>
+          <a:ln w="19050">
+            <a:solidFill>
+              <a:srgbClr val="FF0000"/>
+            </a:solidFill>
+          </a:ln>
+        </p:spPr>
+        <p:style>
+          <a:lnRef idx="2">
+            <a:schemeClr val="accent1">
+              <a:shade val="50000"/>
+            </a:schemeClr>
+          </a:lnRef>
+          <a:fillRef idx="1">
+            <a:schemeClr val="accent1"/>
+          </a:fillRef>
+          <a:effectRef idx="0">
+            <a:schemeClr val="accent1"/>
+          </a:effectRef>
+          <a:fontRef idx="minor">
+            <a:schemeClr val="lt1"/>
+          </a:fontRef>
+        </p:style>
+        <p:txBody>
+          <a:bodyPr rtlCol="0" anchor="ctr"/>
+          <a:lstStyle/>
+          <a:p>
+            <a:pPr algn="ctr"/>
+            <a:endParaRPr lang="ko-KR" altLang="en-US"/>
+          </a:p>
+        </p:txBody>
+      </p:sp>
+    </p:spTree>
+    <p:extLst>
+      <p:ext uri="{BB962C8B-B14F-4D97-AF65-F5344CB8AC3E}">
+        <p14:creationId xmlns:p14="http://schemas.microsoft.com/office/powerpoint/2010/main" val="1596343270"/>
+      </p:ext>
+    </p:extLst>
+  </p:cSld>
+  <p:clrMapOvr>
+    <a:masterClrMapping/>
+  </p:clrMapOvr>
+</p:sld>
+</file>
+
+<file path=ppt/slides/slide15.xml><?xml version="1.0" encoding="utf-8"?>
+<p:sld xmlns:a="http://schemas.openxmlformats.org/drawingml/2006/main" xmlns:r="http://schemas.openxmlformats.org/officeDocument/2006/relationships" xmlns:p="http://schemas.openxmlformats.org/presentationml/2006/main">
+  <p:cSld>
+    <p:spTree>
+      <p:nvGrpSpPr>
+        <p:cNvPr id="1" name=""/>
+        <p:cNvGrpSpPr/>
+        <p:nvPr/>
+      </p:nvGrpSpPr>
+      <p:grpSpPr>
+        <a:xfrm>
+          <a:off x="0" y="0"/>
+          <a:ext cx="0" cy="0"/>
+          <a:chOff x="0" y="0"/>
+          <a:chExt cx="0" cy="0"/>
+        </a:xfrm>
+      </p:grpSpPr>
+      <p:sp>
+        <p:nvSpPr>
+          <p:cNvPr id="41" name="TextBox 40">
+            <a:extLst>
+              <a:ext uri="{FF2B5EF4-FFF2-40B4-BE49-F238E27FC236}">
+                <a16:creationId xmlns:a16="http://schemas.microsoft.com/office/drawing/2014/main" id="{F7DF53E9-75B2-B34B-EA61-37DA27EB4E9F}"/>
+              </a:ext>
+            </a:extLst>
+          </p:cNvPr>
+          <p:cNvSpPr txBox="1"/>
+          <p:nvPr/>
+        </p:nvSpPr>
+        <p:spPr>
+          <a:xfrm>
+            <a:off x="672825" y="399870"/>
+            <a:ext cx="3828383" cy="523220"/>
+          </a:xfrm>
+          <a:prstGeom prst="rect">
+            <a:avLst/>
+          </a:prstGeom>
+          <a:noFill/>
+        </p:spPr>
+        <p:txBody>
+          <a:bodyPr wrap="square" rtlCol="0">
+            <a:spAutoFit/>
+          </a:bodyPr>
+          <a:lstStyle/>
+          <a:p>
+            <a:r>
+              <a:rPr lang="ko-KR" altLang="en-US" sz="2800" b="1" dirty="0">
+                <a:latin typeface="Aharoni" panose="020B0604020202020204" pitchFamily="2" charset="-79"/>
+                <a:cs typeface="Aharoni" panose="020B0604020202020204" pitchFamily="2" charset="-79"/>
+              </a:rPr>
+              <a:t>테이블에 필요한 칼럼</a:t>
+            </a:r>
+          </a:p>
+        </p:txBody>
+      </p:sp>
+      <p:sp>
+        <p:nvSpPr>
+          <p:cNvPr id="3" name="TextBox 2">
+            <a:extLst>
+              <a:ext uri="{FF2B5EF4-FFF2-40B4-BE49-F238E27FC236}">
+                <a16:creationId xmlns:a16="http://schemas.microsoft.com/office/drawing/2014/main" id="{3F77B42B-68F7-4F07-58F0-6401FFFA4CB9}"/>
+              </a:ext>
+            </a:extLst>
+          </p:cNvPr>
+          <p:cNvSpPr txBox="1"/>
+          <p:nvPr/>
+        </p:nvSpPr>
+        <p:spPr>
+          <a:xfrm>
+            <a:off x="902601" y="1144476"/>
+            <a:ext cx="10182287" cy="5319598"/>
+          </a:xfrm>
+          <a:prstGeom prst="rect">
+            <a:avLst/>
+          </a:prstGeom>
+          <a:noFill/>
+        </p:spPr>
+        <p:txBody>
+          <a:bodyPr wrap="square" rtlCol="0">
+            <a:spAutoFit/>
+          </a:bodyPr>
+          <a:lstStyle/>
+          <a:p>
+            <a:pPr marL="285750" indent="-285750">
+              <a:lnSpc>
+                <a:spcPct val="150000"/>
+              </a:lnSpc>
+              <a:buFont typeface="Arial" panose="020B0604020202020204" pitchFamily="34" charset="0"/>
+              <a:buChar char="•"/>
+            </a:pPr>
+            <a:r>
+              <a:rPr lang="en-US" altLang="ko-KR" sz="1200" dirty="0"/>
+              <a:t>Index : </a:t>
+            </a:r>
+            <a:r>
+              <a:rPr lang="ko-KR" altLang="en-US" sz="1200" dirty="0"/>
+              <a:t>순번</a:t>
+            </a:r>
+            <a:endParaRPr lang="en-US" altLang="ko-KR" sz="1200" dirty="0"/>
+          </a:p>
+          <a:p>
+            <a:pPr marL="285750" indent="-285750">
+              <a:lnSpc>
+                <a:spcPct val="150000"/>
+              </a:lnSpc>
+              <a:buFont typeface="Arial" panose="020B0604020202020204" pitchFamily="34" charset="0"/>
+              <a:buChar char="•"/>
+            </a:pPr>
+            <a:r>
+              <a:rPr lang="en-US" altLang="ko-KR" sz="1200" dirty="0"/>
+              <a:t>Name : </a:t>
+            </a:r>
+            <a:r>
+              <a:rPr lang="ko-KR" altLang="en-US" sz="1200" dirty="0"/>
+              <a:t>아이템 이름</a:t>
+            </a:r>
+            <a:endParaRPr lang="en-US" altLang="ko-KR" sz="1200" dirty="0"/>
+          </a:p>
+          <a:p>
+            <a:pPr marL="285750" indent="-285750">
+              <a:lnSpc>
+                <a:spcPct val="150000"/>
+              </a:lnSpc>
+              <a:buFont typeface="Arial" panose="020B0604020202020204" pitchFamily="34" charset="0"/>
+              <a:buChar char="•"/>
+            </a:pPr>
+            <a:r>
+              <a:rPr lang="en-US" altLang="ko-KR" sz="1200" dirty="0" err="1"/>
+              <a:t>ItemID</a:t>
+            </a:r>
+            <a:r>
+              <a:rPr lang="en-US" altLang="ko-KR" sz="1200" dirty="0"/>
+              <a:t> : </a:t>
+            </a:r>
+            <a:r>
+              <a:rPr lang="ko-KR" altLang="en-US" sz="1200" dirty="0"/>
+              <a:t>도감에 나타나는 아이템의 </a:t>
+            </a:r>
+            <a:r>
+              <a:rPr lang="en-US" altLang="ko-KR" sz="1200" dirty="0"/>
+              <a:t>ID</a:t>
+            </a:r>
+          </a:p>
+          <a:p>
+            <a:pPr marL="285750" indent="-285750">
+              <a:lnSpc>
+                <a:spcPct val="150000"/>
+              </a:lnSpc>
+              <a:buFont typeface="Arial" panose="020B0604020202020204" pitchFamily="34" charset="0"/>
+              <a:buChar char="•"/>
+            </a:pPr>
+            <a:r>
+              <a:rPr lang="en-US" altLang="ko-KR" sz="1200" dirty="0"/>
+              <a:t>ItemType : UI</a:t>
+            </a:r>
+            <a:r>
+              <a:rPr lang="ko-KR" altLang="en-US" sz="1200" dirty="0"/>
+              <a:t> 좌측에 표시되는 목록들 </a:t>
+            </a:r>
+            <a:r>
+              <a:rPr lang="en-US" altLang="ko-KR" sz="1200" dirty="0"/>
+              <a:t>// Item </a:t>
+            </a:r>
+            <a:r>
+              <a:rPr lang="ko-KR" altLang="en-US" sz="1200" dirty="0"/>
+              <a:t>테이블 참조</a:t>
+            </a:r>
+            <a:endParaRPr lang="en-US" altLang="ko-KR" sz="1200" dirty="0"/>
+          </a:p>
+          <a:p>
+            <a:pPr marL="742950" lvl="1" indent="-285750">
+              <a:lnSpc>
+                <a:spcPct val="150000"/>
+              </a:lnSpc>
+              <a:buFont typeface="Wingdings" panose="05000000000000000000" pitchFamily="2" charset="2"/>
+              <a:buChar char="Ø"/>
+            </a:pPr>
+            <a:r>
+              <a:rPr lang="en-US" altLang="ko-KR" sz="1200" dirty="0"/>
+              <a:t>1 : </a:t>
+            </a:r>
+            <a:r>
+              <a:rPr lang="ko-KR" altLang="en-US" sz="1200" dirty="0"/>
+              <a:t>캐릭터 장비</a:t>
+            </a:r>
+            <a:endParaRPr lang="en-US" altLang="ko-KR" sz="1200" dirty="0"/>
+          </a:p>
+          <a:p>
+            <a:pPr marL="742950" lvl="1" indent="-285750">
+              <a:lnSpc>
+                <a:spcPct val="150000"/>
+              </a:lnSpc>
+              <a:buFont typeface="Wingdings" panose="05000000000000000000" pitchFamily="2" charset="2"/>
+              <a:buChar char="Ø"/>
+            </a:pPr>
+            <a:r>
+              <a:rPr lang="en-US" altLang="ko-KR" sz="1200" dirty="0"/>
+              <a:t>2 : </a:t>
+            </a:r>
+            <a:r>
+              <a:rPr lang="ko-KR" altLang="en-US" sz="1200" dirty="0"/>
+              <a:t>선물</a:t>
+            </a:r>
+            <a:endParaRPr lang="en-US" altLang="ko-KR" sz="1200" dirty="0"/>
+          </a:p>
+          <a:p>
+            <a:pPr marL="742950" lvl="1" indent="-285750">
+              <a:lnSpc>
+                <a:spcPct val="150000"/>
+              </a:lnSpc>
+              <a:buFont typeface="Wingdings" panose="05000000000000000000" pitchFamily="2" charset="2"/>
+              <a:buChar char="Ø"/>
+            </a:pPr>
+            <a:r>
+              <a:rPr lang="en-US" altLang="ko-KR" sz="1200" dirty="0"/>
+              <a:t>3 : </a:t>
+            </a:r>
+            <a:r>
+              <a:rPr lang="ko-KR" altLang="en-US" sz="1200" dirty="0"/>
+              <a:t>물약</a:t>
+            </a:r>
+            <a:endParaRPr lang="en-US" altLang="ko-KR" sz="1200" dirty="0"/>
+          </a:p>
+          <a:p>
+            <a:pPr marL="742950" lvl="1" indent="-285750">
+              <a:lnSpc>
+                <a:spcPct val="150000"/>
+              </a:lnSpc>
+              <a:buFont typeface="Wingdings" panose="05000000000000000000" pitchFamily="2" charset="2"/>
+              <a:buChar char="Ø"/>
+            </a:pPr>
+            <a:r>
+              <a:rPr lang="en-US" altLang="ko-KR" sz="1200" dirty="0"/>
+              <a:t>4 : </a:t>
+            </a:r>
+            <a:r>
+              <a:rPr lang="ko-KR" altLang="en-US" sz="1200" dirty="0"/>
+              <a:t>재료</a:t>
+            </a:r>
+            <a:endParaRPr lang="en-US" altLang="ko-KR" sz="1200" dirty="0"/>
+          </a:p>
+          <a:p>
+            <a:pPr marL="742950" lvl="1" indent="-285750">
+              <a:lnSpc>
+                <a:spcPct val="150000"/>
+              </a:lnSpc>
+              <a:buFont typeface="Wingdings" panose="05000000000000000000" pitchFamily="2" charset="2"/>
+              <a:buChar char="Ø"/>
+            </a:pPr>
+            <a:r>
+              <a:rPr lang="en-US" altLang="ko-KR" sz="1200" dirty="0"/>
+              <a:t>5 : </a:t>
+            </a:r>
+            <a:r>
+              <a:rPr lang="ko-KR" altLang="en-US" sz="1200" dirty="0"/>
+              <a:t>퀘스트</a:t>
+            </a:r>
+            <a:endParaRPr lang="en-US" altLang="ko-KR" sz="1200" dirty="0"/>
+          </a:p>
+          <a:p>
+            <a:pPr marL="285750" indent="-285750">
+              <a:lnSpc>
+                <a:spcPct val="150000"/>
+              </a:lnSpc>
+              <a:buFont typeface="Arial" panose="020B0604020202020204" pitchFamily="34" charset="0"/>
+              <a:buChar char="•"/>
+            </a:pPr>
+            <a:r>
+              <a:rPr lang="en-US" altLang="ko-KR" sz="1200" dirty="0" err="1"/>
+              <a:t>CharacterID</a:t>
+            </a:r>
+            <a:r>
+              <a:rPr lang="en-US" altLang="ko-KR" sz="1200" dirty="0"/>
+              <a:t> : ItemType</a:t>
+            </a:r>
+            <a:r>
+              <a:rPr lang="ko-KR" altLang="en-US" sz="1200" dirty="0"/>
+              <a:t>이 장비 일 때 분류되는 캐릭터</a:t>
+            </a:r>
+            <a:r>
+              <a:rPr lang="en-US" altLang="ko-KR" sz="1200" dirty="0"/>
+              <a:t> (ItemType</a:t>
+            </a:r>
+            <a:r>
+              <a:rPr lang="ko-KR" altLang="en-US" sz="1200" dirty="0"/>
+              <a:t>이 </a:t>
+            </a:r>
+            <a:r>
+              <a:rPr lang="en-US" altLang="ko-KR" sz="1200" dirty="0"/>
+              <a:t>5</a:t>
+            </a:r>
+            <a:r>
+              <a:rPr lang="ko-KR" altLang="en-US" sz="1200" dirty="0"/>
+              <a:t>일 때만 값을 가짐</a:t>
+            </a:r>
+            <a:r>
+              <a:rPr lang="en-US" altLang="ko-KR" sz="1200" dirty="0"/>
+              <a:t>, </a:t>
+            </a:r>
+            <a:r>
+              <a:rPr lang="ko-KR" altLang="en-US" sz="1200" dirty="0"/>
+              <a:t>이외 </a:t>
+            </a:r>
+            <a:r>
+              <a:rPr lang="en-US" altLang="ko-KR" sz="1200" dirty="0"/>
+              <a:t>0) // Character </a:t>
+            </a:r>
+            <a:r>
+              <a:rPr lang="ko-KR" altLang="en-US" sz="1200" dirty="0"/>
+              <a:t>테이블 참조</a:t>
+            </a:r>
+            <a:endParaRPr lang="en-US" altLang="ko-KR" sz="1200" dirty="0"/>
+          </a:p>
+          <a:p>
+            <a:pPr marL="285750" indent="-285750">
+              <a:lnSpc>
+                <a:spcPct val="150000"/>
+              </a:lnSpc>
+              <a:buFont typeface="Arial" panose="020B0604020202020204" pitchFamily="34" charset="0"/>
+              <a:buChar char="•"/>
+            </a:pPr>
+            <a:r>
+              <a:rPr lang="en-US" altLang="ko-KR" sz="1200" dirty="0" err="1"/>
+              <a:t>ListCategory</a:t>
+            </a:r>
+            <a:r>
+              <a:rPr lang="en-US" altLang="ko-KR" sz="1200" dirty="0"/>
+              <a:t> : </a:t>
+            </a:r>
+            <a:r>
+              <a:rPr lang="ko-KR" altLang="en-US" sz="1200" dirty="0"/>
+              <a:t>아이템 분류 </a:t>
+            </a:r>
+            <a:r>
+              <a:rPr lang="en-US" altLang="ko-KR" sz="1200" dirty="0"/>
+              <a:t>(ItemType</a:t>
+            </a:r>
+            <a:r>
+              <a:rPr lang="ko-KR" altLang="en-US" sz="1200" dirty="0"/>
+              <a:t>이 </a:t>
+            </a:r>
+            <a:r>
+              <a:rPr lang="en-US" altLang="ko-KR" sz="1200" dirty="0"/>
+              <a:t>4</a:t>
+            </a:r>
+            <a:r>
+              <a:rPr lang="ko-KR" altLang="en-US" sz="1200" dirty="0"/>
+              <a:t>일 때만 값을 가짐</a:t>
+            </a:r>
+            <a:r>
+              <a:rPr lang="en-US" altLang="ko-KR" sz="1200" dirty="0"/>
+              <a:t>, </a:t>
+            </a:r>
+            <a:r>
+              <a:rPr lang="ko-KR" altLang="en-US" sz="1200" dirty="0"/>
+              <a:t>이외 </a:t>
+            </a:r>
+            <a:r>
+              <a:rPr lang="en-US" altLang="ko-KR" sz="1200" dirty="0"/>
+              <a:t>0) // Item </a:t>
+            </a:r>
+            <a:r>
+              <a:rPr lang="ko-KR" altLang="en-US" sz="1200" dirty="0"/>
+              <a:t>테이블 참조</a:t>
+            </a:r>
+            <a:endParaRPr lang="en-US" altLang="ko-KR" sz="1200" dirty="0"/>
+          </a:p>
+          <a:p>
+            <a:pPr marL="742950" lvl="1" indent="-285750">
+              <a:lnSpc>
+                <a:spcPct val="150000"/>
+              </a:lnSpc>
+              <a:buFont typeface="Wingdings" panose="05000000000000000000" pitchFamily="2" charset="2"/>
+              <a:buChar char="Ø"/>
+            </a:pPr>
+            <a:r>
+              <a:rPr lang="en-US" altLang="ko-KR" sz="1200" dirty="0"/>
+              <a:t>1 : </a:t>
+            </a:r>
+            <a:r>
+              <a:rPr lang="ko-KR" altLang="en-US" sz="1200" dirty="0"/>
+              <a:t>불</a:t>
+            </a:r>
+            <a:endParaRPr lang="en-US" altLang="ko-KR" sz="1200" dirty="0"/>
+          </a:p>
+          <a:p>
+            <a:pPr marL="742950" lvl="1" indent="-285750">
+              <a:lnSpc>
+                <a:spcPct val="150000"/>
+              </a:lnSpc>
+              <a:buFont typeface="Wingdings" panose="05000000000000000000" pitchFamily="2" charset="2"/>
+              <a:buChar char="Ø"/>
+            </a:pPr>
+            <a:r>
+              <a:rPr lang="en-US" altLang="ko-KR" sz="1200" dirty="0"/>
+              <a:t>2 : </a:t>
+            </a:r>
+            <a:r>
+              <a:rPr lang="ko-KR" altLang="en-US" sz="1200" dirty="0"/>
+              <a:t>물</a:t>
+            </a:r>
+            <a:endParaRPr lang="en-US" altLang="ko-KR" sz="1200" dirty="0"/>
+          </a:p>
+          <a:p>
+            <a:pPr marL="742950" lvl="1" indent="-285750">
+              <a:lnSpc>
+                <a:spcPct val="150000"/>
+              </a:lnSpc>
+              <a:buFont typeface="Wingdings" panose="05000000000000000000" pitchFamily="2" charset="2"/>
+              <a:buChar char="Ø"/>
+            </a:pPr>
+            <a:r>
+              <a:rPr lang="en-US" altLang="ko-KR" sz="1200" dirty="0"/>
+              <a:t>3 : </a:t>
+            </a:r>
+            <a:r>
+              <a:rPr lang="ko-KR" altLang="en-US" sz="1200" dirty="0"/>
+              <a:t>목재</a:t>
+            </a:r>
+            <a:endParaRPr lang="en-US" altLang="ko-KR" sz="1200" dirty="0"/>
+          </a:p>
+          <a:p>
+            <a:pPr marL="742950" lvl="1" indent="-285750">
+              <a:lnSpc>
+                <a:spcPct val="150000"/>
+              </a:lnSpc>
+              <a:buFont typeface="Wingdings" panose="05000000000000000000" pitchFamily="2" charset="2"/>
+              <a:buChar char="Ø"/>
+            </a:pPr>
+            <a:r>
+              <a:rPr lang="en-US" altLang="ko-KR" sz="1200" dirty="0"/>
+              <a:t>4 : </a:t>
+            </a:r>
+            <a:r>
+              <a:rPr lang="ko-KR" altLang="en-US" sz="1200" dirty="0"/>
+              <a:t>금속</a:t>
+            </a:r>
+            <a:endParaRPr lang="en-US" altLang="ko-KR" sz="1200" dirty="0"/>
+          </a:p>
+          <a:p>
+            <a:pPr marL="742950" lvl="1" indent="-285750">
+              <a:lnSpc>
+                <a:spcPct val="150000"/>
+              </a:lnSpc>
+              <a:buFont typeface="Wingdings" panose="05000000000000000000" pitchFamily="2" charset="2"/>
+              <a:buChar char="Ø"/>
+            </a:pPr>
+            <a:r>
+              <a:rPr lang="en-US" altLang="ko-KR" sz="1200" dirty="0"/>
+              <a:t>5 : </a:t>
+            </a:r>
+            <a:r>
+              <a:rPr lang="ko-KR" altLang="en-US" sz="1200" dirty="0"/>
+              <a:t>흙</a:t>
+            </a:r>
+            <a:endParaRPr lang="en-US" altLang="ko-KR" sz="1200" dirty="0"/>
+          </a:p>
+          <a:p>
+            <a:pPr marL="171450" indent="-171450">
+              <a:lnSpc>
+                <a:spcPct val="150000"/>
+              </a:lnSpc>
+              <a:buFont typeface="Arial" panose="020B0604020202020204" pitchFamily="34" charset="0"/>
+              <a:buChar char="•"/>
+            </a:pPr>
+            <a:r>
+              <a:rPr lang="en-US" altLang="ko-KR" sz="1200" dirty="0" err="1"/>
+              <a:t>InformationKeyKode</a:t>
+            </a:r>
+            <a:r>
+              <a:rPr lang="en-US" altLang="ko-KR" sz="1200" dirty="0"/>
+              <a:t> : </a:t>
+            </a:r>
+            <a:r>
+              <a:rPr lang="ko-KR" altLang="en-US" sz="1200" dirty="0"/>
+              <a:t>아이템 정보 텍스트 </a:t>
+            </a:r>
+            <a:r>
+              <a:rPr lang="ko-KR" altLang="en-US" sz="1200" dirty="0" err="1"/>
+              <a:t>키코드</a:t>
+            </a:r>
+            <a:endParaRPr lang="en-US" altLang="ko-KR" sz="1200" dirty="0"/>
+          </a:p>
+          <a:p>
+            <a:pPr marL="171450" indent="-171450">
+              <a:lnSpc>
+                <a:spcPct val="150000"/>
+              </a:lnSpc>
+              <a:buFont typeface="Arial" panose="020B0604020202020204" pitchFamily="34" charset="0"/>
+              <a:buChar char="•"/>
+            </a:pPr>
+            <a:r>
+              <a:rPr lang="en-US" altLang="ko-KR" sz="1200" dirty="0" err="1"/>
+              <a:t>MaterialItemID</a:t>
+            </a:r>
+            <a:r>
+              <a:rPr lang="en-US" altLang="ko-KR" sz="1200" dirty="0"/>
+              <a:t> (1 ~ 5) : </a:t>
+            </a:r>
+            <a:r>
+              <a:rPr lang="ko-KR" altLang="en-US" sz="1200" dirty="0"/>
+              <a:t>아이템 정보에 나타나는 재료 아이템</a:t>
+            </a:r>
+            <a:endParaRPr lang="en-US" altLang="ko-KR" sz="1200" dirty="0"/>
+          </a:p>
+          <a:p>
+            <a:pPr marL="171450" indent="-171450">
+              <a:lnSpc>
+                <a:spcPct val="150000"/>
+              </a:lnSpc>
+              <a:buFont typeface="Arial" panose="020B0604020202020204" pitchFamily="34" charset="0"/>
+              <a:buChar char="•"/>
+            </a:pPr>
+            <a:r>
+              <a:rPr lang="en-US" altLang="ko-KR" sz="1200" dirty="0" err="1"/>
+              <a:t>MaterialItemCount</a:t>
+            </a:r>
+            <a:r>
+              <a:rPr lang="en-US" altLang="ko-KR" sz="1200" dirty="0"/>
+              <a:t> (1 ~ 5) : </a:t>
+            </a:r>
+            <a:r>
+              <a:rPr lang="ko-KR" altLang="en-US" sz="1200" dirty="0"/>
+              <a:t>아이템 정보에 나타나는 재료 아이템의</a:t>
+            </a:r>
+            <a:r>
+              <a:rPr lang="en-US" altLang="ko-KR" sz="1200" dirty="0"/>
+              <a:t> </a:t>
+            </a:r>
+            <a:r>
+              <a:rPr lang="ko-KR" altLang="en-US" sz="1200" dirty="0"/>
+              <a:t>필요 개수</a:t>
+            </a:r>
+            <a:endParaRPr lang="en-US" altLang="ko-KR" sz="1200" dirty="0"/>
+          </a:p>
+        </p:txBody>
+      </p:sp>
+    </p:spTree>
+    <p:extLst>
+      <p:ext uri="{BB962C8B-B14F-4D97-AF65-F5344CB8AC3E}">
+        <p14:creationId xmlns:p14="http://schemas.microsoft.com/office/powerpoint/2010/main" val="2245527207"/>
+      </p:ext>
+    </p:extLst>
+  </p:cSld>
+  <p:clrMapOvr>
+    <a:masterClrMapping/>
+  </p:clrMapOvr>
+</p:sld>
+</file>
+
 <file path=ppt/slides/slide2.xml><?xml version="1.0" encoding="utf-8"?>
 <p:sld xmlns:a="http://schemas.openxmlformats.org/drawingml/2006/main" xmlns:r="http://schemas.openxmlformats.org/officeDocument/2006/relationships" xmlns:p="http://schemas.openxmlformats.org/presentationml/2006/main">
   <p:cSld>
@@ -4366,7 +11641,9 @@
             <a:avLst/>
           </a:prstGeom>
           <a:solidFill>
-            <a:schemeClr val="bg1"/>
+            <a:schemeClr val="bg2">
+              <a:lumMod val="75000"/>
+            </a:schemeClr>
           </a:solidFill>
           <a:ln>
             <a:solidFill>
@@ -4421,7 +11698,7 @@
         </p:blipFill>
         <p:spPr>
           <a:xfrm>
-            <a:off x="5559160" y="3009656"/>
+            <a:off x="5548017" y="2991568"/>
             <a:ext cx="377087" cy="385658"/>
           </a:xfrm>
           <a:prstGeom prst="ellipse">
@@ -6970,7 +14247,9 @@
             <a:avLst/>
           </a:prstGeom>
           <a:solidFill>
-            <a:schemeClr val="bg1"/>
+            <a:schemeClr val="bg2">
+              <a:lumMod val="75000"/>
+            </a:schemeClr>
           </a:solidFill>
           <a:ln>
             <a:solidFill>
@@ -10619,7 +17898,10 @@
             <a:avLst/>
           </a:prstGeom>
           <a:solidFill>
-            <a:schemeClr val="bg1"/>
+            <a:schemeClr val="tx1">
+              <a:lumMod val="50000"/>
+              <a:lumOff val="50000"/>
+            </a:schemeClr>
           </a:solidFill>
           <a:ln>
             <a:solidFill>
@@ -10704,7 +17986,7 @@
         </p:blipFill>
         <p:spPr>
           <a:xfrm>
-            <a:off x="6638986" y="2992810"/>
+            <a:off x="6614341" y="2975068"/>
             <a:ext cx="377087" cy="385658"/>
           </a:xfrm>
           <a:prstGeom prst="ellipse">
@@ -16577,50 +23859,6 @@
           </a:p>
         </p:txBody>
       </p:sp>
-      <p:cxnSp>
-        <p:nvCxnSpPr>
-          <p:cNvPr id="44" name="직선 화살표 연결선 43">
-            <a:extLst>
-              <a:ext uri="{FF2B5EF4-FFF2-40B4-BE49-F238E27FC236}">
-                <a16:creationId xmlns:a16="http://schemas.microsoft.com/office/drawing/2014/main" id="{5D424422-A148-0F26-8931-ECD41E552423}"/>
-              </a:ext>
-            </a:extLst>
-          </p:cNvPr>
-          <p:cNvCxnSpPr>
-            <a:cxnSpLocks/>
-          </p:cNvCxnSpPr>
-          <p:nvPr/>
-        </p:nvCxnSpPr>
-        <p:spPr>
-          <a:xfrm flipH="1">
-            <a:off x="9261987" y="4546854"/>
-            <a:ext cx="230277" cy="812279"/>
-          </a:xfrm>
-          <a:prstGeom prst="straightConnector1">
-            <a:avLst/>
-          </a:prstGeom>
-          <a:ln>
-            <a:solidFill>
-              <a:schemeClr val="tx1"/>
-            </a:solidFill>
-            <a:tailEnd type="triangle"/>
-          </a:ln>
-        </p:spPr>
-        <p:style>
-          <a:lnRef idx="1">
-            <a:schemeClr val="accent1"/>
-          </a:lnRef>
-          <a:fillRef idx="0">
-            <a:schemeClr val="accent1"/>
-          </a:fillRef>
-          <a:effectRef idx="0">
-            <a:schemeClr val="accent1"/>
-          </a:effectRef>
-          <a:fontRef idx="minor">
-            <a:schemeClr val="tx1"/>
-          </a:fontRef>
-        </p:style>
-      </p:cxnSp>
       <p:sp>
         <p:nvSpPr>
           <p:cNvPr id="47" name="사각형: 둥근 모서리 46">
@@ -16887,7 +24125,7 @@
         </p:nvSpPr>
         <p:spPr>
           <a:xfrm>
-            <a:off x="8438397" y="5359133"/>
+            <a:off x="8916673" y="5439456"/>
             <a:ext cx="1790164" cy="230832"/>
           </a:xfrm>
           <a:prstGeom prst="rect">
@@ -16909,6 +24147,85 @@
           </a:p>
         </p:txBody>
       </p:sp>
+      <p:sp>
+        <p:nvSpPr>
+          <p:cNvPr id="18" name="TextBox 17">
+            <a:extLst>
+              <a:ext uri="{FF2B5EF4-FFF2-40B4-BE49-F238E27FC236}">
+                <a16:creationId xmlns:a16="http://schemas.microsoft.com/office/drawing/2014/main" id="{71D35E3A-A8F0-BB85-CD19-CDB330FD6591}"/>
+              </a:ext>
+            </a:extLst>
+          </p:cNvPr>
+          <p:cNvSpPr txBox="1"/>
+          <p:nvPr/>
+        </p:nvSpPr>
+        <p:spPr>
+          <a:xfrm>
+            <a:off x="8948183" y="4477597"/>
+            <a:ext cx="1041958" cy="276999"/>
+          </a:xfrm>
+          <a:prstGeom prst="rect">
+            <a:avLst/>
+          </a:prstGeom>
+          <a:noFill/>
+        </p:spPr>
+        <p:txBody>
+          <a:bodyPr wrap="square" rtlCol="0">
+            <a:spAutoFit/>
+          </a:bodyPr>
+          <a:lstStyle/>
+          <a:p>
+            <a:r>
+              <a:rPr lang="ko-KR" altLang="en-US" sz="1200" dirty="0"/>
+              <a:t>☆ 즐겨찾기</a:t>
+            </a:r>
+          </a:p>
+        </p:txBody>
+      </p:sp>
+      <p:cxnSp>
+        <p:nvCxnSpPr>
+          <p:cNvPr id="44" name="직선 화살표 연결선 43">
+            <a:extLst>
+              <a:ext uri="{FF2B5EF4-FFF2-40B4-BE49-F238E27FC236}">
+                <a16:creationId xmlns:a16="http://schemas.microsoft.com/office/drawing/2014/main" id="{5D424422-A148-0F26-8931-ECD41E552423}"/>
+              </a:ext>
+            </a:extLst>
+          </p:cNvPr>
+          <p:cNvCxnSpPr>
+            <a:cxnSpLocks/>
+          </p:cNvCxnSpPr>
+          <p:nvPr/>
+        </p:nvCxnSpPr>
+        <p:spPr>
+          <a:xfrm flipH="1">
+            <a:off x="9836523" y="4554813"/>
+            <a:ext cx="230277" cy="812279"/>
+          </a:xfrm>
+          <a:prstGeom prst="straightConnector1">
+            <a:avLst/>
+          </a:prstGeom>
+          <a:ln>
+            <a:solidFill>
+              <a:schemeClr val="tx1"/>
+            </a:solidFill>
+            <a:tailEnd type="triangle"/>
+          </a:ln>
+        </p:spPr>
+        <p:style>
+          <a:lnRef idx="1">
+            <a:schemeClr val="accent1"/>
+          </a:lnRef>
+          <a:fillRef idx="0">
+            <a:schemeClr val="accent1"/>
+          </a:fillRef>
+          <a:effectRef idx="0">
+            <a:schemeClr val="accent1"/>
+          </a:effectRef>
+          <a:fontRef idx="minor">
+            <a:schemeClr val="tx1"/>
+          </a:fontRef>
+        </p:style>
+      </p:cxnSp>
     </p:spTree>
     <p:extLst>
       <p:ext uri="{BB962C8B-B14F-4D97-AF65-F5344CB8AC3E}">
